--- a/AML_INNOVATIVE_20MCED08/AML_PPT.pptx
+++ b/AML_INNOVATIVE_20MCED08/AML_PPT.pptx
@@ -5,7 +5,7 @@
     <p:sldMasterId id="2147483660" r:id="rId4"/>
   </p:sldMasterIdLst>
   <p:notesMasterIdLst>
-    <p:notesMasterId r:id="rId45"/>
+    <p:notesMasterId r:id="rId46"/>
   </p:notesMasterIdLst>
   <p:sldIdLst>
     <p:sldId id="268" r:id="rId5"/>
@@ -44,10 +44,11 @@
     <p:sldId id="375" r:id="rId38"/>
     <p:sldId id="376" r:id="rId39"/>
     <p:sldId id="378" r:id="rId40"/>
-    <p:sldId id="379" r:id="rId41"/>
-    <p:sldId id="377" r:id="rId42"/>
-    <p:sldId id="380" r:id="rId43"/>
-    <p:sldId id="343" r:id="rId44"/>
+    <p:sldId id="381" r:id="rId41"/>
+    <p:sldId id="379" r:id="rId42"/>
+    <p:sldId id="377" r:id="rId43"/>
+    <p:sldId id="380" r:id="rId44"/>
+    <p:sldId id="343" r:id="rId45"/>
   </p:sldIdLst>
   <p:sldSz cx="12192000" cy="6858000"/>
   <p:notesSz cx="6858000" cy="9144000"/>
@@ -247,7 +248,7 @@
           <a:p>
             <a:fld id="{C2A4BB04-A3E9-438A-8CA9-16754FEF1C9C}" type="datetimeFigureOut">
               <a:rPr lang="en-IN" smtClean="0"/>
-              <a:t>11-01-2021</a:t>
+              <a:t>12-01-2021</a:t>
             </a:fld>
             <a:endParaRPr lang="en-IN"/>
           </a:p>
@@ -537,7 +538,7 @@
           <p:cNvPr id="10" name="Rectangle 9">
             <a:extLst>
               <a:ext uri="{FF2B5EF4-FFF2-40B4-BE49-F238E27FC236}">
-                <a16:creationId xmlns:a16="http://schemas.microsoft.com/office/drawing/2014/main" id="{39E3965E-AC41-4711-9D10-E25ABB132D86}"/>
+                <a16:creationId xmlns="" xmlns:a16="http://schemas.microsoft.com/office/drawing/2014/main" id="{39E3965E-AC41-4711-9D10-E25ABB132D86}"/>
               </a:ext>
             </a:extLst>
           </p:cNvPr>
@@ -697,7 +698,7 @@
           <p:cNvPr id="9" name="Straight Connector 8">
             <a:extLst>
               <a:ext uri="{FF2B5EF4-FFF2-40B4-BE49-F238E27FC236}">
-                <a16:creationId xmlns:a16="http://schemas.microsoft.com/office/drawing/2014/main" id="{1F5DC8C3-BA5F-4EED-BB9A-A14272BD82A1}"/>
+                <a16:creationId xmlns="" xmlns:a16="http://schemas.microsoft.com/office/drawing/2014/main" id="{1F5DC8C3-BA5F-4EED-BB9A-A14272BD82A1}"/>
               </a:ext>
             </a:extLst>
           </p:cNvPr>
@@ -741,7 +742,7 @@
           <p:cNvPr id="4" name="Date Placeholder 3">
             <a:extLst>
               <a:ext uri="{FF2B5EF4-FFF2-40B4-BE49-F238E27FC236}">
-                <a16:creationId xmlns:a16="http://schemas.microsoft.com/office/drawing/2014/main" id="{9925CCF1-92C0-4AF3-BFAF-4921631915AB}"/>
+                <a16:creationId xmlns="" xmlns:a16="http://schemas.microsoft.com/office/drawing/2014/main" id="{9925CCF1-92C0-4AF3-BFAF-4921631915AB}"/>
               </a:ext>
             </a:extLst>
           </p:cNvPr>
@@ -759,7 +760,7 @@
           <a:p>
             <a:fld id="{9184DA70-C731-4C70-880D-CCD4705E623C}" type="datetime1">
               <a:rPr lang="en-US" smtClean="0"/>
-              <a:t>1/11/2021</a:t>
+              <a:t>1/12/2021</a:t>
             </a:fld>
             <a:endParaRPr lang="en-US" dirty="0"/>
           </a:p>
@@ -770,7 +771,7 @@
           <p:cNvPr id="5" name="Footer Placeholder 4">
             <a:extLst>
               <a:ext uri="{FF2B5EF4-FFF2-40B4-BE49-F238E27FC236}">
-                <a16:creationId xmlns:a16="http://schemas.microsoft.com/office/drawing/2014/main" id="{051A78A9-3DFF-4937-A9F2-5D8CF495F367}"/>
+                <a16:creationId xmlns="" xmlns:a16="http://schemas.microsoft.com/office/drawing/2014/main" id="{051A78A9-3DFF-4937-A9F2-5D8CF495F367}"/>
               </a:ext>
             </a:extLst>
           </p:cNvPr>
@@ -795,7 +796,7 @@
           <p:cNvPr id="6" name="Slide Number Placeholder 5">
             <a:extLst>
               <a:ext uri="{FF2B5EF4-FFF2-40B4-BE49-F238E27FC236}">
-                <a16:creationId xmlns:a16="http://schemas.microsoft.com/office/drawing/2014/main" id="{5FAEB271-5CC0-4759-BC6E-8BE53AB227C0}"/>
+                <a16:creationId xmlns="" xmlns:a16="http://schemas.microsoft.com/office/drawing/2014/main" id="{5FAEB271-5CC0-4759-BC6E-8BE53AB227C0}"/>
               </a:ext>
             </a:extLst>
           </p:cNvPr>
@@ -932,7 +933,7 @@
           <p:cNvPr id="7" name="Date Placeholder 6">
             <a:extLst>
               <a:ext uri="{FF2B5EF4-FFF2-40B4-BE49-F238E27FC236}">
-                <a16:creationId xmlns:a16="http://schemas.microsoft.com/office/drawing/2014/main" id="{354D8B55-9EA8-4B81-8E84-9B93B0A27559}"/>
+                <a16:creationId xmlns="" xmlns:a16="http://schemas.microsoft.com/office/drawing/2014/main" id="{354D8B55-9EA8-4B81-8E84-9B93B0A27559}"/>
               </a:ext>
             </a:extLst>
           </p:cNvPr>
@@ -950,7 +951,7 @@
           <a:p>
             <a:fld id="{4BE1D723-8F53-4F53-90B0-1982A396982E}" type="datetime1">
               <a:rPr lang="en-US" smtClean="0"/>
-              <a:t>1/11/2021</a:t>
+              <a:t>1/12/2021</a:t>
             </a:fld>
             <a:endParaRPr lang="en-US" dirty="0"/>
           </a:p>
@@ -961,7 +962,7 @@
           <p:cNvPr id="8" name="Footer Placeholder 7">
             <a:extLst>
               <a:ext uri="{FF2B5EF4-FFF2-40B4-BE49-F238E27FC236}">
-                <a16:creationId xmlns:a16="http://schemas.microsoft.com/office/drawing/2014/main" id="{062CA021-2578-47CB-822C-BDDFF7223B28}"/>
+                <a16:creationId xmlns="" xmlns:a16="http://schemas.microsoft.com/office/drawing/2014/main" id="{062CA021-2578-47CB-822C-BDDFF7223B28}"/>
               </a:ext>
             </a:extLst>
           </p:cNvPr>
@@ -986,7 +987,7 @@
           <p:cNvPr id="9" name="Slide Number Placeholder 8">
             <a:extLst>
               <a:ext uri="{FF2B5EF4-FFF2-40B4-BE49-F238E27FC236}">
-                <a16:creationId xmlns:a16="http://schemas.microsoft.com/office/drawing/2014/main" id="{C4AAB51D-4141-4682-9375-DAFD5FB9DD10}"/>
+                <a16:creationId xmlns="" xmlns:a16="http://schemas.microsoft.com/office/drawing/2014/main" id="{C4AAB51D-4141-4682-9375-DAFD5FB9DD10}"/>
               </a:ext>
             </a:extLst>
           </p:cNvPr>
@@ -1048,7 +1049,7 @@
           <p:cNvPr id="10" name="Rectangle 9">
             <a:extLst>
               <a:ext uri="{FF2B5EF4-FFF2-40B4-BE49-F238E27FC236}">
-                <a16:creationId xmlns:a16="http://schemas.microsoft.com/office/drawing/2014/main" id="{A585C21A-8B93-4657-B5DF-7EAEAD3BE127}"/>
+                <a16:creationId xmlns="" xmlns:a16="http://schemas.microsoft.com/office/drawing/2014/main" id="{A585C21A-8B93-4657-B5DF-7EAEAD3BE127}"/>
               </a:ext>
             </a:extLst>
           </p:cNvPr>
@@ -1256,7 +1257,7 @@
           <p:cNvPr id="9" name="Straight Connector 8">
             <a:extLst>
               <a:ext uri="{FF2B5EF4-FFF2-40B4-BE49-F238E27FC236}">
-                <a16:creationId xmlns:a16="http://schemas.microsoft.com/office/drawing/2014/main" id="{459DE2C1-4C52-40A3-8959-27B2C1BEBFF6}"/>
+                <a16:creationId xmlns="" xmlns:a16="http://schemas.microsoft.com/office/drawing/2014/main" id="{459DE2C1-4C52-40A3-8959-27B2C1BEBFF6}"/>
               </a:ext>
             </a:extLst>
           </p:cNvPr>
@@ -1300,7 +1301,7 @@
           <p:cNvPr id="7" name="Date Placeholder 6">
             <a:extLst>
               <a:ext uri="{FF2B5EF4-FFF2-40B4-BE49-F238E27FC236}">
-                <a16:creationId xmlns:a16="http://schemas.microsoft.com/office/drawing/2014/main" id="{AAF2E137-EC28-48F8-9198-1F02539029B6}"/>
+                <a16:creationId xmlns="" xmlns:a16="http://schemas.microsoft.com/office/drawing/2014/main" id="{AAF2E137-EC28-48F8-9198-1F02539029B6}"/>
               </a:ext>
             </a:extLst>
           </p:cNvPr>
@@ -1318,7 +1319,7 @@
           <a:p>
             <a:fld id="{97669AF7-7BEB-44E4-9852-375E34362B5B}" type="datetime1">
               <a:rPr lang="en-US" smtClean="0"/>
-              <a:t>1/11/2021</a:t>
+              <a:t>1/12/2021</a:t>
             </a:fld>
             <a:endParaRPr lang="en-US" dirty="0"/>
           </a:p>
@@ -1329,7 +1330,7 @@
           <p:cNvPr id="8" name="Footer Placeholder 7">
             <a:extLst>
               <a:ext uri="{FF2B5EF4-FFF2-40B4-BE49-F238E27FC236}">
-                <a16:creationId xmlns:a16="http://schemas.microsoft.com/office/drawing/2014/main" id="{189422CD-6F62-4DD6-89EF-07A60B42D219}"/>
+                <a16:creationId xmlns="" xmlns:a16="http://schemas.microsoft.com/office/drawing/2014/main" id="{189422CD-6F62-4DD6-89EF-07A60B42D219}"/>
               </a:ext>
             </a:extLst>
           </p:cNvPr>
@@ -1354,7 +1355,7 @@
           <p:cNvPr id="11" name="Slide Number Placeholder 10">
             <a:extLst>
               <a:ext uri="{FF2B5EF4-FFF2-40B4-BE49-F238E27FC236}">
-                <a16:creationId xmlns:a16="http://schemas.microsoft.com/office/drawing/2014/main" id="{69C6AFF8-42B4-4D05-969B-9F5FB3355555}"/>
+                <a16:creationId xmlns="" xmlns:a16="http://schemas.microsoft.com/office/drawing/2014/main" id="{69C6AFF8-42B4-4D05-969B-9F5FB3355555}"/>
               </a:ext>
             </a:extLst>
           </p:cNvPr>
@@ -1558,7 +1559,7 @@
           <p:cNvPr id="2" name="Date Placeholder 1">
             <a:extLst>
               <a:ext uri="{FF2B5EF4-FFF2-40B4-BE49-F238E27FC236}">
-                <a16:creationId xmlns:a16="http://schemas.microsoft.com/office/drawing/2014/main" id="{5782D47D-B0DC-4C40-BCC6-BBBA32584A38}"/>
+                <a16:creationId xmlns="" xmlns:a16="http://schemas.microsoft.com/office/drawing/2014/main" id="{5782D47D-B0DC-4C40-BCC6-BBBA32584A38}"/>
               </a:ext>
             </a:extLst>
           </p:cNvPr>
@@ -1576,7 +1577,7 @@
           <a:p>
             <a:fld id="{BAAAC38D-0552-4C82-B593-E6124DFADBE2}" type="datetime1">
               <a:rPr lang="en-US" smtClean="0"/>
-              <a:t>1/11/2021</a:t>
+              <a:t>1/12/2021</a:t>
             </a:fld>
             <a:endParaRPr lang="en-US" dirty="0"/>
           </a:p>
@@ -1587,7 +1588,7 @@
           <p:cNvPr id="9" name="Footer Placeholder 8">
             <a:extLst>
               <a:ext uri="{FF2B5EF4-FFF2-40B4-BE49-F238E27FC236}">
-                <a16:creationId xmlns:a16="http://schemas.microsoft.com/office/drawing/2014/main" id="{4690D34E-7EBD-44B2-83CA-4C126A18D7EF}"/>
+                <a16:creationId xmlns="" xmlns:a16="http://schemas.microsoft.com/office/drawing/2014/main" id="{4690D34E-7EBD-44B2-83CA-4C126A18D7EF}"/>
               </a:ext>
             </a:extLst>
           </p:cNvPr>
@@ -1612,7 +1613,7 @@
           <p:cNvPr id="10" name="Slide Number Placeholder 9">
             <a:extLst>
               <a:ext uri="{FF2B5EF4-FFF2-40B4-BE49-F238E27FC236}">
-                <a16:creationId xmlns:a16="http://schemas.microsoft.com/office/drawing/2014/main" id="{2AC511A1-9BBD-42DE-92FB-2AF44F8E97A9}"/>
+                <a16:creationId xmlns="" xmlns:a16="http://schemas.microsoft.com/office/drawing/2014/main" id="{2AC511A1-9BBD-42DE-92FB-2AF44F8E97A9}"/>
               </a:ext>
             </a:extLst>
           </p:cNvPr>
@@ -1958,7 +1959,7 @@
           <p:cNvPr id="2" name="Date Placeholder 1">
             <a:extLst>
               <a:ext uri="{FF2B5EF4-FFF2-40B4-BE49-F238E27FC236}">
-                <a16:creationId xmlns:a16="http://schemas.microsoft.com/office/drawing/2014/main" id="{8AF8A515-AA94-45D1-9223-5C2272618D85}"/>
+                <a16:creationId xmlns="" xmlns:a16="http://schemas.microsoft.com/office/drawing/2014/main" id="{8AF8A515-AA94-45D1-9223-5C2272618D85}"/>
               </a:ext>
             </a:extLst>
           </p:cNvPr>
@@ -1976,7 +1977,7 @@
           <a:p>
             <a:fld id="{D9DF0F1C-5577-4ACB-BB62-DF8F3C494C7E}" type="datetime1">
               <a:rPr lang="en-US" smtClean="0"/>
-              <a:t>1/11/2021</a:t>
+              <a:t>1/12/2021</a:t>
             </a:fld>
             <a:endParaRPr lang="en-US" dirty="0"/>
           </a:p>
@@ -1987,7 +1988,7 @@
           <p:cNvPr id="11" name="Footer Placeholder 10">
             <a:extLst>
               <a:ext uri="{FF2B5EF4-FFF2-40B4-BE49-F238E27FC236}">
-                <a16:creationId xmlns:a16="http://schemas.microsoft.com/office/drawing/2014/main" id="{D052F5BC-98E0-4D60-AD67-9547738B7DD4}"/>
+                <a16:creationId xmlns="" xmlns:a16="http://schemas.microsoft.com/office/drawing/2014/main" id="{D052F5BC-98E0-4D60-AD67-9547738B7DD4}"/>
               </a:ext>
             </a:extLst>
           </p:cNvPr>
@@ -2012,7 +2013,7 @@
           <p:cNvPr id="12" name="Slide Number Placeholder 11">
             <a:extLst>
               <a:ext uri="{FF2B5EF4-FFF2-40B4-BE49-F238E27FC236}">
-                <a16:creationId xmlns:a16="http://schemas.microsoft.com/office/drawing/2014/main" id="{A38552DC-952E-41EA-AAAF-C2187523C0B0}"/>
+                <a16:creationId xmlns="" xmlns:a16="http://schemas.microsoft.com/office/drawing/2014/main" id="{A38552DC-952E-41EA-AAAF-C2187523C0B0}"/>
               </a:ext>
             </a:extLst>
           </p:cNvPr>
@@ -2097,7 +2098,7 @@
           <p:cNvPr id="6" name="Date Placeholder 5">
             <a:extLst>
               <a:ext uri="{FF2B5EF4-FFF2-40B4-BE49-F238E27FC236}">
-                <a16:creationId xmlns:a16="http://schemas.microsoft.com/office/drawing/2014/main" id="{7392073F-158F-44A3-8913-917AFFC1BC20}"/>
+                <a16:creationId xmlns="" xmlns:a16="http://schemas.microsoft.com/office/drawing/2014/main" id="{7392073F-158F-44A3-8913-917AFFC1BC20}"/>
               </a:ext>
             </a:extLst>
           </p:cNvPr>
@@ -2115,7 +2116,7 @@
           <a:p>
             <a:fld id="{1775B394-D9F9-4F0C-B15D-605F45CB9E9F}" type="datetime1">
               <a:rPr lang="en-US" smtClean="0"/>
-              <a:t>1/11/2021</a:t>
+              <a:t>1/12/2021</a:t>
             </a:fld>
             <a:endParaRPr lang="en-US" dirty="0"/>
           </a:p>
@@ -2126,7 +2127,7 @@
           <p:cNvPr id="7" name="Footer Placeholder 6">
             <a:extLst>
               <a:ext uri="{FF2B5EF4-FFF2-40B4-BE49-F238E27FC236}">
-                <a16:creationId xmlns:a16="http://schemas.microsoft.com/office/drawing/2014/main" id="{EED72207-24CA-42B7-A975-2F8E41CBA904}"/>
+                <a16:creationId xmlns="" xmlns:a16="http://schemas.microsoft.com/office/drawing/2014/main" id="{EED72207-24CA-42B7-A975-2F8E41CBA904}"/>
               </a:ext>
             </a:extLst>
           </p:cNvPr>
@@ -2151,7 +2152,7 @@
           <p:cNvPr id="8" name="Slide Number Placeholder 7">
             <a:extLst>
               <a:ext uri="{FF2B5EF4-FFF2-40B4-BE49-F238E27FC236}">
-                <a16:creationId xmlns:a16="http://schemas.microsoft.com/office/drawing/2014/main" id="{D01080F2-251A-4B88-9A62-16F46D724F83}"/>
+                <a16:creationId xmlns="" xmlns:a16="http://schemas.microsoft.com/office/drawing/2014/main" id="{D01080F2-251A-4B88-9A62-16F46D724F83}"/>
               </a:ext>
             </a:extLst>
           </p:cNvPr>
@@ -2213,7 +2214,7 @@
           <p:cNvPr id="10" name="Rectangle 9">
             <a:extLst>
               <a:ext uri="{FF2B5EF4-FFF2-40B4-BE49-F238E27FC236}">
-                <a16:creationId xmlns:a16="http://schemas.microsoft.com/office/drawing/2014/main" id="{A8E9C91B-7EAD-4562-AB0E-DFB9663AECE3}"/>
+                <a16:creationId xmlns="" xmlns:a16="http://schemas.microsoft.com/office/drawing/2014/main" id="{A8E9C91B-7EAD-4562-AB0E-DFB9663AECE3}"/>
               </a:ext>
             </a:extLst>
           </p:cNvPr>
@@ -2257,7 +2258,7 @@
           <p:cNvPr id="2" name="Date Placeholder 1">
             <a:extLst>
               <a:ext uri="{FF2B5EF4-FFF2-40B4-BE49-F238E27FC236}">
-                <a16:creationId xmlns:a16="http://schemas.microsoft.com/office/drawing/2014/main" id="{94E9223F-721F-47BF-9FD5-0F8D12FF0DE1}"/>
+                <a16:creationId xmlns="" xmlns:a16="http://schemas.microsoft.com/office/drawing/2014/main" id="{94E9223F-721F-47BF-9FD5-0F8D12FF0DE1}"/>
               </a:ext>
             </a:extLst>
           </p:cNvPr>
@@ -2275,7 +2276,7 @@
           <a:p>
             <a:fld id="{39667345-2558-425A-8533-9BFDBCE15005}" type="datetime1">
               <a:rPr lang="en-US" smtClean="0"/>
-              <a:t>1/11/2021</a:t>
+              <a:t>1/12/2021</a:t>
             </a:fld>
             <a:endParaRPr lang="en-US" dirty="0"/>
           </a:p>
@@ -2286,7 +2287,7 @@
           <p:cNvPr id="3" name="Footer Placeholder 2">
             <a:extLst>
               <a:ext uri="{FF2B5EF4-FFF2-40B4-BE49-F238E27FC236}">
-                <a16:creationId xmlns:a16="http://schemas.microsoft.com/office/drawing/2014/main" id="{05915714-6BBA-4593-8591-4E26F7D58D9F}"/>
+                <a16:creationId xmlns="" xmlns:a16="http://schemas.microsoft.com/office/drawing/2014/main" id="{05915714-6BBA-4593-8591-4E26F7D58D9F}"/>
               </a:ext>
             </a:extLst>
           </p:cNvPr>
@@ -2311,7 +2312,7 @@
           <p:cNvPr id="4" name="Slide Number Placeholder 3">
             <a:extLst>
               <a:ext uri="{FF2B5EF4-FFF2-40B4-BE49-F238E27FC236}">
-                <a16:creationId xmlns:a16="http://schemas.microsoft.com/office/drawing/2014/main" id="{BE06F857-D2E1-44DD-ABDD-EBB739645B67}"/>
+                <a16:creationId xmlns="" xmlns:a16="http://schemas.microsoft.com/office/drawing/2014/main" id="{BE06F857-D2E1-44DD-ABDD-EBB739645B67}"/>
               </a:ext>
             </a:extLst>
           </p:cNvPr>
@@ -2373,7 +2374,7 @@
           <p:cNvPr id="8" name="Rectangle 7">
             <a:extLst>
               <a:ext uri="{FF2B5EF4-FFF2-40B4-BE49-F238E27FC236}">
-                <a16:creationId xmlns:a16="http://schemas.microsoft.com/office/drawing/2014/main" id="{16D90D66-BCB9-4229-A829-628874352AC0}"/>
+                <a16:creationId xmlns="" xmlns:a16="http://schemas.microsoft.com/office/drawing/2014/main" id="{16D90D66-BCB9-4229-A829-628874352AC0}"/>
               </a:ext>
             </a:extLst>
           </p:cNvPr>
@@ -2607,7 +2608,7 @@
           <a:p>
             <a:fld id="{92BEA474-078D-4E9B-9B14-09A87B19DC46}" type="datetime1">
               <a:rPr lang="en-US" smtClean="0"/>
-              <a:t>1/11/2021</a:t>
+              <a:t>1/12/2021</a:t>
             </a:fld>
             <a:endParaRPr lang="en-US" dirty="0"/>
           </a:p>
@@ -2715,7 +2716,7 @@
           <p:cNvPr id="8" name="Rectangle 7">
             <a:extLst>
               <a:ext uri="{FF2B5EF4-FFF2-40B4-BE49-F238E27FC236}">
-                <a16:creationId xmlns:a16="http://schemas.microsoft.com/office/drawing/2014/main" id="{DA134939-39C0-4522-A125-A13DFDA66490}"/>
+                <a16:creationId xmlns="" xmlns:a16="http://schemas.microsoft.com/office/drawing/2014/main" id="{DA134939-39C0-4522-A125-A13DFDA66490}"/>
               </a:ext>
             </a:extLst>
           </p:cNvPr>
@@ -2960,7 +2961,7 @@
           <a:p>
             <a:fld id="{4907D986-8816-4272-A432-0437A28A9828}" type="datetime1">
               <a:rPr lang="en-US" smtClean="0"/>
-              <a:t>1/11/2021</a:t>
+              <a:t>1/12/2021</a:t>
             </a:fld>
             <a:endParaRPr lang="en-US" dirty="0"/>
           </a:p>
@@ -3060,7 +3061,7 @@
           <p:cNvPr id="7" name="Rectangle 6">
             <a:extLst>
               <a:ext uri="{FF2B5EF4-FFF2-40B4-BE49-F238E27FC236}">
-                <a16:creationId xmlns:a16="http://schemas.microsoft.com/office/drawing/2014/main" id="{416A0E3C-60E6-4F39-BC55-5F7C224E1F7C}"/>
+                <a16:creationId xmlns="" xmlns:a16="http://schemas.microsoft.com/office/drawing/2014/main" id="{416A0E3C-60E6-4F39-BC55-5F7C224E1F7C}"/>
               </a:ext>
             </a:extLst>
           </p:cNvPr>
@@ -3227,7 +3228,7 @@
           <a:p>
             <a:fld id="{62D6E202-B606-4609-B914-27C9371A1F6D}" type="datetime1">
               <a:rPr lang="en-US" smtClean="0"/>
-              <a:t>1/11/2021</a:t>
+              <a:t>1/12/2021</a:t>
             </a:fld>
             <a:endParaRPr lang="en-US" dirty="0"/>
           </a:p>
@@ -3312,7 +3313,7 @@
           <p:cNvPr id="10" name="Straight Connector 9">
             <a:extLst>
               <a:ext uri="{FF2B5EF4-FFF2-40B4-BE49-F238E27FC236}">
-                <a16:creationId xmlns:a16="http://schemas.microsoft.com/office/drawing/2014/main" id="{C5025DAC-8B93-4160-B017-3A274A5828C0}"/>
+                <a16:creationId xmlns="" xmlns:a16="http://schemas.microsoft.com/office/drawing/2014/main" id="{C5025DAC-8B93-4160-B017-3A274A5828C0}"/>
               </a:ext>
             </a:extLst>
           </p:cNvPr>
@@ -3756,10 +3757,10 @@
           <p:cNvPr id="27" name="Rectangle 26">
             <a:extLst>
               <a:ext uri="{FF2B5EF4-FFF2-40B4-BE49-F238E27FC236}">
-                <a16:creationId xmlns:a16="http://schemas.microsoft.com/office/drawing/2014/main" id="{A9286AD2-18A9-4868-A4E3-7A2097A20810}"/>
+                <a16:creationId xmlns="" xmlns:a16="http://schemas.microsoft.com/office/drawing/2014/main" id="{A9286AD2-18A9-4868-A4E3-7A2097A20810}"/>
               </a:ext>
               <a:ext uri="{C183D7F6-B498-43B3-948B-1728B52AA6E4}">
-                <adec:decorative xmlns:adec="http://schemas.microsoft.com/office/drawing/2017/decorative" val="1"/>
+                <adec:decorative xmlns="" xmlns:adec="http://schemas.microsoft.com/office/drawing/2017/decorative" val="1"/>
               </a:ext>
             </a:extLst>
           </p:cNvPr>
@@ -3769,7 +3770,7 @@
           <p:nvPr>
             <p:extLst>
               <p:ext uri="{386F3935-93C4-4BCD-93E2-E3B085C9AB24}">
-                <p16:designElem xmlns:p16="http://schemas.microsoft.com/office/powerpoint/2015/main" val="1"/>
+                <p16:designElem xmlns="" xmlns:p16="http://schemas.microsoft.com/office/powerpoint/2015/main" val="1"/>
               </p:ext>
             </p:extLst>
           </p:nvPr>
@@ -3845,7 +3846,7 @@
           <p:cNvPr id="5" name="Picture 4">
             <a:extLst>
               <a:ext uri="{FF2B5EF4-FFF2-40B4-BE49-F238E27FC236}">
-                <a16:creationId xmlns:a16="http://schemas.microsoft.com/office/drawing/2014/main" id="{805FAC0C-FAF5-45C5-9163-14FC1389A28A}"/>
+                <a16:creationId xmlns="" xmlns:a16="http://schemas.microsoft.com/office/drawing/2014/main" id="{805FAC0C-FAF5-45C5-9163-14FC1389A28A}"/>
               </a:ext>
             </a:extLst>
           </p:cNvPr>
@@ -3875,7 +3876,7 @@
           <p:cNvPr id="2" name="Title 1">
             <a:extLst>
               <a:ext uri="{FF2B5EF4-FFF2-40B4-BE49-F238E27FC236}">
-                <a16:creationId xmlns:a16="http://schemas.microsoft.com/office/drawing/2014/main" id="{4010AF38-26DF-48B3-952C-4A9091D6863C}"/>
+                <a16:creationId xmlns="" xmlns:a16="http://schemas.microsoft.com/office/drawing/2014/main" id="{4010AF38-26DF-48B3-952C-4A9091D6863C}"/>
               </a:ext>
             </a:extLst>
           </p:cNvPr>
@@ -3943,7 +3944,7 @@
           <p:cNvPr id="118" name="Footer Placeholder 117">
             <a:extLst>
               <a:ext uri="{FF2B5EF4-FFF2-40B4-BE49-F238E27FC236}">
-                <a16:creationId xmlns:a16="http://schemas.microsoft.com/office/drawing/2014/main" id="{8555DE26-283D-4F5B-8E77-F1A08F07672E}"/>
+                <a16:creationId xmlns="" xmlns:a16="http://schemas.microsoft.com/office/drawing/2014/main" id="{8555DE26-283D-4F5B-8E77-F1A08F07672E}"/>
               </a:ext>
             </a:extLst>
           </p:cNvPr>
@@ -3972,7 +3973,7 @@
           <p:cNvPr id="119" name="Rectangle 118">
             <a:extLst>
               <a:ext uri="{FF2B5EF4-FFF2-40B4-BE49-F238E27FC236}">
-                <a16:creationId xmlns:a16="http://schemas.microsoft.com/office/drawing/2014/main" id="{2E2C032A-B57A-4F42-B962-257FA7EB0A8D}"/>
+                <a16:creationId xmlns="" xmlns:a16="http://schemas.microsoft.com/office/drawing/2014/main" id="{2E2C032A-B57A-4F42-B962-257FA7EB0A8D}"/>
               </a:ext>
             </a:extLst>
           </p:cNvPr>
@@ -4027,7 +4028,7 @@
           <p:cNvPr id="120" name="Group 119">
             <a:extLst>
               <a:ext uri="{FF2B5EF4-FFF2-40B4-BE49-F238E27FC236}">
-                <a16:creationId xmlns:a16="http://schemas.microsoft.com/office/drawing/2014/main" id="{9FB85DC4-C752-4E10-BE75-93138F21BD61}"/>
+                <a16:creationId xmlns="" xmlns:a16="http://schemas.microsoft.com/office/drawing/2014/main" id="{9FB85DC4-C752-4E10-BE75-93138F21BD61}"/>
               </a:ext>
             </a:extLst>
           </p:cNvPr>
@@ -4047,7 +4048,7 @@
             <p:cNvPr id="121" name="TextBox 120">
               <a:extLst>
                 <a:ext uri="{FF2B5EF4-FFF2-40B4-BE49-F238E27FC236}">
-                  <a16:creationId xmlns:a16="http://schemas.microsoft.com/office/drawing/2014/main" id="{4DD925F3-1445-40B5-BEBD-00B8D5BE3457}"/>
+                  <a16:creationId xmlns="" xmlns:a16="http://schemas.microsoft.com/office/drawing/2014/main" id="{4DD925F3-1445-40B5-BEBD-00B8D5BE3457}"/>
                 </a:ext>
               </a:extLst>
             </p:cNvPr>
@@ -4087,7 +4088,7 @@
             <p:cNvPr id="122" name="TextBox 121">
               <a:extLst>
                 <a:ext uri="{FF2B5EF4-FFF2-40B4-BE49-F238E27FC236}">
-                  <a16:creationId xmlns:a16="http://schemas.microsoft.com/office/drawing/2014/main" id="{0DF9E746-5F74-404E-AEC2-CA6CEC549BE1}"/>
+                  <a16:creationId xmlns="" xmlns:a16="http://schemas.microsoft.com/office/drawing/2014/main" id="{0DF9E746-5F74-404E-AEC2-CA6CEC549BE1}"/>
                 </a:ext>
               </a:extLst>
             </p:cNvPr>
@@ -4316,7 +4317,7 @@
           <p:cNvPr id="6" name="Content Placeholder 5">
             <a:extLst>
               <a:ext uri="{FF2B5EF4-FFF2-40B4-BE49-F238E27FC236}">
-                <a16:creationId xmlns:a16="http://schemas.microsoft.com/office/drawing/2014/main" id="{3E2C5BE4-67B1-4EFE-A315-4B4D9A74B26C}"/>
+                <a16:creationId xmlns="" xmlns:a16="http://schemas.microsoft.com/office/drawing/2014/main" id="{3E2C5BE4-67B1-4EFE-A315-4B4D9A74B26C}"/>
               </a:ext>
             </a:extLst>
           </p:cNvPr>
@@ -4427,7 +4428,7 @@
           <p:cNvPr id="118" name="Footer Placeholder 117">
             <a:extLst>
               <a:ext uri="{FF2B5EF4-FFF2-40B4-BE49-F238E27FC236}">
-                <a16:creationId xmlns:a16="http://schemas.microsoft.com/office/drawing/2014/main" id="{8555DE26-283D-4F5B-8E77-F1A08F07672E}"/>
+                <a16:creationId xmlns="" xmlns:a16="http://schemas.microsoft.com/office/drawing/2014/main" id="{8555DE26-283D-4F5B-8E77-F1A08F07672E}"/>
               </a:ext>
             </a:extLst>
           </p:cNvPr>
@@ -4456,7 +4457,7 @@
           <p:cNvPr id="119" name="Rectangle 118">
             <a:extLst>
               <a:ext uri="{FF2B5EF4-FFF2-40B4-BE49-F238E27FC236}">
-                <a16:creationId xmlns:a16="http://schemas.microsoft.com/office/drawing/2014/main" id="{2E2C032A-B57A-4F42-B962-257FA7EB0A8D}"/>
+                <a16:creationId xmlns="" xmlns:a16="http://schemas.microsoft.com/office/drawing/2014/main" id="{2E2C032A-B57A-4F42-B962-257FA7EB0A8D}"/>
               </a:ext>
             </a:extLst>
           </p:cNvPr>
@@ -4511,7 +4512,7 @@
           <p:cNvPr id="10" name="Rectangle 9">
             <a:extLst>
               <a:ext uri="{FF2B5EF4-FFF2-40B4-BE49-F238E27FC236}">
-                <a16:creationId xmlns:a16="http://schemas.microsoft.com/office/drawing/2014/main" id="{8422AED0-8059-4E23-BB3F-C6291E827C9E}"/>
+                <a16:creationId xmlns="" xmlns:a16="http://schemas.microsoft.com/office/drawing/2014/main" id="{8422AED0-8059-4E23-BB3F-C6291E827C9E}"/>
               </a:ext>
             </a:extLst>
           </p:cNvPr>
@@ -4571,7 +4572,7 @@
           <p:cNvPr id="16" name="Title 4">
             <a:extLst>
               <a:ext uri="{FF2B5EF4-FFF2-40B4-BE49-F238E27FC236}">
-                <a16:creationId xmlns:a16="http://schemas.microsoft.com/office/drawing/2014/main" id="{5C6ED613-C127-4390-98E6-143B411C0C1E}"/>
+                <a16:creationId xmlns="" xmlns:a16="http://schemas.microsoft.com/office/drawing/2014/main" id="{5C6ED613-C127-4390-98E6-143B411C0C1E}"/>
               </a:ext>
             </a:extLst>
           </p:cNvPr>
@@ -4666,7 +4667,7 @@
           <p:cNvPr id="8" name="TextBox 7">
             <a:extLst>
               <a:ext uri="{FF2B5EF4-FFF2-40B4-BE49-F238E27FC236}">
-                <a16:creationId xmlns:a16="http://schemas.microsoft.com/office/drawing/2014/main" id="{B9CFC7C6-08F0-4E35-BEBE-E203636CB0D9}"/>
+                <a16:creationId xmlns="" xmlns:a16="http://schemas.microsoft.com/office/drawing/2014/main" id="{B9CFC7C6-08F0-4E35-BEBE-E203636CB0D9}"/>
               </a:ext>
             </a:extLst>
           </p:cNvPr>
@@ -4708,7 +4709,7 @@
           <p:cNvPr id="23" name="TextBox 22">
             <a:extLst>
               <a:ext uri="{FF2B5EF4-FFF2-40B4-BE49-F238E27FC236}">
-                <a16:creationId xmlns:a16="http://schemas.microsoft.com/office/drawing/2014/main" id="{BDBE1AE5-94D9-4834-93C5-A0C1C7DE5DD0}"/>
+                <a16:creationId xmlns="" xmlns:a16="http://schemas.microsoft.com/office/drawing/2014/main" id="{BDBE1AE5-94D9-4834-93C5-A0C1C7DE5DD0}"/>
               </a:ext>
             </a:extLst>
           </p:cNvPr>
@@ -4750,7 +4751,7 @@
           <p:cNvPr id="25" name="Group 24">
             <a:extLst>
               <a:ext uri="{FF2B5EF4-FFF2-40B4-BE49-F238E27FC236}">
-                <a16:creationId xmlns:a16="http://schemas.microsoft.com/office/drawing/2014/main" id="{44ED5114-D3F6-49C7-AE87-6CED5AC037FB}"/>
+                <a16:creationId xmlns="" xmlns:a16="http://schemas.microsoft.com/office/drawing/2014/main" id="{44ED5114-D3F6-49C7-AE87-6CED5AC037FB}"/>
               </a:ext>
             </a:extLst>
           </p:cNvPr>
@@ -4770,7 +4771,7 @@
             <p:cNvPr id="26" name="TextBox 25">
               <a:extLst>
                 <a:ext uri="{FF2B5EF4-FFF2-40B4-BE49-F238E27FC236}">
-                  <a16:creationId xmlns:a16="http://schemas.microsoft.com/office/drawing/2014/main" id="{9C0CC259-194F-4463-B991-81ABEFCE5989}"/>
+                  <a16:creationId xmlns="" xmlns:a16="http://schemas.microsoft.com/office/drawing/2014/main" id="{9C0CC259-194F-4463-B991-81ABEFCE5989}"/>
                 </a:ext>
               </a:extLst>
             </p:cNvPr>
@@ -4810,7 +4811,7 @@
             <p:cNvPr id="27" name="TextBox 26">
               <a:extLst>
                 <a:ext uri="{FF2B5EF4-FFF2-40B4-BE49-F238E27FC236}">
-                  <a16:creationId xmlns:a16="http://schemas.microsoft.com/office/drawing/2014/main" id="{0D03164A-D5AA-44D6-A57C-8A887EC01A96}"/>
+                  <a16:creationId xmlns="" xmlns:a16="http://schemas.microsoft.com/office/drawing/2014/main" id="{0D03164A-D5AA-44D6-A57C-8A887EC01A96}"/>
                 </a:ext>
               </a:extLst>
             </p:cNvPr>
@@ -4859,6 +4860,13 @@
   <p:transition spd="slow">
     <p:cover/>
   </p:transition>
+  <p:timing>
+    <p:tnLst>
+      <p:par>
+        <p:cTn id="1" dur="indefinite" restart="never" nodeType="tmRoot"/>
+      </p:par>
+    </p:tnLst>
+  </p:timing>
 </p:sld>
 </file>
 
@@ -4884,7 +4892,7 @@
           <p:cNvPr id="2" name="Title 1">
             <a:extLst>
               <a:ext uri="{FF2B5EF4-FFF2-40B4-BE49-F238E27FC236}">
-                <a16:creationId xmlns:a16="http://schemas.microsoft.com/office/drawing/2014/main" id="{4010AF38-26DF-48B3-952C-4A9091D6863C}"/>
+                <a16:creationId xmlns="" xmlns:a16="http://schemas.microsoft.com/office/drawing/2014/main" id="{4010AF38-26DF-48B3-952C-4A9091D6863C}"/>
               </a:ext>
             </a:extLst>
           </p:cNvPr>
@@ -4942,6 +4950,15 @@
               </a:rPr>
               <a:t> Component </a:t>
             </a:r>
+            <a:r>
+              <a:rPr lang="en-IN" sz="7200" dirty="0">
+                <a:effectLst/>
+                <a:latin typeface="+mj-lt"/>
+                <a:ea typeface="Calibri" panose="020F0502020204030204" pitchFamily="34" charset="0"/>
+                <a:cs typeface="Shruti" panose="020B0502040204020203" pitchFamily="34" charset="0"/>
+              </a:rPr>
+              <a:t/>
+            </a:r>
             <a:br>
               <a:rPr lang="en-IN" sz="7200" dirty="0">
                 <a:effectLst/>
@@ -4963,7 +4980,7 @@
           <p:cNvPr id="118" name="Footer Placeholder 117">
             <a:extLst>
               <a:ext uri="{FF2B5EF4-FFF2-40B4-BE49-F238E27FC236}">
-                <a16:creationId xmlns:a16="http://schemas.microsoft.com/office/drawing/2014/main" id="{8555DE26-283D-4F5B-8E77-F1A08F07672E}"/>
+                <a16:creationId xmlns="" xmlns:a16="http://schemas.microsoft.com/office/drawing/2014/main" id="{8555DE26-283D-4F5B-8E77-F1A08F07672E}"/>
               </a:ext>
             </a:extLst>
           </p:cNvPr>
@@ -4992,7 +5009,7 @@
           <p:cNvPr id="119" name="Rectangle 118">
             <a:extLst>
               <a:ext uri="{FF2B5EF4-FFF2-40B4-BE49-F238E27FC236}">
-                <a16:creationId xmlns:a16="http://schemas.microsoft.com/office/drawing/2014/main" id="{2E2C032A-B57A-4F42-B962-257FA7EB0A8D}"/>
+                <a16:creationId xmlns="" xmlns:a16="http://schemas.microsoft.com/office/drawing/2014/main" id="{2E2C032A-B57A-4F42-B962-257FA7EB0A8D}"/>
               </a:ext>
             </a:extLst>
           </p:cNvPr>
@@ -5047,7 +5064,7 @@
           <p:cNvPr id="11" name="Group 10">
             <a:extLst>
               <a:ext uri="{FF2B5EF4-FFF2-40B4-BE49-F238E27FC236}">
-                <a16:creationId xmlns:a16="http://schemas.microsoft.com/office/drawing/2014/main" id="{604634DD-3320-4540-86E5-5F8DC40C8770}"/>
+                <a16:creationId xmlns="" xmlns:a16="http://schemas.microsoft.com/office/drawing/2014/main" id="{604634DD-3320-4540-86E5-5F8DC40C8770}"/>
               </a:ext>
             </a:extLst>
           </p:cNvPr>
@@ -5067,7 +5084,7 @@
             <p:cNvPr id="12" name="TextBox 11">
               <a:extLst>
                 <a:ext uri="{FF2B5EF4-FFF2-40B4-BE49-F238E27FC236}">
-                  <a16:creationId xmlns:a16="http://schemas.microsoft.com/office/drawing/2014/main" id="{26B3F5C8-E23E-4273-B3F5-F9264971CC52}"/>
+                  <a16:creationId xmlns="" xmlns:a16="http://schemas.microsoft.com/office/drawing/2014/main" id="{26B3F5C8-E23E-4273-B3F5-F9264971CC52}"/>
                 </a:ext>
               </a:extLst>
             </p:cNvPr>
@@ -5107,7 +5124,7 @@
             <p:cNvPr id="13" name="TextBox 12">
               <a:extLst>
                 <a:ext uri="{FF2B5EF4-FFF2-40B4-BE49-F238E27FC236}">
-                  <a16:creationId xmlns:a16="http://schemas.microsoft.com/office/drawing/2014/main" id="{ED8D353A-9B2E-4717-A032-1FB35407DE38}"/>
+                  <a16:creationId xmlns="" xmlns:a16="http://schemas.microsoft.com/office/drawing/2014/main" id="{ED8D353A-9B2E-4717-A032-1FB35407DE38}"/>
                 </a:ext>
               </a:extLst>
             </p:cNvPr>
@@ -5156,6 +5173,13 @@
   <p:transition spd="slow">
     <p:cover/>
   </p:transition>
+  <p:timing>
+    <p:tnLst>
+      <p:par>
+        <p:cTn id="1" dur="indefinite" restart="never" nodeType="tmRoot"/>
+      </p:par>
+    </p:tnLst>
+  </p:timing>
 </p:sld>
 </file>
 
@@ -5181,7 +5205,7 @@
           <p:cNvPr id="6" name="Content Placeholder 5">
             <a:extLst>
               <a:ext uri="{FF2B5EF4-FFF2-40B4-BE49-F238E27FC236}">
-                <a16:creationId xmlns:a16="http://schemas.microsoft.com/office/drawing/2014/main" id="{3E2C5BE4-67B1-4EFE-A315-4B4D9A74B26C}"/>
+                <a16:creationId xmlns="" xmlns:a16="http://schemas.microsoft.com/office/drawing/2014/main" id="{3E2C5BE4-67B1-4EFE-A315-4B4D9A74B26C}"/>
               </a:ext>
             </a:extLst>
           </p:cNvPr>
@@ -5279,7 +5303,7 @@
           <p:cNvPr id="118" name="Footer Placeholder 117">
             <a:extLst>
               <a:ext uri="{FF2B5EF4-FFF2-40B4-BE49-F238E27FC236}">
-                <a16:creationId xmlns:a16="http://schemas.microsoft.com/office/drawing/2014/main" id="{8555DE26-283D-4F5B-8E77-F1A08F07672E}"/>
+                <a16:creationId xmlns="" xmlns:a16="http://schemas.microsoft.com/office/drawing/2014/main" id="{8555DE26-283D-4F5B-8E77-F1A08F07672E}"/>
               </a:ext>
             </a:extLst>
           </p:cNvPr>
@@ -5308,7 +5332,7 @@
           <p:cNvPr id="119" name="Rectangle 118">
             <a:extLst>
               <a:ext uri="{FF2B5EF4-FFF2-40B4-BE49-F238E27FC236}">
-                <a16:creationId xmlns:a16="http://schemas.microsoft.com/office/drawing/2014/main" id="{2E2C032A-B57A-4F42-B962-257FA7EB0A8D}"/>
+                <a16:creationId xmlns="" xmlns:a16="http://schemas.microsoft.com/office/drawing/2014/main" id="{2E2C032A-B57A-4F42-B962-257FA7EB0A8D}"/>
               </a:ext>
             </a:extLst>
           </p:cNvPr>
@@ -5363,7 +5387,7 @@
           <p:cNvPr id="10" name="Rectangle 9">
             <a:extLst>
               <a:ext uri="{FF2B5EF4-FFF2-40B4-BE49-F238E27FC236}">
-                <a16:creationId xmlns:a16="http://schemas.microsoft.com/office/drawing/2014/main" id="{8422AED0-8059-4E23-BB3F-C6291E827C9E}"/>
+                <a16:creationId xmlns="" xmlns:a16="http://schemas.microsoft.com/office/drawing/2014/main" id="{8422AED0-8059-4E23-BB3F-C6291E827C9E}"/>
               </a:ext>
             </a:extLst>
           </p:cNvPr>
@@ -5461,7 +5485,7 @@
           <p:cNvPr id="8" name="TextBox 7">
             <a:extLst>
               <a:ext uri="{FF2B5EF4-FFF2-40B4-BE49-F238E27FC236}">
-                <a16:creationId xmlns:a16="http://schemas.microsoft.com/office/drawing/2014/main" id="{B9CFC7C6-08F0-4E35-BEBE-E203636CB0D9}"/>
+                <a16:creationId xmlns="" xmlns:a16="http://schemas.microsoft.com/office/drawing/2014/main" id="{B9CFC7C6-08F0-4E35-BEBE-E203636CB0D9}"/>
               </a:ext>
             </a:extLst>
           </p:cNvPr>
@@ -5503,7 +5527,7 @@
           <p:cNvPr id="23" name="TextBox 22">
             <a:extLst>
               <a:ext uri="{FF2B5EF4-FFF2-40B4-BE49-F238E27FC236}">
-                <a16:creationId xmlns:a16="http://schemas.microsoft.com/office/drawing/2014/main" id="{BDBE1AE5-94D9-4834-93C5-A0C1C7DE5DD0}"/>
+                <a16:creationId xmlns="" xmlns:a16="http://schemas.microsoft.com/office/drawing/2014/main" id="{BDBE1AE5-94D9-4834-93C5-A0C1C7DE5DD0}"/>
               </a:ext>
             </a:extLst>
           </p:cNvPr>
@@ -5545,7 +5569,7 @@
           <p:cNvPr id="25" name="Group 24">
             <a:extLst>
               <a:ext uri="{FF2B5EF4-FFF2-40B4-BE49-F238E27FC236}">
-                <a16:creationId xmlns:a16="http://schemas.microsoft.com/office/drawing/2014/main" id="{44ED5114-D3F6-49C7-AE87-6CED5AC037FB}"/>
+                <a16:creationId xmlns="" xmlns:a16="http://schemas.microsoft.com/office/drawing/2014/main" id="{44ED5114-D3F6-49C7-AE87-6CED5AC037FB}"/>
               </a:ext>
             </a:extLst>
           </p:cNvPr>
@@ -5565,7 +5589,7 @@
             <p:cNvPr id="26" name="TextBox 25">
               <a:extLst>
                 <a:ext uri="{FF2B5EF4-FFF2-40B4-BE49-F238E27FC236}">
-                  <a16:creationId xmlns:a16="http://schemas.microsoft.com/office/drawing/2014/main" id="{9C0CC259-194F-4463-B991-81ABEFCE5989}"/>
+                  <a16:creationId xmlns="" xmlns:a16="http://schemas.microsoft.com/office/drawing/2014/main" id="{9C0CC259-194F-4463-B991-81ABEFCE5989}"/>
                 </a:ext>
               </a:extLst>
             </p:cNvPr>
@@ -5605,7 +5629,7 @@
             <p:cNvPr id="27" name="TextBox 26">
               <a:extLst>
                 <a:ext uri="{FF2B5EF4-FFF2-40B4-BE49-F238E27FC236}">
-                  <a16:creationId xmlns:a16="http://schemas.microsoft.com/office/drawing/2014/main" id="{0D03164A-D5AA-44D6-A57C-8A887EC01A96}"/>
+                  <a16:creationId xmlns="" xmlns:a16="http://schemas.microsoft.com/office/drawing/2014/main" id="{0D03164A-D5AA-44D6-A57C-8A887EC01A96}"/>
                 </a:ext>
               </a:extLst>
             </p:cNvPr>
@@ -5646,7 +5670,7 @@
           <p:cNvPr id="17" name="Content Placeholder 16">
             <a:extLst>
               <a:ext uri="{FF2B5EF4-FFF2-40B4-BE49-F238E27FC236}">
-                <a16:creationId xmlns:a16="http://schemas.microsoft.com/office/drawing/2014/main" id="{84F02825-CDEC-4A0E-934E-F6A0C65EDED7}"/>
+                <a16:creationId xmlns="" xmlns:a16="http://schemas.microsoft.com/office/drawing/2014/main" id="{84F02825-CDEC-4A0E-934E-F6A0C65EDED7}"/>
               </a:ext>
             </a:extLst>
           </p:cNvPr>
@@ -5697,6 +5721,13 @@
   <p:transition spd="slow">
     <p:cover/>
   </p:transition>
+  <p:timing>
+    <p:tnLst>
+      <p:par>
+        <p:cTn id="1" dur="indefinite" restart="never" nodeType="tmRoot"/>
+      </p:par>
+    </p:tnLst>
+  </p:timing>
 </p:sld>
 </file>
 
@@ -5722,7 +5753,7 @@
           <p:cNvPr id="2" name="Title 1">
             <a:extLst>
               <a:ext uri="{FF2B5EF4-FFF2-40B4-BE49-F238E27FC236}">
-                <a16:creationId xmlns:a16="http://schemas.microsoft.com/office/drawing/2014/main" id="{4010AF38-26DF-48B3-952C-4A9091D6863C}"/>
+                <a16:creationId xmlns="" xmlns:a16="http://schemas.microsoft.com/office/drawing/2014/main" id="{4010AF38-26DF-48B3-952C-4A9091D6863C}"/>
               </a:ext>
             </a:extLst>
           </p:cNvPr>
@@ -5780,6 +5811,15 @@
               </a:rPr>
               <a:t> Component </a:t>
             </a:r>
+            <a:r>
+              <a:rPr lang="en-IN" sz="7200" dirty="0">
+                <a:effectLst/>
+                <a:latin typeface="+mj-lt"/>
+                <a:ea typeface="Calibri" panose="020F0502020204030204" pitchFamily="34" charset="0"/>
+                <a:cs typeface="Shruti" panose="020B0502040204020203" pitchFamily="34" charset="0"/>
+              </a:rPr>
+              <a:t/>
+            </a:r>
             <a:br>
               <a:rPr lang="en-IN" sz="7200" dirty="0">
                 <a:effectLst/>
@@ -5801,7 +5841,7 @@
           <p:cNvPr id="118" name="Footer Placeholder 117">
             <a:extLst>
               <a:ext uri="{FF2B5EF4-FFF2-40B4-BE49-F238E27FC236}">
-                <a16:creationId xmlns:a16="http://schemas.microsoft.com/office/drawing/2014/main" id="{8555DE26-283D-4F5B-8E77-F1A08F07672E}"/>
+                <a16:creationId xmlns="" xmlns:a16="http://schemas.microsoft.com/office/drawing/2014/main" id="{8555DE26-283D-4F5B-8E77-F1A08F07672E}"/>
               </a:ext>
             </a:extLst>
           </p:cNvPr>
@@ -5830,7 +5870,7 @@
           <p:cNvPr id="119" name="Rectangle 118">
             <a:extLst>
               <a:ext uri="{FF2B5EF4-FFF2-40B4-BE49-F238E27FC236}">
-                <a16:creationId xmlns:a16="http://schemas.microsoft.com/office/drawing/2014/main" id="{2E2C032A-B57A-4F42-B962-257FA7EB0A8D}"/>
+                <a16:creationId xmlns="" xmlns:a16="http://schemas.microsoft.com/office/drawing/2014/main" id="{2E2C032A-B57A-4F42-B962-257FA7EB0A8D}"/>
               </a:ext>
             </a:extLst>
           </p:cNvPr>
@@ -5885,7 +5925,7 @@
           <p:cNvPr id="11" name="Group 10">
             <a:extLst>
               <a:ext uri="{FF2B5EF4-FFF2-40B4-BE49-F238E27FC236}">
-                <a16:creationId xmlns:a16="http://schemas.microsoft.com/office/drawing/2014/main" id="{604634DD-3320-4540-86E5-5F8DC40C8770}"/>
+                <a16:creationId xmlns="" xmlns:a16="http://schemas.microsoft.com/office/drawing/2014/main" id="{604634DD-3320-4540-86E5-5F8DC40C8770}"/>
               </a:ext>
             </a:extLst>
           </p:cNvPr>
@@ -5905,7 +5945,7 @@
             <p:cNvPr id="12" name="TextBox 11">
               <a:extLst>
                 <a:ext uri="{FF2B5EF4-FFF2-40B4-BE49-F238E27FC236}">
-                  <a16:creationId xmlns:a16="http://schemas.microsoft.com/office/drawing/2014/main" id="{26B3F5C8-E23E-4273-B3F5-F9264971CC52}"/>
+                  <a16:creationId xmlns="" xmlns:a16="http://schemas.microsoft.com/office/drawing/2014/main" id="{26B3F5C8-E23E-4273-B3F5-F9264971CC52}"/>
                 </a:ext>
               </a:extLst>
             </p:cNvPr>
@@ -5945,7 +5985,7 @@
             <p:cNvPr id="13" name="TextBox 12">
               <a:extLst>
                 <a:ext uri="{FF2B5EF4-FFF2-40B4-BE49-F238E27FC236}">
-                  <a16:creationId xmlns:a16="http://schemas.microsoft.com/office/drawing/2014/main" id="{ED8D353A-9B2E-4717-A032-1FB35407DE38}"/>
+                  <a16:creationId xmlns="" xmlns:a16="http://schemas.microsoft.com/office/drawing/2014/main" id="{ED8D353A-9B2E-4717-A032-1FB35407DE38}"/>
                 </a:ext>
               </a:extLst>
             </p:cNvPr>
@@ -5994,6 +6034,13 @@
   <p:transition spd="slow">
     <p:cover/>
   </p:transition>
+  <p:timing>
+    <p:tnLst>
+      <p:par>
+        <p:cTn id="1" dur="indefinite" restart="never" nodeType="tmRoot"/>
+      </p:par>
+    </p:tnLst>
+  </p:timing>
 </p:sld>
 </file>
 
@@ -6019,7 +6066,7 @@
           <p:cNvPr id="6" name="Content Placeholder 5">
             <a:extLst>
               <a:ext uri="{FF2B5EF4-FFF2-40B4-BE49-F238E27FC236}">
-                <a16:creationId xmlns:a16="http://schemas.microsoft.com/office/drawing/2014/main" id="{3E2C5BE4-67B1-4EFE-A315-4B4D9A74B26C}"/>
+                <a16:creationId xmlns="" xmlns:a16="http://schemas.microsoft.com/office/drawing/2014/main" id="{3E2C5BE4-67B1-4EFE-A315-4B4D9A74B26C}"/>
               </a:ext>
             </a:extLst>
           </p:cNvPr>
@@ -6135,7 +6182,7 @@
           <p:cNvPr id="118" name="Footer Placeholder 117">
             <a:extLst>
               <a:ext uri="{FF2B5EF4-FFF2-40B4-BE49-F238E27FC236}">
-                <a16:creationId xmlns:a16="http://schemas.microsoft.com/office/drawing/2014/main" id="{8555DE26-283D-4F5B-8E77-F1A08F07672E}"/>
+                <a16:creationId xmlns="" xmlns:a16="http://schemas.microsoft.com/office/drawing/2014/main" id="{8555DE26-283D-4F5B-8E77-F1A08F07672E}"/>
               </a:ext>
             </a:extLst>
           </p:cNvPr>
@@ -6164,7 +6211,7 @@
           <p:cNvPr id="119" name="Rectangle 118">
             <a:extLst>
               <a:ext uri="{FF2B5EF4-FFF2-40B4-BE49-F238E27FC236}">
-                <a16:creationId xmlns:a16="http://schemas.microsoft.com/office/drawing/2014/main" id="{2E2C032A-B57A-4F42-B962-257FA7EB0A8D}"/>
+                <a16:creationId xmlns="" xmlns:a16="http://schemas.microsoft.com/office/drawing/2014/main" id="{2E2C032A-B57A-4F42-B962-257FA7EB0A8D}"/>
               </a:ext>
             </a:extLst>
           </p:cNvPr>
@@ -6219,7 +6266,7 @@
           <p:cNvPr id="10" name="Rectangle 9">
             <a:extLst>
               <a:ext uri="{FF2B5EF4-FFF2-40B4-BE49-F238E27FC236}">
-                <a16:creationId xmlns:a16="http://schemas.microsoft.com/office/drawing/2014/main" id="{8422AED0-8059-4E23-BB3F-C6291E827C9E}"/>
+                <a16:creationId xmlns="" xmlns:a16="http://schemas.microsoft.com/office/drawing/2014/main" id="{8422AED0-8059-4E23-BB3F-C6291E827C9E}"/>
               </a:ext>
             </a:extLst>
           </p:cNvPr>
@@ -6323,7 +6370,7 @@
           <p:cNvPr id="8" name="TextBox 7">
             <a:extLst>
               <a:ext uri="{FF2B5EF4-FFF2-40B4-BE49-F238E27FC236}">
-                <a16:creationId xmlns:a16="http://schemas.microsoft.com/office/drawing/2014/main" id="{B9CFC7C6-08F0-4E35-BEBE-E203636CB0D9}"/>
+                <a16:creationId xmlns="" xmlns:a16="http://schemas.microsoft.com/office/drawing/2014/main" id="{B9CFC7C6-08F0-4E35-BEBE-E203636CB0D9}"/>
               </a:ext>
             </a:extLst>
           </p:cNvPr>
@@ -6365,7 +6412,7 @@
           <p:cNvPr id="23" name="TextBox 22">
             <a:extLst>
               <a:ext uri="{FF2B5EF4-FFF2-40B4-BE49-F238E27FC236}">
-                <a16:creationId xmlns:a16="http://schemas.microsoft.com/office/drawing/2014/main" id="{BDBE1AE5-94D9-4834-93C5-A0C1C7DE5DD0}"/>
+                <a16:creationId xmlns="" xmlns:a16="http://schemas.microsoft.com/office/drawing/2014/main" id="{BDBE1AE5-94D9-4834-93C5-A0C1C7DE5DD0}"/>
               </a:ext>
             </a:extLst>
           </p:cNvPr>
@@ -6407,7 +6454,7 @@
           <p:cNvPr id="25" name="Group 24">
             <a:extLst>
               <a:ext uri="{FF2B5EF4-FFF2-40B4-BE49-F238E27FC236}">
-                <a16:creationId xmlns:a16="http://schemas.microsoft.com/office/drawing/2014/main" id="{44ED5114-D3F6-49C7-AE87-6CED5AC037FB}"/>
+                <a16:creationId xmlns="" xmlns:a16="http://schemas.microsoft.com/office/drawing/2014/main" id="{44ED5114-D3F6-49C7-AE87-6CED5AC037FB}"/>
               </a:ext>
             </a:extLst>
           </p:cNvPr>
@@ -6427,7 +6474,7 @@
             <p:cNvPr id="26" name="TextBox 25">
               <a:extLst>
                 <a:ext uri="{FF2B5EF4-FFF2-40B4-BE49-F238E27FC236}">
-                  <a16:creationId xmlns:a16="http://schemas.microsoft.com/office/drawing/2014/main" id="{9C0CC259-194F-4463-B991-81ABEFCE5989}"/>
+                  <a16:creationId xmlns="" xmlns:a16="http://schemas.microsoft.com/office/drawing/2014/main" id="{9C0CC259-194F-4463-B991-81ABEFCE5989}"/>
                 </a:ext>
               </a:extLst>
             </p:cNvPr>
@@ -6467,7 +6514,7 @@
             <p:cNvPr id="27" name="TextBox 26">
               <a:extLst>
                 <a:ext uri="{FF2B5EF4-FFF2-40B4-BE49-F238E27FC236}">
-                  <a16:creationId xmlns:a16="http://schemas.microsoft.com/office/drawing/2014/main" id="{0D03164A-D5AA-44D6-A57C-8A887EC01A96}"/>
+                  <a16:creationId xmlns="" xmlns:a16="http://schemas.microsoft.com/office/drawing/2014/main" id="{0D03164A-D5AA-44D6-A57C-8A887EC01A96}"/>
                 </a:ext>
               </a:extLst>
             </p:cNvPr>
@@ -6516,6 +6563,13 @@
   <p:transition spd="slow">
     <p:cover/>
   </p:transition>
+  <p:timing>
+    <p:tnLst>
+      <p:par>
+        <p:cTn id="1" dur="indefinite" restart="never" nodeType="tmRoot"/>
+      </p:par>
+    </p:tnLst>
+  </p:timing>
 </p:sld>
 </file>
 
@@ -6541,7 +6595,7 @@
           <p:cNvPr id="2" name="Title 1">
             <a:extLst>
               <a:ext uri="{FF2B5EF4-FFF2-40B4-BE49-F238E27FC236}">
-                <a16:creationId xmlns:a16="http://schemas.microsoft.com/office/drawing/2014/main" id="{4010AF38-26DF-48B3-952C-4A9091D6863C}"/>
+                <a16:creationId xmlns="" xmlns:a16="http://schemas.microsoft.com/office/drawing/2014/main" id="{4010AF38-26DF-48B3-952C-4A9091D6863C}"/>
               </a:ext>
             </a:extLst>
           </p:cNvPr>
@@ -6595,6 +6649,15 @@
               </a:rPr>
               <a:t> Relation</a:t>
             </a:r>
+            <a:r>
+              <a:rPr lang="en-IN" sz="7200" dirty="0">
+                <a:effectLst/>
+                <a:latin typeface="+mj-lt"/>
+                <a:ea typeface="Calibri" panose="020F0502020204030204" pitchFamily="34" charset="0"/>
+                <a:cs typeface="Shruti" panose="020B0502040204020203" pitchFamily="34" charset="0"/>
+              </a:rPr>
+              <a:t/>
+            </a:r>
             <a:br>
               <a:rPr lang="en-IN" sz="7200" dirty="0">
                 <a:effectLst/>
@@ -6616,7 +6679,7 @@
           <p:cNvPr id="118" name="Footer Placeholder 117">
             <a:extLst>
               <a:ext uri="{FF2B5EF4-FFF2-40B4-BE49-F238E27FC236}">
-                <a16:creationId xmlns:a16="http://schemas.microsoft.com/office/drawing/2014/main" id="{8555DE26-283D-4F5B-8E77-F1A08F07672E}"/>
+                <a16:creationId xmlns="" xmlns:a16="http://schemas.microsoft.com/office/drawing/2014/main" id="{8555DE26-283D-4F5B-8E77-F1A08F07672E}"/>
               </a:ext>
             </a:extLst>
           </p:cNvPr>
@@ -6645,7 +6708,7 @@
           <p:cNvPr id="119" name="Rectangle 118">
             <a:extLst>
               <a:ext uri="{FF2B5EF4-FFF2-40B4-BE49-F238E27FC236}">
-                <a16:creationId xmlns:a16="http://schemas.microsoft.com/office/drawing/2014/main" id="{2E2C032A-B57A-4F42-B962-257FA7EB0A8D}"/>
+                <a16:creationId xmlns="" xmlns:a16="http://schemas.microsoft.com/office/drawing/2014/main" id="{2E2C032A-B57A-4F42-B962-257FA7EB0A8D}"/>
               </a:ext>
             </a:extLst>
           </p:cNvPr>
@@ -6700,7 +6763,7 @@
           <p:cNvPr id="11" name="Group 10">
             <a:extLst>
               <a:ext uri="{FF2B5EF4-FFF2-40B4-BE49-F238E27FC236}">
-                <a16:creationId xmlns:a16="http://schemas.microsoft.com/office/drawing/2014/main" id="{604634DD-3320-4540-86E5-5F8DC40C8770}"/>
+                <a16:creationId xmlns="" xmlns:a16="http://schemas.microsoft.com/office/drawing/2014/main" id="{604634DD-3320-4540-86E5-5F8DC40C8770}"/>
               </a:ext>
             </a:extLst>
           </p:cNvPr>
@@ -6720,7 +6783,7 @@
             <p:cNvPr id="12" name="TextBox 11">
               <a:extLst>
                 <a:ext uri="{FF2B5EF4-FFF2-40B4-BE49-F238E27FC236}">
-                  <a16:creationId xmlns:a16="http://schemas.microsoft.com/office/drawing/2014/main" id="{26B3F5C8-E23E-4273-B3F5-F9264971CC52}"/>
+                  <a16:creationId xmlns="" xmlns:a16="http://schemas.microsoft.com/office/drawing/2014/main" id="{26B3F5C8-E23E-4273-B3F5-F9264971CC52}"/>
                 </a:ext>
               </a:extLst>
             </p:cNvPr>
@@ -6760,7 +6823,7 @@
             <p:cNvPr id="13" name="TextBox 12">
               <a:extLst>
                 <a:ext uri="{FF2B5EF4-FFF2-40B4-BE49-F238E27FC236}">
-                  <a16:creationId xmlns:a16="http://schemas.microsoft.com/office/drawing/2014/main" id="{ED8D353A-9B2E-4717-A032-1FB35407DE38}"/>
+                  <a16:creationId xmlns="" xmlns:a16="http://schemas.microsoft.com/office/drawing/2014/main" id="{ED8D353A-9B2E-4717-A032-1FB35407DE38}"/>
                 </a:ext>
               </a:extLst>
             </p:cNvPr>
@@ -6809,6 +6872,13 @@
   <p:transition spd="slow">
     <p:cover/>
   </p:transition>
+  <p:timing>
+    <p:tnLst>
+      <p:par>
+        <p:cTn id="1" dur="indefinite" restart="never" nodeType="tmRoot"/>
+      </p:par>
+    </p:tnLst>
+  </p:timing>
 </p:sld>
 </file>
 
@@ -6834,7 +6904,7 @@
           <p:cNvPr id="3" name="Content Placeholder 2">
             <a:extLst>
               <a:ext uri="{FF2B5EF4-FFF2-40B4-BE49-F238E27FC236}">
-                <a16:creationId xmlns:a16="http://schemas.microsoft.com/office/drawing/2014/main" id="{3F432252-8BC3-4597-8F37-BC42411C85D3}"/>
+                <a16:creationId xmlns="" xmlns:a16="http://schemas.microsoft.com/office/drawing/2014/main" id="{3F432252-8BC3-4597-8F37-BC42411C85D3}"/>
               </a:ext>
             </a:extLst>
           </p:cNvPr>
@@ -6866,7 +6936,52 @@
                 <a:ea typeface="Calibri" panose="020F0502020204030204" pitchFamily="34" charset="0"/>
                 <a:cs typeface="Shruti" panose="020B0502040204020203" pitchFamily="34" charset="0"/>
               </a:rPr>
-              <a:t> The figure here depicts how the stock market gets effected by daily news and how the prices of the stock are affected by constant buy and sell based on small events like appointment of new CEO, or Release of new product, etc.</a:t>
+              <a:t> The figure </a:t>
+            </a:r>
+            <a:r>
+              <a:rPr lang="en-US" sz="2400" dirty="0" smtClean="0">
+                <a:effectLst/>
+                <a:latin typeface="+mj-lt"/>
+                <a:ea typeface="Calibri" panose="020F0502020204030204" pitchFamily="34" charset="0"/>
+                <a:cs typeface="Shruti" panose="020B0502040204020203" pitchFamily="34" charset="0"/>
+              </a:rPr>
+              <a:t>here depicts </a:t>
+            </a:r>
+            <a:r>
+              <a:rPr lang="en-US" sz="2400" dirty="0">
+                <a:effectLst/>
+                <a:latin typeface="+mj-lt"/>
+                <a:ea typeface="Calibri" panose="020F0502020204030204" pitchFamily="34" charset="0"/>
+                <a:cs typeface="Shruti" panose="020B0502040204020203" pitchFamily="34" charset="0"/>
+              </a:rPr>
+              <a:t>how the stock market gets effected by daily news and how the prices of the stock are affected by constant buy and sell based on small events like appointment </a:t>
+            </a:r>
+            <a:r>
+              <a:rPr lang="en-US" sz="2400" dirty="0" smtClean="0">
+                <a:effectLst/>
+                <a:latin typeface="+mj-lt"/>
+                <a:ea typeface="Calibri" panose="020F0502020204030204" pitchFamily="34" charset="0"/>
+                <a:cs typeface="Shruti" panose="020B0502040204020203" pitchFamily="34" charset="0"/>
+              </a:rPr>
+              <a:t>of </a:t>
+            </a:r>
+            <a:r>
+              <a:rPr lang="en-US" sz="2400" dirty="0">
+                <a:effectLst/>
+                <a:latin typeface="+mj-lt"/>
+                <a:ea typeface="Calibri" panose="020F0502020204030204" pitchFamily="34" charset="0"/>
+                <a:cs typeface="Shruti" panose="020B0502040204020203" pitchFamily="34" charset="0"/>
+              </a:rPr>
+              <a:t>new CEO, or Release of new product, etc</a:t>
+            </a:r>
+            <a:r>
+              <a:rPr lang="en-US" sz="2400" dirty="0" smtClean="0">
+                <a:effectLst/>
+                <a:latin typeface="+mj-lt"/>
+                <a:ea typeface="Calibri" panose="020F0502020204030204" pitchFamily="34" charset="0"/>
+                <a:cs typeface="Shruti" panose="020B0502040204020203" pitchFamily="34" charset="0"/>
+              </a:rPr>
+              <a:t>.</a:t>
             </a:r>
             <a:endParaRPr lang="en-IN" sz="2400" dirty="0">
               <a:effectLst/>
@@ -6885,7 +7000,7 @@
           <p:cNvPr id="11" name="Content Placeholder 10">
             <a:extLst>
               <a:ext uri="{FF2B5EF4-FFF2-40B4-BE49-F238E27FC236}">
-                <a16:creationId xmlns:a16="http://schemas.microsoft.com/office/drawing/2014/main" id="{B9970487-66EA-4C4A-A64E-8F0918991FDA}"/>
+                <a16:creationId xmlns="" xmlns:a16="http://schemas.microsoft.com/office/drawing/2014/main" id="{B9970487-66EA-4C4A-A64E-8F0918991FDA}"/>
               </a:ext>
             </a:extLst>
           </p:cNvPr>
@@ -6927,7 +7042,7 @@
           <p:cNvPr id="118" name="Footer Placeholder 117">
             <a:extLst>
               <a:ext uri="{FF2B5EF4-FFF2-40B4-BE49-F238E27FC236}">
-                <a16:creationId xmlns:a16="http://schemas.microsoft.com/office/drawing/2014/main" id="{8555DE26-283D-4F5B-8E77-F1A08F07672E}"/>
+                <a16:creationId xmlns="" xmlns:a16="http://schemas.microsoft.com/office/drawing/2014/main" id="{8555DE26-283D-4F5B-8E77-F1A08F07672E}"/>
               </a:ext>
             </a:extLst>
           </p:cNvPr>
@@ -6956,7 +7071,7 @@
           <p:cNvPr id="119" name="Rectangle 118">
             <a:extLst>
               <a:ext uri="{FF2B5EF4-FFF2-40B4-BE49-F238E27FC236}">
-                <a16:creationId xmlns:a16="http://schemas.microsoft.com/office/drawing/2014/main" id="{2E2C032A-B57A-4F42-B962-257FA7EB0A8D}"/>
+                <a16:creationId xmlns="" xmlns:a16="http://schemas.microsoft.com/office/drawing/2014/main" id="{2E2C032A-B57A-4F42-B962-257FA7EB0A8D}"/>
               </a:ext>
             </a:extLst>
           </p:cNvPr>
@@ -7011,7 +7126,7 @@
           <p:cNvPr id="10" name="Rectangle 9">
             <a:extLst>
               <a:ext uri="{FF2B5EF4-FFF2-40B4-BE49-F238E27FC236}">
-                <a16:creationId xmlns:a16="http://schemas.microsoft.com/office/drawing/2014/main" id="{8422AED0-8059-4E23-BB3F-C6291E827C9E}"/>
+                <a16:creationId xmlns="" xmlns:a16="http://schemas.microsoft.com/office/drawing/2014/main" id="{8422AED0-8059-4E23-BB3F-C6291E827C9E}"/>
               </a:ext>
             </a:extLst>
           </p:cNvPr>
@@ -7115,7 +7230,7 @@
           <p:cNvPr id="8" name="TextBox 7">
             <a:extLst>
               <a:ext uri="{FF2B5EF4-FFF2-40B4-BE49-F238E27FC236}">
-                <a16:creationId xmlns:a16="http://schemas.microsoft.com/office/drawing/2014/main" id="{B9CFC7C6-08F0-4E35-BEBE-E203636CB0D9}"/>
+                <a16:creationId xmlns="" xmlns:a16="http://schemas.microsoft.com/office/drawing/2014/main" id="{B9CFC7C6-08F0-4E35-BEBE-E203636CB0D9}"/>
               </a:ext>
             </a:extLst>
           </p:cNvPr>
@@ -7157,7 +7272,7 @@
           <p:cNvPr id="23" name="TextBox 22">
             <a:extLst>
               <a:ext uri="{FF2B5EF4-FFF2-40B4-BE49-F238E27FC236}">
-                <a16:creationId xmlns:a16="http://schemas.microsoft.com/office/drawing/2014/main" id="{BDBE1AE5-94D9-4834-93C5-A0C1C7DE5DD0}"/>
+                <a16:creationId xmlns="" xmlns:a16="http://schemas.microsoft.com/office/drawing/2014/main" id="{BDBE1AE5-94D9-4834-93C5-A0C1C7DE5DD0}"/>
               </a:ext>
             </a:extLst>
           </p:cNvPr>
@@ -7199,7 +7314,7 @@
           <p:cNvPr id="25" name="Group 24">
             <a:extLst>
               <a:ext uri="{FF2B5EF4-FFF2-40B4-BE49-F238E27FC236}">
-                <a16:creationId xmlns:a16="http://schemas.microsoft.com/office/drawing/2014/main" id="{44ED5114-D3F6-49C7-AE87-6CED5AC037FB}"/>
+                <a16:creationId xmlns="" xmlns:a16="http://schemas.microsoft.com/office/drawing/2014/main" id="{44ED5114-D3F6-49C7-AE87-6CED5AC037FB}"/>
               </a:ext>
             </a:extLst>
           </p:cNvPr>
@@ -7219,7 +7334,7 @@
             <p:cNvPr id="26" name="TextBox 25">
               <a:extLst>
                 <a:ext uri="{FF2B5EF4-FFF2-40B4-BE49-F238E27FC236}">
-                  <a16:creationId xmlns:a16="http://schemas.microsoft.com/office/drawing/2014/main" id="{9C0CC259-194F-4463-B991-81ABEFCE5989}"/>
+                  <a16:creationId xmlns="" xmlns:a16="http://schemas.microsoft.com/office/drawing/2014/main" id="{9C0CC259-194F-4463-B991-81ABEFCE5989}"/>
                 </a:ext>
               </a:extLst>
             </p:cNvPr>
@@ -7259,7 +7374,7 @@
             <p:cNvPr id="27" name="TextBox 26">
               <a:extLst>
                 <a:ext uri="{FF2B5EF4-FFF2-40B4-BE49-F238E27FC236}">
-                  <a16:creationId xmlns:a16="http://schemas.microsoft.com/office/drawing/2014/main" id="{0D03164A-D5AA-44D6-A57C-8A887EC01A96}"/>
+                  <a16:creationId xmlns="" xmlns:a16="http://schemas.microsoft.com/office/drawing/2014/main" id="{0D03164A-D5AA-44D6-A57C-8A887EC01A96}"/>
                 </a:ext>
               </a:extLst>
             </p:cNvPr>
@@ -7308,6 +7423,13 @@
   <p:transition spd="slow">
     <p:cover/>
   </p:transition>
+  <p:timing>
+    <p:tnLst>
+      <p:par>
+        <p:cTn id="1" dur="indefinite" restart="never" nodeType="tmRoot"/>
+      </p:par>
+    </p:tnLst>
+  </p:timing>
 </p:sld>
 </file>
 
@@ -7333,7 +7455,7 @@
           <p:cNvPr id="2" name="Title 1">
             <a:extLst>
               <a:ext uri="{FF2B5EF4-FFF2-40B4-BE49-F238E27FC236}">
-                <a16:creationId xmlns:a16="http://schemas.microsoft.com/office/drawing/2014/main" id="{4010AF38-26DF-48B3-952C-4A9091D6863C}"/>
+                <a16:creationId xmlns="" xmlns:a16="http://schemas.microsoft.com/office/drawing/2014/main" id="{4010AF38-26DF-48B3-952C-4A9091D6863C}"/>
               </a:ext>
             </a:extLst>
           </p:cNvPr>
@@ -7397,6 +7519,15 @@
               </a:rPr>
               <a:t> OF THE STUDY</a:t>
             </a:r>
+            <a:r>
+              <a:rPr lang="en-IN" sz="1800" dirty="0">
+                <a:effectLst/>
+                <a:latin typeface="Calibri" panose="020F0502020204030204" pitchFamily="34" charset="0"/>
+                <a:ea typeface="Calibri" panose="020F0502020204030204" pitchFamily="34" charset="0"/>
+                <a:cs typeface="Shruti" panose="020B0502040204020203" pitchFamily="34" charset="0"/>
+              </a:rPr>
+              <a:t/>
+            </a:r>
             <a:br>
               <a:rPr lang="en-IN" sz="1800" dirty="0">
                 <a:effectLst/>
@@ -7405,6 +7536,15 @@
                 <a:cs typeface="Shruti" panose="020B0502040204020203" pitchFamily="34" charset="0"/>
               </a:rPr>
             </a:br>
+            <a:r>
+              <a:rPr lang="en-IN" sz="7200" dirty="0">
+                <a:effectLst/>
+                <a:latin typeface="+mj-lt"/>
+                <a:ea typeface="Calibri" panose="020F0502020204030204" pitchFamily="34" charset="0"/>
+                <a:cs typeface="Shruti" panose="020B0502040204020203" pitchFamily="34" charset="0"/>
+              </a:rPr>
+              <a:t/>
+            </a:r>
             <a:br>
               <a:rPr lang="en-IN" sz="7200" dirty="0">
                 <a:effectLst/>
@@ -7426,7 +7566,7 @@
           <p:cNvPr id="118" name="Footer Placeholder 117">
             <a:extLst>
               <a:ext uri="{FF2B5EF4-FFF2-40B4-BE49-F238E27FC236}">
-                <a16:creationId xmlns:a16="http://schemas.microsoft.com/office/drawing/2014/main" id="{8555DE26-283D-4F5B-8E77-F1A08F07672E}"/>
+                <a16:creationId xmlns="" xmlns:a16="http://schemas.microsoft.com/office/drawing/2014/main" id="{8555DE26-283D-4F5B-8E77-F1A08F07672E}"/>
               </a:ext>
             </a:extLst>
           </p:cNvPr>
@@ -7455,7 +7595,7 @@
           <p:cNvPr id="119" name="Rectangle 118">
             <a:extLst>
               <a:ext uri="{FF2B5EF4-FFF2-40B4-BE49-F238E27FC236}">
-                <a16:creationId xmlns:a16="http://schemas.microsoft.com/office/drawing/2014/main" id="{2E2C032A-B57A-4F42-B962-257FA7EB0A8D}"/>
+                <a16:creationId xmlns="" xmlns:a16="http://schemas.microsoft.com/office/drawing/2014/main" id="{2E2C032A-B57A-4F42-B962-257FA7EB0A8D}"/>
               </a:ext>
             </a:extLst>
           </p:cNvPr>
@@ -7510,7 +7650,7 @@
           <p:cNvPr id="11" name="Group 10">
             <a:extLst>
               <a:ext uri="{FF2B5EF4-FFF2-40B4-BE49-F238E27FC236}">
-                <a16:creationId xmlns:a16="http://schemas.microsoft.com/office/drawing/2014/main" id="{604634DD-3320-4540-86E5-5F8DC40C8770}"/>
+                <a16:creationId xmlns="" xmlns:a16="http://schemas.microsoft.com/office/drawing/2014/main" id="{604634DD-3320-4540-86E5-5F8DC40C8770}"/>
               </a:ext>
             </a:extLst>
           </p:cNvPr>
@@ -7530,7 +7670,7 @@
             <p:cNvPr id="12" name="TextBox 11">
               <a:extLst>
                 <a:ext uri="{FF2B5EF4-FFF2-40B4-BE49-F238E27FC236}">
-                  <a16:creationId xmlns:a16="http://schemas.microsoft.com/office/drawing/2014/main" id="{26B3F5C8-E23E-4273-B3F5-F9264971CC52}"/>
+                  <a16:creationId xmlns="" xmlns:a16="http://schemas.microsoft.com/office/drawing/2014/main" id="{26B3F5C8-E23E-4273-B3F5-F9264971CC52}"/>
                 </a:ext>
               </a:extLst>
             </p:cNvPr>
@@ -7570,7 +7710,7 @@
             <p:cNvPr id="13" name="TextBox 12">
               <a:extLst>
                 <a:ext uri="{FF2B5EF4-FFF2-40B4-BE49-F238E27FC236}">
-                  <a16:creationId xmlns:a16="http://schemas.microsoft.com/office/drawing/2014/main" id="{ED8D353A-9B2E-4717-A032-1FB35407DE38}"/>
+                  <a16:creationId xmlns="" xmlns:a16="http://schemas.microsoft.com/office/drawing/2014/main" id="{ED8D353A-9B2E-4717-A032-1FB35407DE38}"/>
                 </a:ext>
               </a:extLst>
             </p:cNvPr>
@@ -7619,6 +7759,13 @@
   <p:transition spd="slow">
     <p:cover/>
   </p:transition>
+  <p:timing>
+    <p:tnLst>
+      <p:par>
+        <p:cTn id="1" dur="indefinite" restart="never" nodeType="tmRoot"/>
+      </p:par>
+    </p:tnLst>
+  </p:timing>
 </p:sld>
 </file>
 
@@ -7644,7 +7791,7 @@
           <p:cNvPr id="6" name="Content Placeholder 5">
             <a:extLst>
               <a:ext uri="{FF2B5EF4-FFF2-40B4-BE49-F238E27FC236}">
-                <a16:creationId xmlns:a16="http://schemas.microsoft.com/office/drawing/2014/main" id="{3E2C5BE4-67B1-4EFE-A315-4B4D9A74B26C}"/>
+                <a16:creationId xmlns="" xmlns:a16="http://schemas.microsoft.com/office/drawing/2014/main" id="{3E2C5BE4-67B1-4EFE-A315-4B4D9A74B26C}"/>
               </a:ext>
             </a:extLst>
           </p:cNvPr>
@@ -7699,13 +7846,31 @@
               <a:buAutoNum type="arabicPeriod"/>
             </a:pPr>
             <a:r>
+              <a:rPr lang="en-US" sz="2400" dirty="0" smtClean="0">
+                <a:effectLst/>
+                <a:latin typeface="+mj-lt"/>
+                <a:ea typeface="Calibri" panose="020F0502020204030204" pitchFamily="34" charset="0"/>
+                <a:cs typeface="Shruti" panose="020B0502040204020203" pitchFamily="34" charset="0"/>
+              </a:rPr>
+              <a:t>We </a:t>
+            </a:r>
+            <a:r>
               <a:rPr lang="en-US" sz="2400" dirty="0">
                 <a:effectLst/>
                 <a:latin typeface="+mj-lt"/>
                 <a:ea typeface="Calibri" panose="020F0502020204030204" pitchFamily="34" charset="0"/>
                 <a:cs typeface="Shruti" panose="020B0502040204020203" pitchFamily="34" charset="0"/>
               </a:rPr>
-              <a:t>We then compare the results of sentiment analysis as well as historical data analysis in order to see how closely they match, with the minimum error and maximum possible accuracy for the prediction.</a:t>
+              <a:t>then compare the results of sentiment analysis as well as historical data analysis in order to see how closely they match, with the minimum error and maximum possible accuracy for the prediction</a:t>
+            </a:r>
+            <a:r>
+              <a:rPr lang="en-US" sz="2400" dirty="0" smtClean="0">
+                <a:effectLst/>
+                <a:latin typeface="+mj-lt"/>
+                <a:ea typeface="Calibri" panose="020F0502020204030204" pitchFamily="34" charset="0"/>
+                <a:cs typeface="Shruti" panose="020B0502040204020203" pitchFamily="34" charset="0"/>
+              </a:rPr>
+              <a:t>.</a:t>
             </a:r>
             <a:endParaRPr lang="en-IN" sz="2400" dirty="0">
               <a:effectLst/>
@@ -7721,7 +7886,7 @@
           <p:cNvPr id="118" name="Footer Placeholder 117">
             <a:extLst>
               <a:ext uri="{FF2B5EF4-FFF2-40B4-BE49-F238E27FC236}">
-                <a16:creationId xmlns:a16="http://schemas.microsoft.com/office/drawing/2014/main" id="{8555DE26-283D-4F5B-8E77-F1A08F07672E}"/>
+                <a16:creationId xmlns="" xmlns:a16="http://schemas.microsoft.com/office/drawing/2014/main" id="{8555DE26-283D-4F5B-8E77-F1A08F07672E}"/>
               </a:ext>
             </a:extLst>
           </p:cNvPr>
@@ -7750,7 +7915,7 @@
           <p:cNvPr id="119" name="Rectangle 118">
             <a:extLst>
               <a:ext uri="{FF2B5EF4-FFF2-40B4-BE49-F238E27FC236}">
-                <a16:creationId xmlns:a16="http://schemas.microsoft.com/office/drawing/2014/main" id="{2E2C032A-B57A-4F42-B962-257FA7EB0A8D}"/>
+                <a16:creationId xmlns="" xmlns:a16="http://schemas.microsoft.com/office/drawing/2014/main" id="{2E2C032A-B57A-4F42-B962-257FA7EB0A8D}"/>
               </a:ext>
             </a:extLst>
           </p:cNvPr>
@@ -7805,7 +7970,7 @@
           <p:cNvPr id="10" name="Rectangle 9">
             <a:extLst>
               <a:ext uri="{FF2B5EF4-FFF2-40B4-BE49-F238E27FC236}">
-                <a16:creationId xmlns:a16="http://schemas.microsoft.com/office/drawing/2014/main" id="{8422AED0-8059-4E23-BB3F-C6291E827C9E}"/>
+                <a16:creationId xmlns="" xmlns:a16="http://schemas.microsoft.com/office/drawing/2014/main" id="{8422AED0-8059-4E23-BB3F-C6291E827C9E}"/>
               </a:ext>
             </a:extLst>
           </p:cNvPr>
@@ -7909,7 +8074,7 @@
           <p:cNvPr id="8" name="TextBox 7">
             <a:extLst>
               <a:ext uri="{FF2B5EF4-FFF2-40B4-BE49-F238E27FC236}">
-                <a16:creationId xmlns:a16="http://schemas.microsoft.com/office/drawing/2014/main" id="{B9CFC7C6-08F0-4E35-BEBE-E203636CB0D9}"/>
+                <a16:creationId xmlns="" xmlns:a16="http://schemas.microsoft.com/office/drawing/2014/main" id="{B9CFC7C6-08F0-4E35-BEBE-E203636CB0D9}"/>
               </a:ext>
             </a:extLst>
           </p:cNvPr>
@@ -7951,7 +8116,7 @@
           <p:cNvPr id="23" name="TextBox 22">
             <a:extLst>
               <a:ext uri="{FF2B5EF4-FFF2-40B4-BE49-F238E27FC236}">
-                <a16:creationId xmlns:a16="http://schemas.microsoft.com/office/drawing/2014/main" id="{BDBE1AE5-94D9-4834-93C5-A0C1C7DE5DD0}"/>
+                <a16:creationId xmlns="" xmlns:a16="http://schemas.microsoft.com/office/drawing/2014/main" id="{BDBE1AE5-94D9-4834-93C5-A0C1C7DE5DD0}"/>
               </a:ext>
             </a:extLst>
           </p:cNvPr>
@@ -7993,7 +8158,7 @@
           <p:cNvPr id="25" name="Group 24">
             <a:extLst>
               <a:ext uri="{FF2B5EF4-FFF2-40B4-BE49-F238E27FC236}">
-                <a16:creationId xmlns:a16="http://schemas.microsoft.com/office/drawing/2014/main" id="{44ED5114-D3F6-49C7-AE87-6CED5AC037FB}"/>
+                <a16:creationId xmlns="" xmlns:a16="http://schemas.microsoft.com/office/drawing/2014/main" id="{44ED5114-D3F6-49C7-AE87-6CED5AC037FB}"/>
               </a:ext>
             </a:extLst>
           </p:cNvPr>
@@ -8013,7 +8178,7 @@
             <p:cNvPr id="26" name="TextBox 25">
               <a:extLst>
                 <a:ext uri="{FF2B5EF4-FFF2-40B4-BE49-F238E27FC236}">
-                  <a16:creationId xmlns:a16="http://schemas.microsoft.com/office/drawing/2014/main" id="{9C0CC259-194F-4463-B991-81ABEFCE5989}"/>
+                  <a16:creationId xmlns="" xmlns:a16="http://schemas.microsoft.com/office/drawing/2014/main" id="{9C0CC259-194F-4463-B991-81ABEFCE5989}"/>
                 </a:ext>
               </a:extLst>
             </p:cNvPr>
@@ -8053,7 +8218,7 @@
             <p:cNvPr id="27" name="TextBox 26">
               <a:extLst>
                 <a:ext uri="{FF2B5EF4-FFF2-40B4-BE49-F238E27FC236}">
-                  <a16:creationId xmlns:a16="http://schemas.microsoft.com/office/drawing/2014/main" id="{0D03164A-D5AA-44D6-A57C-8A887EC01A96}"/>
+                  <a16:creationId xmlns="" xmlns:a16="http://schemas.microsoft.com/office/drawing/2014/main" id="{0D03164A-D5AA-44D6-A57C-8A887EC01A96}"/>
                 </a:ext>
               </a:extLst>
             </p:cNvPr>
@@ -8157,7 +8322,7 @@
           <p:cNvPr id="2" name="Title 1">
             <a:extLst>
               <a:ext uri="{FF2B5EF4-FFF2-40B4-BE49-F238E27FC236}">
-                <a16:creationId xmlns:a16="http://schemas.microsoft.com/office/drawing/2014/main" id="{4010AF38-26DF-48B3-952C-4A9091D6863C}"/>
+                <a16:creationId xmlns="" xmlns:a16="http://schemas.microsoft.com/office/drawing/2014/main" id="{4010AF38-26DF-48B3-952C-4A9091D6863C}"/>
               </a:ext>
             </a:extLst>
           </p:cNvPr>
@@ -8213,6 +8378,15 @@
               </a:rPr>
               <a:t>DESCRIPTION</a:t>
             </a:r>
+            <a:r>
+              <a:rPr lang="en-IN" sz="7200" dirty="0">
+                <a:effectLst/>
+                <a:latin typeface="+mj-lt"/>
+                <a:ea typeface="Calibri" panose="020F0502020204030204" pitchFamily="34" charset="0"/>
+                <a:cs typeface="Shruti" panose="020B0502040204020203" pitchFamily="34" charset="0"/>
+              </a:rPr>
+              <a:t/>
+            </a:r>
             <a:br>
               <a:rPr lang="en-IN" sz="7200" dirty="0">
                 <a:effectLst/>
@@ -8234,7 +8408,7 @@
           <p:cNvPr id="118" name="Footer Placeholder 117">
             <a:extLst>
               <a:ext uri="{FF2B5EF4-FFF2-40B4-BE49-F238E27FC236}">
-                <a16:creationId xmlns:a16="http://schemas.microsoft.com/office/drawing/2014/main" id="{8555DE26-283D-4F5B-8E77-F1A08F07672E}"/>
+                <a16:creationId xmlns="" xmlns:a16="http://schemas.microsoft.com/office/drawing/2014/main" id="{8555DE26-283D-4F5B-8E77-F1A08F07672E}"/>
               </a:ext>
             </a:extLst>
           </p:cNvPr>
@@ -8263,7 +8437,7 @@
           <p:cNvPr id="119" name="Rectangle 118">
             <a:extLst>
               <a:ext uri="{FF2B5EF4-FFF2-40B4-BE49-F238E27FC236}">
-                <a16:creationId xmlns:a16="http://schemas.microsoft.com/office/drawing/2014/main" id="{2E2C032A-B57A-4F42-B962-257FA7EB0A8D}"/>
+                <a16:creationId xmlns="" xmlns:a16="http://schemas.microsoft.com/office/drawing/2014/main" id="{2E2C032A-B57A-4F42-B962-257FA7EB0A8D}"/>
               </a:ext>
             </a:extLst>
           </p:cNvPr>
@@ -8318,7 +8492,7 @@
           <p:cNvPr id="11" name="Group 10">
             <a:extLst>
               <a:ext uri="{FF2B5EF4-FFF2-40B4-BE49-F238E27FC236}">
-                <a16:creationId xmlns:a16="http://schemas.microsoft.com/office/drawing/2014/main" id="{604634DD-3320-4540-86E5-5F8DC40C8770}"/>
+                <a16:creationId xmlns="" xmlns:a16="http://schemas.microsoft.com/office/drawing/2014/main" id="{604634DD-3320-4540-86E5-5F8DC40C8770}"/>
               </a:ext>
             </a:extLst>
           </p:cNvPr>
@@ -8338,7 +8512,7 @@
             <p:cNvPr id="12" name="TextBox 11">
               <a:extLst>
                 <a:ext uri="{FF2B5EF4-FFF2-40B4-BE49-F238E27FC236}">
-                  <a16:creationId xmlns:a16="http://schemas.microsoft.com/office/drawing/2014/main" id="{26B3F5C8-E23E-4273-B3F5-F9264971CC52}"/>
+                  <a16:creationId xmlns="" xmlns:a16="http://schemas.microsoft.com/office/drawing/2014/main" id="{26B3F5C8-E23E-4273-B3F5-F9264971CC52}"/>
                 </a:ext>
               </a:extLst>
             </p:cNvPr>
@@ -8378,7 +8552,7 @@
             <p:cNvPr id="13" name="TextBox 12">
               <a:extLst>
                 <a:ext uri="{FF2B5EF4-FFF2-40B4-BE49-F238E27FC236}">
-                  <a16:creationId xmlns:a16="http://schemas.microsoft.com/office/drawing/2014/main" id="{ED8D353A-9B2E-4717-A032-1FB35407DE38}"/>
+                  <a16:creationId xmlns="" xmlns:a16="http://schemas.microsoft.com/office/drawing/2014/main" id="{ED8D353A-9B2E-4717-A032-1FB35407DE38}"/>
                 </a:ext>
               </a:extLst>
             </p:cNvPr>
@@ -8452,7 +8626,7 @@
           <p:cNvPr id="2" name="Title 1">
             <a:extLst>
               <a:ext uri="{FF2B5EF4-FFF2-40B4-BE49-F238E27FC236}">
-                <a16:creationId xmlns:a16="http://schemas.microsoft.com/office/drawing/2014/main" id="{4010AF38-26DF-48B3-952C-4A9091D6863C}"/>
+                <a16:creationId xmlns="" xmlns:a16="http://schemas.microsoft.com/office/drawing/2014/main" id="{4010AF38-26DF-48B3-952C-4A9091D6863C}"/>
               </a:ext>
             </a:extLst>
           </p:cNvPr>
@@ -8497,7 +8671,7 @@
           <p:cNvPr id="118" name="Footer Placeholder 117">
             <a:extLst>
               <a:ext uri="{FF2B5EF4-FFF2-40B4-BE49-F238E27FC236}">
-                <a16:creationId xmlns:a16="http://schemas.microsoft.com/office/drawing/2014/main" id="{8555DE26-283D-4F5B-8E77-F1A08F07672E}"/>
+                <a16:creationId xmlns="" xmlns:a16="http://schemas.microsoft.com/office/drawing/2014/main" id="{8555DE26-283D-4F5B-8E77-F1A08F07672E}"/>
               </a:ext>
             </a:extLst>
           </p:cNvPr>
@@ -8526,7 +8700,7 @@
           <p:cNvPr id="119" name="Rectangle 118">
             <a:extLst>
               <a:ext uri="{FF2B5EF4-FFF2-40B4-BE49-F238E27FC236}">
-                <a16:creationId xmlns:a16="http://schemas.microsoft.com/office/drawing/2014/main" id="{2E2C032A-B57A-4F42-B962-257FA7EB0A8D}"/>
+                <a16:creationId xmlns="" xmlns:a16="http://schemas.microsoft.com/office/drawing/2014/main" id="{2E2C032A-B57A-4F42-B962-257FA7EB0A8D}"/>
               </a:ext>
             </a:extLst>
           </p:cNvPr>
@@ -8581,7 +8755,7 @@
           <p:cNvPr id="11" name="Group 10">
             <a:extLst>
               <a:ext uri="{FF2B5EF4-FFF2-40B4-BE49-F238E27FC236}">
-                <a16:creationId xmlns:a16="http://schemas.microsoft.com/office/drawing/2014/main" id="{604634DD-3320-4540-86E5-5F8DC40C8770}"/>
+                <a16:creationId xmlns="" xmlns:a16="http://schemas.microsoft.com/office/drawing/2014/main" id="{604634DD-3320-4540-86E5-5F8DC40C8770}"/>
               </a:ext>
             </a:extLst>
           </p:cNvPr>
@@ -8601,7 +8775,7 @@
             <p:cNvPr id="12" name="TextBox 11">
               <a:extLst>
                 <a:ext uri="{FF2B5EF4-FFF2-40B4-BE49-F238E27FC236}">
-                  <a16:creationId xmlns:a16="http://schemas.microsoft.com/office/drawing/2014/main" id="{26B3F5C8-E23E-4273-B3F5-F9264971CC52}"/>
+                  <a16:creationId xmlns="" xmlns:a16="http://schemas.microsoft.com/office/drawing/2014/main" id="{26B3F5C8-E23E-4273-B3F5-F9264971CC52}"/>
                 </a:ext>
               </a:extLst>
             </p:cNvPr>
@@ -8641,7 +8815,7 @@
             <p:cNvPr id="13" name="TextBox 12">
               <a:extLst>
                 <a:ext uri="{FF2B5EF4-FFF2-40B4-BE49-F238E27FC236}">
-                  <a16:creationId xmlns:a16="http://schemas.microsoft.com/office/drawing/2014/main" id="{ED8D353A-9B2E-4717-A032-1FB35407DE38}"/>
+                  <a16:creationId xmlns="" xmlns:a16="http://schemas.microsoft.com/office/drawing/2014/main" id="{ED8D353A-9B2E-4717-A032-1FB35407DE38}"/>
                 </a:ext>
               </a:extLst>
             </p:cNvPr>
@@ -8690,6 +8864,13 @@
   <p:transition spd="slow">
     <p:cover/>
   </p:transition>
+  <p:timing>
+    <p:tnLst>
+      <p:par>
+        <p:cTn id="1" dur="indefinite" restart="never" nodeType="tmRoot"/>
+      </p:par>
+    </p:tnLst>
+  </p:timing>
 </p:sld>
 </file>
 
@@ -8715,7 +8896,7 @@
           <p:cNvPr id="2" name="Title 1">
             <a:extLst>
               <a:ext uri="{FF2B5EF4-FFF2-40B4-BE49-F238E27FC236}">
-                <a16:creationId xmlns:a16="http://schemas.microsoft.com/office/drawing/2014/main" id="{4010AF38-26DF-48B3-952C-4A9091D6863C}"/>
+                <a16:creationId xmlns="" xmlns:a16="http://schemas.microsoft.com/office/drawing/2014/main" id="{4010AF38-26DF-48B3-952C-4A9091D6863C}"/>
               </a:ext>
             </a:extLst>
           </p:cNvPr>
@@ -8778,6 +8959,15 @@
               </a:rPr>
               <a:t>Dataset</a:t>
             </a:r>
+            <a:r>
+              <a:rPr lang="en-IN" sz="7200" dirty="0">
+                <a:effectLst/>
+                <a:latin typeface="+mj-lt"/>
+                <a:ea typeface="Calibri" panose="020F0502020204030204" pitchFamily="34" charset="0"/>
+                <a:cs typeface="Shruti" panose="020B0502040204020203" pitchFamily="34" charset="0"/>
+              </a:rPr>
+              <a:t/>
+            </a:r>
             <a:br>
               <a:rPr lang="en-IN" sz="7200" dirty="0">
                 <a:effectLst/>
@@ -8799,7 +8989,7 @@
           <p:cNvPr id="118" name="Footer Placeholder 117">
             <a:extLst>
               <a:ext uri="{FF2B5EF4-FFF2-40B4-BE49-F238E27FC236}">
-                <a16:creationId xmlns:a16="http://schemas.microsoft.com/office/drawing/2014/main" id="{8555DE26-283D-4F5B-8E77-F1A08F07672E}"/>
+                <a16:creationId xmlns="" xmlns:a16="http://schemas.microsoft.com/office/drawing/2014/main" id="{8555DE26-283D-4F5B-8E77-F1A08F07672E}"/>
               </a:ext>
             </a:extLst>
           </p:cNvPr>
@@ -8828,7 +9018,7 @@
           <p:cNvPr id="119" name="Rectangle 118">
             <a:extLst>
               <a:ext uri="{FF2B5EF4-FFF2-40B4-BE49-F238E27FC236}">
-                <a16:creationId xmlns:a16="http://schemas.microsoft.com/office/drawing/2014/main" id="{2E2C032A-B57A-4F42-B962-257FA7EB0A8D}"/>
+                <a16:creationId xmlns="" xmlns:a16="http://schemas.microsoft.com/office/drawing/2014/main" id="{2E2C032A-B57A-4F42-B962-257FA7EB0A8D}"/>
               </a:ext>
             </a:extLst>
           </p:cNvPr>
@@ -8883,7 +9073,7 @@
           <p:cNvPr id="11" name="Group 10">
             <a:extLst>
               <a:ext uri="{FF2B5EF4-FFF2-40B4-BE49-F238E27FC236}">
-                <a16:creationId xmlns:a16="http://schemas.microsoft.com/office/drawing/2014/main" id="{604634DD-3320-4540-86E5-5F8DC40C8770}"/>
+                <a16:creationId xmlns="" xmlns:a16="http://schemas.microsoft.com/office/drawing/2014/main" id="{604634DD-3320-4540-86E5-5F8DC40C8770}"/>
               </a:ext>
             </a:extLst>
           </p:cNvPr>
@@ -8903,7 +9093,7 @@
             <p:cNvPr id="12" name="TextBox 11">
               <a:extLst>
                 <a:ext uri="{FF2B5EF4-FFF2-40B4-BE49-F238E27FC236}">
-                  <a16:creationId xmlns:a16="http://schemas.microsoft.com/office/drawing/2014/main" id="{26B3F5C8-E23E-4273-B3F5-F9264971CC52}"/>
+                  <a16:creationId xmlns="" xmlns:a16="http://schemas.microsoft.com/office/drawing/2014/main" id="{26B3F5C8-E23E-4273-B3F5-F9264971CC52}"/>
                 </a:ext>
               </a:extLst>
             </p:cNvPr>
@@ -8943,7 +9133,7 @@
             <p:cNvPr id="13" name="TextBox 12">
               <a:extLst>
                 <a:ext uri="{FF2B5EF4-FFF2-40B4-BE49-F238E27FC236}">
-                  <a16:creationId xmlns:a16="http://schemas.microsoft.com/office/drawing/2014/main" id="{ED8D353A-9B2E-4717-A032-1FB35407DE38}"/>
+                  <a16:creationId xmlns="" xmlns:a16="http://schemas.microsoft.com/office/drawing/2014/main" id="{ED8D353A-9B2E-4717-A032-1FB35407DE38}"/>
                 </a:ext>
               </a:extLst>
             </p:cNvPr>
@@ -9017,7 +9207,7 @@
           <p:cNvPr id="118" name="Footer Placeholder 117">
             <a:extLst>
               <a:ext uri="{FF2B5EF4-FFF2-40B4-BE49-F238E27FC236}">
-                <a16:creationId xmlns:a16="http://schemas.microsoft.com/office/drawing/2014/main" id="{8555DE26-283D-4F5B-8E77-F1A08F07672E}"/>
+                <a16:creationId xmlns="" xmlns:a16="http://schemas.microsoft.com/office/drawing/2014/main" id="{8555DE26-283D-4F5B-8E77-F1A08F07672E}"/>
               </a:ext>
             </a:extLst>
           </p:cNvPr>
@@ -9046,7 +9236,7 @@
           <p:cNvPr id="119" name="Rectangle 118">
             <a:extLst>
               <a:ext uri="{FF2B5EF4-FFF2-40B4-BE49-F238E27FC236}">
-                <a16:creationId xmlns:a16="http://schemas.microsoft.com/office/drawing/2014/main" id="{2E2C032A-B57A-4F42-B962-257FA7EB0A8D}"/>
+                <a16:creationId xmlns="" xmlns:a16="http://schemas.microsoft.com/office/drawing/2014/main" id="{2E2C032A-B57A-4F42-B962-257FA7EB0A8D}"/>
               </a:ext>
             </a:extLst>
           </p:cNvPr>
@@ -9101,7 +9291,7 @@
           <p:cNvPr id="10" name="Rectangle 9">
             <a:extLst>
               <a:ext uri="{FF2B5EF4-FFF2-40B4-BE49-F238E27FC236}">
-                <a16:creationId xmlns:a16="http://schemas.microsoft.com/office/drawing/2014/main" id="{8422AED0-8059-4E23-BB3F-C6291E827C9E}"/>
+                <a16:creationId xmlns="" xmlns:a16="http://schemas.microsoft.com/office/drawing/2014/main" id="{8422AED0-8059-4E23-BB3F-C6291E827C9E}"/>
               </a:ext>
             </a:extLst>
           </p:cNvPr>
@@ -9207,7 +9397,7 @@
           <p:cNvPr id="8" name="TextBox 7">
             <a:extLst>
               <a:ext uri="{FF2B5EF4-FFF2-40B4-BE49-F238E27FC236}">
-                <a16:creationId xmlns:a16="http://schemas.microsoft.com/office/drawing/2014/main" id="{B9CFC7C6-08F0-4E35-BEBE-E203636CB0D9}"/>
+                <a16:creationId xmlns="" xmlns:a16="http://schemas.microsoft.com/office/drawing/2014/main" id="{B9CFC7C6-08F0-4E35-BEBE-E203636CB0D9}"/>
               </a:ext>
             </a:extLst>
           </p:cNvPr>
@@ -9249,7 +9439,7 @@
           <p:cNvPr id="23" name="TextBox 22">
             <a:extLst>
               <a:ext uri="{FF2B5EF4-FFF2-40B4-BE49-F238E27FC236}">
-                <a16:creationId xmlns:a16="http://schemas.microsoft.com/office/drawing/2014/main" id="{BDBE1AE5-94D9-4834-93C5-A0C1C7DE5DD0}"/>
+                <a16:creationId xmlns="" xmlns:a16="http://schemas.microsoft.com/office/drawing/2014/main" id="{BDBE1AE5-94D9-4834-93C5-A0C1C7DE5DD0}"/>
               </a:ext>
             </a:extLst>
           </p:cNvPr>
@@ -9291,7 +9481,7 @@
           <p:cNvPr id="25" name="Group 24">
             <a:extLst>
               <a:ext uri="{FF2B5EF4-FFF2-40B4-BE49-F238E27FC236}">
-                <a16:creationId xmlns:a16="http://schemas.microsoft.com/office/drawing/2014/main" id="{44ED5114-D3F6-49C7-AE87-6CED5AC037FB}"/>
+                <a16:creationId xmlns="" xmlns:a16="http://schemas.microsoft.com/office/drawing/2014/main" id="{44ED5114-D3F6-49C7-AE87-6CED5AC037FB}"/>
               </a:ext>
             </a:extLst>
           </p:cNvPr>
@@ -9311,7 +9501,7 @@
             <p:cNvPr id="26" name="TextBox 25">
               <a:extLst>
                 <a:ext uri="{FF2B5EF4-FFF2-40B4-BE49-F238E27FC236}">
-                  <a16:creationId xmlns:a16="http://schemas.microsoft.com/office/drawing/2014/main" id="{9C0CC259-194F-4463-B991-81ABEFCE5989}"/>
+                  <a16:creationId xmlns="" xmlns:a16="http://schemas.microsoft.com/office/drawing/2014/main" id="{9C0CC259-194F-4463-B991-81ABEFCE5989}"/>
                 </a:ext>
               </a:extLst>
             </p:cNvPr>
@@ -9351,7 +9541,7 @@
             <p:cNvPr id="27" name="TextBox 26">
               <a:extLst>
                 <a:ext uri="{FF2B5EF4-FFF2-40B4-BE49-F238E27FC236}">
-                  <a16:creationId xmlns:a16="http://schemas.microsoft.com/office/drawing/2014/main" id="{0D03164A-D5AA-44D6-A57C-8A887EC01A96}"/>
+                  <a16:creationId xmlns="" xmlns:a16="http://schemas.microsoft.com/office/drawing/2014/main" id="{0D03164A-D5AA-44D6-A57C-8A887EC01A96}"/>
                 </a:ext>
               </a:extLst>
             </p:cNvPr>
@@ -9392,7 +9582,7 @@
           <p:cNvPr id="11" name="Content Placeholder 10">
             <a:extLst>
               <a:ext uri="{FF2B5EF4-FFF2-40B4-BE49-F238E27FC236}">
-                <a16:creationId xmlns:a16="http://schemas.microsoft.com/office/drawing/2014/main" id="{DA6CF877-E436-4AD9-9E76-3711D24A1350}"/>
+                <a16:creationId xmlns="" xmlns:a16="http://schemas.microsoft.com/office/drawing/2014/main" id="{DA6CF877-E436-4AD9-9E76-3711D24A1350}"/>
               </a:ext>
             </a:extLst>
           </p:cNvPr>
@@ -9468,7 +9658,7 @@
           <p:cNvPr id="118" name="Footer Placeholder 117">
             <a:extLst>
               <a:ext uri="{FF2B5EF4-FFF2-40B4-BE49-F238E27FC236}">
-                <a16:creationId xmlns:a16="http://schemas.microsoft.com/office/drawing/2014/main" id="{8555DE26-283D-4F5B-8E77-F1A08F07672E}"/>
+                <a16:creationId xmlns="" xmlns:a16="http://schemas.microsoft.com/office/drawing/2014/main" id="{8555DE26-283D-4F5B-8E77-F1A08F07672E}"/>
               </a:ext>
             </a:extLst>
           </p:cNvPr>
@@ -9497,7 +9687,7 @@
           <p:cNvPr id="119" name="Rectangle 118">
             <a:extLst>
               <a:ext uri="{FF2B5EF4-FFF2-40B4-BE49-F238E27FC236}">
-                <a16:creationId xmlns:a16="http://schemas.microsoft.com/office/drawing/2014/main" id="{2E2C032A-B57A-4F42-B962-257FA7EB0A8D}"/>
+                <a16:creationId xmlns="" xmlns:a16="http://schemas.microsoft.com/office/drawing/2014/main" id="{2E2C032A-B57A-4F42-B962-257FA7EB0A8D}"/>
               </a:ext>
             </a:extLst>
           </p:cNvPr>
@@ -9552,7 +9742,7 @@
           <p:cNvPr id="10" name="Rectangle 9">
             <a:extLst>
               <a:ext uri="{FF2B5EF4-FFF2-40B4-BE49-F238E27FC236}">
-                <a16:creationId xmlns:a16="http://schemas.microsoft.com/office/drawing/2014/main" id="{8422AED0-8059-4E23-BB3F-C6291E827C9E}"/>
+                <a16:creationId xmlns="" xmlns:a16="http://schemas.microsoft.com/office/drawing/2014/main" id="{8422AED0-8059-4E23-BB3F-C6291E827C9E}"/>
               </a:ext>
             </a:extLst>
           </p:cNvPr>
@@ -9658,7 +9848,7 @@
           <p:cNvPr id="8" name="TextBox 7">
             <a:extLst>
               <a:ext uri="{FF2B5EF4-FFF2-40B4-BE49-F238E27FC236}">
-                <a16:creationId xmlns:a16="http://schemas.microsoft.com/office/drawing/2014/main" id="{B9CFC7C6-08F0-4E35-BEBE-E203636CB0D9}"/>
+                <a16:creationId xmlns="" xmlns:a16="http://schemas.microsoft.com/office/drawing/2014/main" id="{B9CFC7C6-08F0-4E35-BEBE-E203636CB0D9}"/>
               </a:ext>
             </a:extLst>
           </p:cNvPr>
@@ -9700,7 +9890,7 @@
           <p:cNvPr id="23" name="TextBox 22">
             <a:extLst>
               <a:ext uri="{FF2B5EF4-FFF2-40B4-BE49-F238E27FC236}">
-                <a16:creationId xmlns:a16="http://schemas.microsoft.com/office/drawing/2014/main" id="{BDBE1AE5-94D9-4834-93C5-A0C1C7DE5DD0}"/>
+                <a16:creationId xmlns="" xmlns:a16="http://schemas.microsoft.com/office/drawing/2014/main" id="{BDBE1AE5-94D9-4834-93C5-A0C1C7DE5DD0}"/>
               </a:ext>
             </a:extLst>
           </p:cNvPr>
@@ -9742,7 +9932,7 @@
           <p:cNvPr id="25" name="Group 24">
             <a:extLst>
               <a:ext uri="{FF2B5EF4-FFF2-40B4-BE49-F238E27FC236}">
-                <a16:creationId xmlns:a16="http://schemas.microsoft.com/office/drawing/2014/main" id="{44ED5114-D3F6-49C7-AE87-6CED5AC037FB}"/>
+                <a16:creationId xmlns="" xmlns:a16="http://schemas.microsoft.com/office/drawing/2014/main" id="{44ED5114-D3F6-49C7-AE87-6CED5AC037FB}"/>
               </a:ext>
             </a:extLst>
           </p:cNvPr>
@@ -9762,7 +9952,7 @@
             <p:cNvPr id="26" name="TextBox 25">
               <a:extLst>
                 <a:ext uri="{FF2B5EF4-FFF2-40B4-BE49-F238E27FC236}">
-                  <a16:creationId xmlns:a16="http://schemas.microsoft.com/office/drawing/2014/main" id="{9C0CC259-194F-4463-B991-81ABEFCE5989}"/>
+                  <a16:creationId xmlns="" xmlns:a16="http://schemas.microsoft.com/office/drawing/2014/main" id="{9C0CC259-194F-4463-B991-81ABEFCE5989}"/>
                 </a:ext>
               </a:extLst>
             </p:cNvPr>
@@ -9802,7 +9992,7 @@
             <p:cNvPr id="27" name="TextBox 26">
               <a:extLst>
                 <a:ext uri="{FF2B5EF4-FFF2-40B4-BE49-F238E27FC236}">
-                  <a16:creationId xmlns:a16="http://schemas.microsoft.com/office/drawing/2014/main" id="{0D03164A-D5AA-44D6-A57C-8A887EC01A96}"/>
+                  <a16:creationId xmlns="" xmlns:a16="http://schemas.microsoft.com/office/drawing/2014/main" id="{0D03164A-D5AA-44D6-A57C-8A887EC01A96}"/>
                 </a:ext>
               </a:extLst>
             </p:cNvPr>
@@ -9843,7 +10033,7 @@
           <p:cNvPr id="3" name="Content Placeholder 2">
             <a:extLst>
               <a:ext uri="{FF2B5EF4-FFF2-40B4-BE49-F238E27FC236}">
-                <a16:creationId xmlns:a16="http://schemas.microsoft.com/office/drawing/2014/main" id="{7DC6602D-475A-45FF-BE08-EAB7A8647C4A}"/>
+                <a16:creationId xmlns="" xmlns:a16="http://schemas.microsoft.com/office/drawing/2014/main" id="{7DC6602D-475A-45FF-BE08-EAB7A8647C4A}"/>
               </a:ext>
             </a:extLst>
           </p:cNvPr>
@@ -10271,7 +10461,43 @@
                 <a:ea typeface="Calibri" panose="020F0502020204030204" pitchFamily="34" charset="0"/>
                 <a:cs typeface="Shruti" panose="020B0502040204020203" pitchFamily="34" charset="0"/>
               </a:rPr>
-              <a:t>: We are aiming to predict the close price of the given stock DJI, based on the other parameters like Open, High, Low and Volume</a:t>
+              <a:t>: We are aiming to predict the close price of the given stock </a:t>
+            </a:r>
+            <a:r>
+              <a:rPr lang="en-US" sz="1600" i="1" dirty="0" smtClean="0">
+                <a:effectLst/>
+                <a:latin typeface="+mj-lt"/>
+                <a:ea typeface="Calibri" panose="020F0502020204030204" pitchFamily="34" charset="0"/>
+                <a:cs typeface="Shruti" panose="020B0502040204020203" pitchFamily="34" charset="0"/>
+              </a:rPr>
+              <a:t>DJI, </a:t>
+            </a:r>
+            <a:r>
+              <a:rPr lang="en-US" sz="1600" i="1" dirty="0">
+                <a:effectLst/>
+                <a:latin typeface="+mj-lt"/>
+                <a:ea typeface="Calibri" panose="020F0502020204030204" pitchFamily="34" charset="0"/>
+                <a:cs typeface="Shruti" panose="020B0502040204020203" pitchFamily="34" charset="0"/>
+              </a:rPr>
+              <a:t>based on the other parameters like Open, High, Low and </a:t>
+            </a:r>
+            <a:r>
+              <a:rPr lang="en-US" sz="1600" i="1" dirty="0" smtClean="0">
+                <a:effectLst/>
+                <a:latin typeface="+mj-lt"/>
+                <a:ea typeface="Calibri" panose="020F0502020204030204" pitchFamily="34" charset="0"/>
+                <a:cs typeface="Shruti" panose="020B0502040204020203" pitchFamily="34" charset="0"/>
+              </a:rPr>
+              <a:t>Volume ( for next day close </a:t>
+            </a:r>
+            <a:r>
+              <a:rPr lang="en-US" sz="1600" i="1" smtClean="0">
+                <a:effectLst/>
+                <a:latin typeface="+mj-lt"/>
+                <a:ea typeface="Calibri" panose="020F0502020204030204" pitchFamily="34" charset="0"/>
+                <a:cs typeface="Shruti" panose="020B0502040204020203" pitchFamily="34" charset="0"/>
+              </a:rPr>
+              <a:t>price prediction).</a:t>
             </a:r>
             <a:endParaRPr lang="en-IN" sz="2400" dirty="0">
               <a:latin typeface="+mj-lt"/>
@@ -10317,7 +10543,7 @@
           <p:cNvPr id="2" name="Title 1">
             <a:extLst>
               <a:ext uri="{FF2B5EF4-FFF2-40B4-BE49-F238E27FC236}">
-                <a16:creationId xmlns:a16="http://schemas.microsoft.com/office/drawing/2014/main" id="{4010AF38-26DF-48B3-952C-4A9091D6863C}"/>
+                <a16:creationId xmlns="" xmlns:a16="http://schemas.microsoft.com/office/drawing/2014/main" id="{4010AF38-26DF-48B3-952C-4A9091D6863C}"/>
               </a:ext>
             </a:extLst>
           </p:cNvPr>
@@ -10378,6 +10604,15 @@
               </a:rPr>
               <a:t>Dataset</a:t>
             </a:r>
+            <a:r>
+              <a:rPr lang="en-IN" sz="7200" dirty="0">
+                <a:effectLst/>
+                <a:latin typeface="+mj-lt"/>
+                <a:ea typeface="Calibri" panose="020F0502020204030204" pitchFamily="34" charset="0"/>
+                <a:cs typeface="Shruti" panose="020B0502040204020203" pitchFamily="34" charset="0"/>
+              </a:rPr>
+              <a:t/>
+            </a:r>
             <a:br>
               <a:rPr lang="en-IN" sz="7200" dirty="0">
                 <a:effectLst/>
@@ -10399,7 +10634,7 @@
           <p:cNvPr id="118" name="Footer Placeholder 117">
             <a:extLst>
               <a:ext uri="{FF2B5EF4-FFF2-40B4-BE49-F238E27FC236}">
-                <a16:creationId xmlns:a16="http://schemas.microsoft.com/office/drawing/2014/main" id="{8555DE26-283D-4F5B-8E77-F1A08F07672E}"/>
+                <a16:creationId xmlns="" xmlns:a16="http://schemas.microsoft.com/office/drawing/2014/main" id="{8555DE26-283D-4F5B-8E77-F1A08F07672E}"/>
               </a:ext>
             </a:extLst>
           </p:cNvPr>
@@ -10428,7 +10663,7 @@
           <p:cNvPr id="119" name="Rectangle 118">
             <a:extLst>
               <a:ext uri="{FF2B5EF4-FFF2-40B4-BE49-F238E27FC236}">
-                <a16:creationId xmlns:a16="http://schemas.microsoft.com/office/drawing/2014/main" id="{2E2C032A-B57A-4F42-B962-257FA7EB0A8D}"/>
+                <a16:creationId xmlns="" xmlns:a16="http://schemas.microsoft.com/office/drawing/2014/main" id="{2E2C032A-B57A-4F42-B962-257FA7EB0A8D}"/>
               </a:ext>
             </a:extLst>
           </p:cNvPr>
@@ -10483,7 +10718,7 @@
           <p:cNvPr id="11" name="Group 10">
             <a:extLst>
               <a:ext uri="{FF2B5EF4-FFF2-40B4-BE49-F238E27FC236}">
-                <a16:creationId xmlns:a16="http://schemas.microsoft.com/office/drawing/2014/main" id="{604634DD-3320-4540-86E5-5F8DC40C8770}"/>
+                <a16:creationId xmlns="" xmlns:a16="http://schemas.microsoft.com/office/drawing/2014/main" id="{604634DD-3320-4540-86E5-5F8DC40C8770}"/>
               </a:ext>
             </a:extLst>
           </p:cNvPr>
@@ -10503,7 +10738,7 @@
             <p:cNvPr id="12" name="TextBox 11">
               <a:extLst>
                 <a:ext uri="{FF2B5EF4-FFF2-40B4-BE49-F238E27FC236}">
-                  <a16:creationId xmlns:a16="http://schemas.microsoft.com/office/drawing/2014/main" id="{26B3F5C8-E23E-4273-B3F5-F9264971CC52}"/>
+                  <a16:creationId xmlns="" xmlns:a16="http://schemas.microsoft.com/office/drawing/2014/main" id="{26B3F5C8-E23E-4273-B3F5-F9264971CC52}"/>
                 </a:ext>
               </a:extLst>
             </p:cNvPr>
@@ -10543,7 +10778,7 @@
             <p:cNvPr id="13" name="TextBox 12">
               <a:extLst>
                 <a:ext uri="{FF2B5EF4-FFF2-40B4-BE49-F238E27FC236}">
-                  <a16:creationId xmlns:a16="http://schemas.microsoft.com/office/drawing/2014/main" id="{ED8D353A-9B2E-4717-A032-1FB35407DE38}"/>
+                  <a16:creationId xmlns="" xmlns:a16="http://schemas.microsoft.com/office/drawing/2014/main" id="{ED8D353A-9B2E-4717-A032-1FB35407DE38}"/>
                 </a:ext>
               </a:extLst>
             </p:cNvPr>
@@ -10617,7 +10852,7 @@
           <p:cNvPr id="118" name="Footer Placeholder 117">
             <a:extLst>
               <a:ext uri="{FF2B5EF4-FFF2-40B4-BE49-F238E27FC236}">
-                <a16:creationId xmlns:a16="http://schemas.microsoft.com/office/drawing/2014/main" id="{8555DE26-283D-4F5B-8E77-F1A08F07672E}"/>
+                <a16:creationId xmlns="" xmlns:a16="http://schemas.microsoft.com/office/drawing/2014/main" id="{8555DE26-283D-4F5B-8E77-F1A08F07672E}"/>
               </a:ext>
             </a:extLst>
           </p:cNvPr>
@@ -10646,7 +10881,7 @@
           <p:cNvPr id="119" name="Rectangle 118">
             <a:extLst>
               <a:ext uri="{FF2B5EF4-FFF2-40B4-BE49-F238E27FC236}">
-                <a16:creationId xmlns:a16="http://schemas.microsoft.com/office/drawing/2014/main" id="{2E2C032A-B57A-4F42-B962-257FA7EB0A8D}"/>
+                <a16:creationId xmlns="" xmlns:a16="http://schemas.microsoft.com/office/drawing/2014/main" id="{2E2C032A-B57A-4F42-B962-257FA7EB0A8D}"/>
               </a:ext>
             </a:extLst>
           </p:cNvPr>
@@ -10701,7 +10936,7 @@
           <p:cNvPr id="10" name="Rectangle 9">
             <a:extLst>
               <a:ext uri="{FF2B5EF4-FFF2-40B4-BE49-F238E27FC236}">
-                <a16:creationId xmlns:a16="http://schemas.microsoft.com/office/drawing/2014/main" id="{8422AED0-8059-4E23-BB3F-C6291E827C9E}"/>
+                <a16:creationId xmlns="" xmlns:a16="http://schemas.microsoft.com/office/drawing/2014/main" id="{8422AED0-8059-4E23-BB3F-C6291E827C9E}"/>
               </a:ext>
             </a:extLst>
           </p:cNvPr>
@@ -10799,7 +11034,7 @@
           <p:cNvPr id="8" name="TextBox 7">
             <a:extLst>
               <a:ext uri="{FF2B5EF4-FFF2-40B4-BE49-F238E27FC236}">
-                <a16:creationId xmlns:a16="http://schemas.microsoft.com/office/drawing/2014/main" id="{B9CFC7C6-08F0-4E35-BEBE-E203636CB0D9}"/>
+                <a16:creationId xmlns="" xmlns:a16="http://schemas.microsoft.com/office/drawing/2014/main" id="{B9CFC7C6-08F0-4E35-BEBE-E203636CB0D9}"/>
               </a:ext>
             </a:extLst>
           </p:cNvPr>
@@ -10841,7 +11076,7 @@
           <p:cNvPr id="23" name="TextBox 22">
             <a:extLst>
               <a:ext uri="{FF2B5EF4-FFF2-40B4-BE49-F238E27FC236}">
-                <a16:creationId xmlns:a16="http://schemas.microsoft.com/office/drawing/2014/main" id="{BDBE1AE5-94D9-4834-93C5-A0C1C7DE5DD0}"/>
+                <a16:creationId xmlns="" xmlns:a16="http://schemas.microsoft.com/office/drawing/2014/main" id="{BDBE1AE5-94D9-4834-93C5-A0C1C7DE5DD0}"/>
               </a:ext>
             </a:extLst>
           </p:cNvPr>
@@ -10883,7 +11118,7 @@
           <p:cNvPr id="25" name="Group 24">
             <a:extLst>
               <a:ext uri="{FF2B5EF4-FFF2-40B4-BE49-F238E27FC236}">
-                <a16:creationId xmlns:a16="http://schemas.microsoft.com/office/drawing/2014/main" id="{44ED5114-D3F6-49C7-AE87-6CED5AC037FB}"/>
+                <a16:creationId xmlns="" xmlns:a16="http://schemas.microsoft.com/office/drawing/2014/main" id="{44ED5114-D3F6-49C7-AE87-6CED5AC037FB}"/>
               </a:ext>
             </a:extLst>
           </p:cNvPr>
@@ -10903,7 +11138,7 @@
             <p:cNvPr id="26" name="TextBox 25">
               <a:extLst>
                 <a:ext uri="{FF2B5EF4-FFF2-40B4-BE49-F238E27FC236}">
-                  <a16:creationId xmlns:a16="http://schemas.microsoft.com/office/drawing/2014/main" id="{9C0CC259-194F-4463-B991-81ABEFCE5989}"/>
+                  <a16:creationId xmlns="" xmlns:a16="http://schemas.microsoft.com/office/drawing/2014/main" id="{9C0CC259-194F-4463-B991-81ABEFCE5989}"/>
                 </a:ext>
               </a:extLst>
             </p:cNvPr>
@@ -10943,7 +11178,7 @@
             <p:cNvPr id="27" name="TextBox 26">
               <a:extLst>
                 <a:ext uri="{FF2B5EF4-FFF2-40B4-BE49-F238E27FC236}">
-                  <a16:creationId xmlns:a16="http://schemas.microsoft.com/office/drawing/2014/main" id="{0D03164A-D5AA-44D6-A57C-8A887EC01A96}"/>
+                  <a16:creationId xmlns="" xmlns:a16="http://schemas.microsoft.com/office/drawing/2014/main" id="{0D03164A-D5AA-44D6-A57C-8A887EC01A96}"/>
                 </a:ext>
               </a:extLst>
             </p:cNvPr>
@@ -10984,7 +11219,7 @@
           <p:cNvPr id="13" name="Content Placeholder 12">
             <a:extLst>
               <a:ext uri="{FF2B5EF4-FFF2-40B4-BE49-F238E27FC236}">
-                <a16:creationId xmlns:a16="http://schemas.microsoft.com/office/drawing/2014/main" id="{B6B1171F-B4CB-42CE-84D5-54F0BD9A8935}"/>
+                <a16:creationId xmlns="" xmlns:a16="http://schemas.microsoft.com/office/drawing/2014/main" id="{B6B1171F-B4CB-42CE-84D5-54F0BD9A8935}"/>
               </a:ext>
             </a:extLst>
           </p:cNvPr>
@@ -11060,7 +11295,7 @@
           <p:cNvPr id="118" name="Footer Placeholder 117">
             <a:extLst>
               <a:ext uri="{FF2B5EF4-FFF2-40B4-BE49-F238E27FC236}">
-                <a16:creationId xmlns:a16="http://schemas.microsoft.com/office/drawing/2014/main" id="{8555DE26-283D-4F5B-8E77-F1A08F07672E}"/>
+                <a16:creationId xmlns="" xmlns:a16="http://schemas.microsoft.com/office/drawing/2014/main" id="{8555DE26-283D-4F5B-8E77-F1A08F07672E}"/>
               </a:ext>
             </a:extLst>
           </p:cNvPr>
@@ -11089,7 +11324,7 @@
           <p:cNvPr id="119" name="Rectangle 118">
             <a:extLst>
               <a:ext uri="{FF2B5EF4-FFF2-40B4-BE49-F238E27FC236}">
-                <a16:creationId xmlns:a16="http://schemas.microsoft.com/office/drawing/2014/main" id="{2E2C032A-B57A-4F42-B962-257FA7EB0A8D}"/>
+                <a16:creationId xmlns="" xmlns:a16="http://schemas.microsoft.com/office/drawing/2014/main" id="{2E2C032A-B57A-4F42-B962-257FA7EB0A8D}"/>
               </a:ext>
             </a:extLst>
           </p:cNvPr>
@@ -11144,7 +11379,7 @@
           <p:cNvPr id="10" name="Rectangle 9">
             <a:extLst>
               <a:ext uri="{FF2B5EF4-FFF2-40B4-BE49-F238E27FC236}">
-                <a16:creationId xmlns:a16="http://schemas.microsoft.com/office/drawing/2014/main" id="{8422AED0-8059-4E23-BB3F-C6291E827C9E}"/>
+                <a16:creationId xmlns="" xmlns:a16="http://schemas.microsoft.com/office/drawing/2014/main" id="{8422AED0-8059-4E23-BB3F-C6291E827C9E}"/>
               </a:ext>
             </a:extLst>
           </p:cNvPr>
@@ -11250,7 +11485,7 @@
           <p:cNvPr id="8" name="TextBox 7">
             <a:extLst>
               <a:ext uri="{FF2B5EF4-FFF2-40B4-BE49-F238E27FC236}">
-                <a16:creationId xmlns:a16="http://schemas.microsoft.com/office/drawing/2014/main" id="{B9CFC7C6-08F0-4E35-BEBE-E203636CB0D9}"/>
+                <a16:creationId xmlns="" xmlns:a16="http://schemas.microsoft.com/office/drawing/2014/main" id="{B9CFC7C6-08F0-4E35-BEBE-E203636CB0D9}"/>
               </a:ext>
             </a:extLst>
           </p:cNvPr>
@@ -11292,7 +11527,7 @@
           <p:cNvPr id="23" name="TextBox 22">
             <a:extLst>
               <a:ext uri="{FF2B5EF4-FFF2-40B4-BE49-F238E27FC236}">
-                <a16:creationId xmlns:a16="http://schemas.microsoft.com/office/drawing/2014/main" id="{BDBE1AE5-94D9-4834-93C5-A0C1C7DE5DD0}"/>
+                <a16:creationId xmlns="" xmlns:a16="http://schemas.microsoft.com/office/drawing/2014/main" id="{BDBE1AE5-94D9-4834-93C5-A0C1C7DE5DD0}"/>
               </a:ext>
             </a:extLst>
           </p:cNvPr>
@@ -11334,7 +11569,7 @@
           <p:cNvPr id="25" name="Group 24">
             <a:extLst>
               <a:ext uri="{FF2B5EF4-FFF2-40B4-BE49-F238E27FC236}">
-                <a16:creationId xmlns:a16="http://schemas.microsoft.com/office/drawing/2014/main" id="{44ED5114-D3F6-49C7-AE87-6CED5AC037FB}"/>
+                <a16:creationId xmlns="" xmlns:a16="http://schemas.microsoft.com/office/drawing/2014/main" id="{44ED5114-D3F6-49C7-AE87-6CED5AC037FB}"/>
               </a:ext>
             </a:extLst>
           </p:cNvPr>
@@ -11354,7 +11589,7 @@
             <p:cNvPr id="26" name="TextBox 25">
               <a:extLst>
                 <a:ext uri="{FF2B5EF4-FFF2-40B4-BE49-F238E27FC236}">
-                  <a16:creationId xmlns:a16="http://schemas.microsoft.com/office/drawing/2014/main" id="{9C0CC259-194F-4463-B991-81ABEFCE5989}"/>
+                  <a16:creationId xmlns="" xmlns:a16="http://schemas.microsoft.com/office/drawing/2014/main" id="{9C0CC259-194F-4463-B991-81ABEFCE5989}"/>
                 </a:ext>
               </a:extLst>
             </p:cNvPr>
@@ -11394,7 +11629,7 @@
             <p:cNvPr id="27" name="TextBox 26">
               <a:extLst>
                 <a:ext uri="{FF2B5EF4-FFF2-40B4-BE49-F238E27FC236}">
-                  <a16:creationId xmlns:a16="http://schemas.microsoft.com/office/drawing/2014/main" id="{0D03164A-D5AA-44D6-A57C-8A887EC01A96}"/>
+                  <a16:creationId xmlns="" xmlns:a16="http://schemas.microsoft.com/office/drawing/2014/main" id="{0D03164A-D5AA-44D6-A57C-8A887EC01A96}"/>
                 </a:ext>
               </a:extLst>
             </p:cNvPr>
@@ -11435,7 +11670,7 @@
           <p:cNvPr id="3" name="Content Placeholder 2">
             <a:extLst>
               <a:ext uri="{FF2B5EF4-FFF2-40B4-BE49-F238E27FC236}">
-                <a16:creationId xmlns:a16="http://schemas.microsoft.com/office/drawing/2014/main" id="{7DC6602D-475A-45FF-BE08-EAB7A8647C4A}"/>
+                <a16:creationId xmlns="" xmlns:a16="http://schemas.microsoft.com/office/drawing/2014/main" id="{7DC6602D-475A-45FF-BE08-EAB7A8647C4A}"/>
               </a:ext>
             </a:extLst>
           </p:cNvPr>
@@ -11794,7 +12029,7 @@
           <p:cNvPr id="2" name="Title 1">
             <a:extLst>
               <a:ext uri="{FF2B5EF4-FFF2-40B4-BE49-F238E27FC236}">
-                <a16:creationId xmlns:a16="http://schemas.microsoft.com/office/drawing/2014/main" id="{4010AF38-26DF-48B3-952C-4A9091D6863C}"/>
+                <a16:creationId xmlns="" xmlns:a16="http://schemas.microsoft.com/office/drawing/2014/main" id="{4010AF38-26DF-48B3-952C-4A9091D6863C}"/>
               </a:ext>
             </a:extLst>
           </p:cNvPr>
@@ -11830,7 +12065,7 @@
               <a:t> </a:t>
             </a:r>
             <a:r>
-              <a:rPr lang="en-US" sz="7200" dirty="0">
+              <a:rPr lang="en-US" sz="7200" dirty="0" smtClean="0">
                 <a:ea typeface="Calibri" panose="020F0502020204030204" pitchFamily="34" charset="0"/>
                 <a:cs typeface="Shruti" panose="020B0502040204020203" pitchFamily="34" charset="0"/>
               </a:rPr>
@@ -11846,6 +12081,15 @@
               </a:rPr>
               <a:t>Used</a:t>
             </a:r>
+            <a:r>
+              <a:rPr lang="en-IN" sz="7200" dirty="0">
+                <a:effectLst/>
+                <a:latin typeface="+mj-lt"/>
+                <a:ea typeface="Calibri" panose="020F0502020204030204" pitchFamily="34" charset="0"/>
+                <a:cs typeface="Shruti" panose="020B0502040204020203" pitchFamily="34" charset="0"/>
+              </a:rPr>
+              <a:t/>
+            </a:r>
             <a:br>
               <a:rPr lang="en-IN" sz="7200" dirty="0">
                 <a:effectLst/>
@@ -11867,7 +12111,7 @@
           <p:cNvPr id="118" name="Footer Placeholder 117">
             <a:extLst>
               <a:ext uri="{FF2B5EF4-FFF2-40B4-BE49-F238E27FC236}">
-                <a16:creationId xmlns:a16="http://schemas.microsoft.com/office/drawing/2014/main" id="{8555DE26-283D-4F5B-8E77-F1A08F07672E}"/>
+                <a16:creationId xmlns="" xmlns:a16="http://schemas.microsoft.com/office/drawing/2014/main" id="{8555DE26-283D-4F5B-8E77-F1A08F07672E}"/>
               </a:ext>
             </a:extLst>
           </p:cNvPr>
@@ -11896,7 +12140,7 @@
           <p:cNvPr id="119" name="Rectangle 118">
             <a:extLst>
               <a:ext uri="{FF2B5EF4-FFF2-40B4-BE49-F238E27FC236}">
-                <a16:creationId xmlns:a16="http://schemas.microsoft.com/office/drawing/2014/main" id="{2E2C032A-B57A-4F42-B962-257FA7EB0A8D}"/>
+                <a16:creationId xmlns="" xmlns:a16="http://schemas.microsoft.com/office/drawing/2014/main" id="{2E2C032A-B57A-4F42-B962-257FA7EB0A8D}"/>
               </a:ext>
             </a:extLst>
           </p:cNvPr>
@@ -11951,7 +12195,7 @@
           <p:cNvPr id="11" name="Group 10">
             <a:extLst>
               <a:ext uri="{FF2B5EF4-FFF2-40B4-BE49-F238E27FC236}">
-                <a16:creationId xmlns:a16="http://schemas.microsoft.com/office/drawing/2014/main" id="{604634DD-3320-4540-86E5-5F8DC40C8770}"/>
+                <a16:creationId xmlns="" xmlns:a16="http://schemas.microsoft.com/office/drawing/2014/main" id="{604634DD-3320-4540-86E5-5F8DC40C8770}"/>
               </a:ext>
             </a:extLst>
           </p:cNvPr>
@@ -11971,7 +12215,7 @@
             <p:cNvPr id="12" name="TextBox 11">
               <a:extLst>
                 <a:ext uri="{FF2B5EF4-FFF2-40B4-BE49-F238E27FC236}">
-                  <a16:creationId xmlns:a16="http://schemas.microsoft.com/office/drawing/2014/main" id="{26B3F5C8-E23E-4273-B3F5-F9264971CC52}"/>
+                  <a16:creationId xmlns="" xmlns:a16="http://schemas.microsoft.com/office/drawing/2014/main" id="{26B3F5C8-E23E-4273-B3F5-F9264971CC52}"/>
                 </a:ext>
               </a:extLst>
             </p:cNvPr>
@@ -12011,7 +12255,7 @@
             <p:cNvPr id="13" name="TextBox 12">
               <a:extLst>
                 <a:ext uri="{FF2B5EF4-FFF2-40B4-BE49-F238E27FC236}">
-                  <a16:creationId xmlns:a16="http://schemas.microsoft.com/office/drawing/2014/main" id="{ED8D353A-9B2E-4717-A032-1FB35407DE38}"/>
+                  <a16:creationId xmlns="" xmlns:a16="http://schemas.microsoft.com/office/drawing/2014/main" id="{ED8D353A-9B2E-4717-A032-1FB35407DE38}"/>
                 </a:ext>
               </a:extLst>
             </p:cNvPr>
@@ -12085,7 +12329,7 @@
           <p:cNvPr id="2" name="Title 1">
             <a:extLst>
               <a:ext uri="{FF2B5EF4-FFF2-40B4-BE49-F238E27FC236}">
-                <a16:creationId xmlns:a16="http://schemas.microsoft.com/office/drawing/2014/main" id="{4010AF38-26DF-48B3-952C-4A9091D6863C}"/>
+                <a16:creationId xmlns="" xmlns:a16="http://schemas.microsoft.com/office/drawing/2014/main" id="{4010AF38-26DF-48B3-952C-4A9091D6863C}"/>
               </a:ext>
             </a:extLst>
           </p:cNvPr>
@@ -12147,6 +12391,15 @@
               </a:rPr>
               <a:t> Analysis</a:t>
             </a:r>
+            <a:r>
+              <a:rPr lang="en-IN" sz="7200" dirty="0">
+                <a:effectLst/>
+                <a:latin typeface="+mj-lt"/>
+                <a:ea typeface="Calibri" panose="020F0502020204030204" pitchFamily="34" charset="0"/>
+                <a:cs typeface="Shruti" panose="020B0502040204020203" pitchFamily="34" charset="0"/>
+              </a:rPr>
+              <a:t/>
+            </a:r>
             <a:br>
               <a:rPr lang="en-IN" sz="7200" dirty="0">
                 <a:effectLst/>
@@ -12168,7 +12421,7 @@
           <p:cNvPr id="118" name="Footer Placeholder 117">
             <a:extLst>
               <a:ext uri="{FF2B5EF4-FFF2-40B4-BE49-F238E27FC236}">
-                <a16:creationId xmlns:a16="http://schemas.microsoft.com/office/drawing/2014/main" id="{8555DE26-283D-4F5B-8E77-F1A08F07672E}"/>
+                <a16:creationId xmlns="" xmlns:a16="http://schemas.microsoft.com/office/drawing/2014/main" id="{8555DE26-283D-4F5B-8E77-F1A08F07672E}"/>
               </a:ext>
             </a:extLst>
           </p:cNvPr>
@@ -12197,7 +12450,7 @@
           <p:cNvPr id="119" name="Rectangle 118">
             <a:extLst>
               <a:ext uri="{FF2B5EF4-FFF2-40B4-BE49-F238E27FC236}">
-                <a16:creationId xmlns:a16="http://schemas.microsoft.com/office/drawing/2014/main" id="{2E2C032A-B57A-4F42-B962-257FA7EB0A8D}"/>
+                <a16:creationId xmlns="" xmlns:a16="http://schemas.microsoft.com/office/drawing/2014/main" id="{2E2C032A-B57A-4F42-B962-257FA7EB0A8D}"/>
               </a:ext>
             </a:extLst>
           </p:cNvPr>
@@ -12252,7 +12505,7 @@
           <p:cNvPr id="11" name="Group 10">
             <a:extLst>
               <a:ext uri="{FF2B5EF4-FFF2-40B4-BE49-F238E27FC236}">
-                <a16:creationId xmlns:a16="http://schemas.microsoft.com/office/drawing/2014/main" id="{604634DD-3320-4540-86E5-5F8DC40C8770}"/>
+                <a16:creationId xmlns="" xmlns:a16="http://schemas.microsoft.com/office/drawing/2014/main" id="{604634DD-3320-4540-86E5-5F8DC40C8770}"/>
               </a:ext>
             </a:extLst>
           </p:cNvPr>
@@ -12272,7 +12525,7 @@
             <p:cNvPr id="12" name="TextBox 11">
               <a:extLst>
                 <a:ext uri="{FF2B5EF4-FFF2-40B4-BE49-F238E27FC236}">
-                  <a16:creationId xmlns:a16="http://schemas.microsoft.com/office/drawing/2014/main" id="{26B3F5C8-E23E-4273-B3F5-F9264971CC52}"/>
+                  <a16:creationId xmlns="" xmlns:a16="http://schemas.microsoft.com/office/drawing/2014/main" id="{26B3F5C8-E23E-4273-B3F5-F9264971CC52}"/>
                 </a:ext>
               </a:extLst>
             </p:cNvPr>
@@ -12312,7 +12565,7 @@
             <p:cNvPr id="13" name="TextBox 12">
               <a:extLst>
                 <a:ext uri="{FF2B5EF4-FFF2-40B4-BE49-F238E27FC236}">
-                  <a16:creationId xmlns:a16="http://schemas.microsoft.com/office/drawing/2014/main" id="{ED8D353A-9B2E-4717-A032-1FB35407DE38}"/>
+                  <a16:creationId xmlns="" xmlns:a16="http://schemas.microsoft.com/office/drawing/2014/main" id="{ED8D353A-9B2E-4717-A032-1FB35407DE38}"/>
                 </a:ext>
               </a:extLst>
             </p:cNvPr>
@@ -12386,7 +12639,7 @@
           <p:cNvPr id="118" name="Footer Placeholder 117">
             <a:extLst>
               <a:ext uri="{FF2B5EF4-FFF2-40B4-BE49-F238E27FC236}">
-                <a16:creationId xmlns:a16="http://schemas.microsoft.com/office/drawing/2014/main" id="{8555DE26-283D-4F5B-8E77-F1A08F07672E}"/>
+                <a16:creationId xmlns="" xmlns:a16="http://schemas.microsoft.com/office/drawing/2014/main" id="{8555DE26-283D-4F5B-8E77-F1A08F07672E}"/>
               </a:ext>
             </a:extLst>
           </p:cNvPr>
@@ -12415,7 +12668,7 @@
           <p:cNvPr id="119" name="Rectangle 118">
             <a:extLst>
               <a:ext uri="{FF2B5EF4-FFF2-40B4-BE49-F238E27FC236}">
-                <a16:creationId xmlns:a16="http://schemas.microsoft.com/office/drawing/2014/main" id="{2E2C032A-B57A-4F42-B962-257FA7EB0A8D}"/>
+                <a16:creationId xmlns="" xmlns:a16="http://schemas.microsoft.com/office/drawing/2014/main" id="{2E2C032A-B57A-4F42-B962-257FA7EB0A8D}"/>
               </a:ext>
             </a:extLst>
           </p:cNvPr>
@@ -12470,7 +12723,7 @@
           <p:cNvPr id="10" name="Rectangle 9">
             <a:extLst>
               <a:ext uri="{FF2B5EF4-FFF2-40B4-BE49-F238E27FC236}">
-                <a16:creationId xmlns:a16="http://schemas.microsoft.com/office/drawing/2014/main" id="{8422AED0-8059-4E23-BB3F-C6291E827C9E}"/>
+                <a16:creationId xmlns="" xmlns:a16="http://schemas.microsoft.com/office/drawing/2014/main" id="{8422AED0-8059-4E23-BB3F-C6291E827C9E}"/>
               </a:ext>
             </a:extLst>
           </p:cNvPr>
@@ -12563,7 +12816,7 @@
           <p:cNvPr id="8" name="TextBox 7">
             <a:extLst>
               <a:ext uri="{FF2B5EF4-FFF2-40B4-BE49-F238E27FC236}">
-                <a16:creationId xmlns:a16="http://schemas.microsoft.com/office/drawing/2014/main" id="{B9CFC7C6-08F0-4E35-BEBE-E203636CB0D9}"/>
+                <a16:creationId xmlns="" xmlns:a16="http://schemas.microsoft.com/office/drawing/2014/main" id="{B9CFC7C6-08F0-4E35-BEBE-E203636CB0D9}"/>
               </a:ext>
             </a:extLst>
           </p:cNvPr>
@@ -12605,7 +12858,7 @@
           <p:cNvPr id="23" name="TextBox 22">
             <a:extLst>
               <a:ext uri="{FF2B5EF4-FFF2-40B4-BE49-F238E27FC236}">
-                <a16:creationId xmlns:a16="http://schemas.microsoft.com/office/drawing/2014/main" id="{BDBE1AE5-94D9-4834-93C5-A0C1C7DE5DD0}"/>
+                <a16:creationId xmlns="" xmlns:a16="http://schemas.microsoft.com/office/drawing/2014/main" id="{BDBE1AE5-94D9-4834-93C5-A0C1C7DE5DD0}"/>
               </a:ext>
             </a:extLst>
           </p:cNvPr>
@@ -12647,7 +12900,7 @@
           <p:cNvPr id="25" name="Group 24">
             <a:extLst>
               <a:ext uri="{FF2B5EF4-FFF2-40B4-BE49-F238E27FC236}">
-                <a16:creationId xmlns:a16="http://schemas.microsoft.com/office/drawing/2014/main" id="{44ED5114-D3F6-49C7-AE87-6CED5AC037FB}"/>
+                <a16:creationId xmlns="" xmlns:a16="http://schemas.microsoft.com/office/drawing/2014/main" id="{44ED5114-D3F6-49C7-AE87-6CED5AC037FB}"/>
               </a:ext>
             </a:extLst>
           </p:cNvPr>
@@ -12667,7 +12920,7 @@
             <p:cNvPr id="26" name="TextBox 25">
               <a:extLst>
                 <a:ext uri="{FF2B5EF4-FFF2-40B4-BE49-F238E27FC236}">
-                  <a16:creationId xmlns:a16="http://schemas.microsoft.com/office/drawing/2014/main" id="{9C0CC259-194F-4463-B991-81ABEFCE5989}"/>
+                  <a16:creationId xmlns="" xmlns:a16="http://schemas.microsoft.com/office/drawing/2014/main" id="{9C0CC259-194F-4463-B991-81ABEFCE5989}"/>
                 </a:ext>
               </a:extLst>
             </p:cNvPr>
@@ -12707,7 +12960,7 @@
             <p:cNvPr id="27" name="TextBox 26">
               <a:extLst>
                 <a:ext uri="{FF2B5EF4-FFF2-40B4-BE49-F238E27FC236}">
-                  <a16:creationId xmlns:a16="http://schemas.microsoft.com/office/drawing/2014/main" id="{0D03164A-D5AA-44D6-A57C-8A887EC01A96}"/>
+                  <a16:creationId xmlns="" xmlns:a16="http://schemas.microsoft.com/office/drawing/2014/main" id="{0D03164A-D5AA-44D6-A57C-8A887EC01A96}"/>
                 </a:ext>
               </a:extLst>
             </p:cNvPr>
@@ -12748,7 +13001,7 @@
           <p:cNvPr id="3" name="Content Placeholder 2">
             <a:extLst>
               <a:ext uri="{FF2B5EF4-FFF2-40B4-BE49-F238E27FC236}">
-                <a16:creationId xmlns:a16="http://schemas.microsoft.com/office/drawing/2014/main" id="{7DC6602D-475A-45FF-BE08-EAB7A8647C4A}"/>
+                <a16:creationId xmlns="" xmlns:a16="http://schemas.microsoft.com/office/drawing/2014/main" id="{7DC6602D-475A-45FF-BE08-EAB7A8647C4A}"/>
               </a:ext>
             </a:extLst>
           </p:cNvPr>
@@ -12964,7 +13217,7 @@
           <p:cNvPr id="7" name="Content Placeholder 6">
             <a:extLst>
               <a:ext uri="{FF2B5EF4-FFF2-40B4-BE49-F238E27FC236}">
-                <a16:creationId xmlns:a16="http://schemas.microsoft.com/office/drawing/2014/main" id="{C1ADFD92-98D9-46E3-8F86-4E61891FBC65}"/>
+                <a16:creationId xmlns="" xmlns:a16="http://schemas.microsoft.com/office/drawing/2014/main" id="{C1ADFD92-98D9-46E3-8F86-4E61891FBC65}"/>
               </a:ext>
             </a:extLst>
           </p:cNvPr>
@@ -13134,7 +13387,7 @@
           <p:cNvPr id="118" name="Footer Placeholder 117">
             <a:extLst>
               <a:ext uri="{FF2B5EF4-FFF2-40B4-BE49-F238E27FC236}">
-                <a16:creationId xmlns:a16="http://schemas.microsoft.com/office/drawing/2014/main" id="{8555DE26-283D-4F5B-8E77-F1A08F07672E}"/>
+                <a16:creationId xmlns="" xmlns:a16="http://schemas.microsoft.com/office/drawing/2014/main" id="{8555DE26-283D-4F5B-8E77-F1A08F07672E}"/>
               </a:ext>
             </a:extLst>
           </p:cNvPr>
@@ -13163,7 +13416,7 @@
           <p:cNvPr id="119" name="Rectangle 118">
             <a:extLst>
               <a:ext uri="{FF2B5EF4-FFF2-40B4-BE49-F238E27FC236}">
-                <a16:creationId xmlns:a16="http://schemas.microsoft.com/office/drawing/2014/main" id="{2E2C032A-B57A-4F42-B962-257FA7EB0A8D}"/>
+                <a16:creationId xmlns="" xmlns:a16="http://schemas.microsoft.com/office/drawing/2014/main" id="{2E2C032A-B57A-4F42-B962-257FA7EB0A8D}"/>
               </a:ext>
             </a:extLst>
           </p:cNvPr>
@@ -13218,7 +13471,7 @@
           <p:cNvPr id="10" name="Rectangle 9">
             <a:extLst>
               <a:ext uri="{FF2B5EF4-FFF2-40B4-BE49-F238E27FC236}">
-                <a16:creationId xmlns:a16="http://schemas.microsoft.com/office/drawing/2014/main" id="{8422AED0-8059-4E23-BB3F-C6291E827C9E}"/>
+                <a16:creationId xmlns="" xmlns:a16="http://schemas.microsoft.com/office/drawing/2014/main" id="{8422AED0-8059-4E23-BB3F-C6291E827C9E}"/>
               </a:ext>
             </a:extLst>
           </p:cNvPr>
@@ -13311,7 +13564,7 @@
           <p:cNvPr id="8" name="TextBox 7">
             <a:extLst>
               <a:ext uri="{FF2B5EF4-FFF2-40B4-BE49-F238E27FC236}">
-                <a16:creationId xmlns:a16="http://schemas.microsoft.com/office/drawing/2014/main" id="{B9CFC7C6-08F0-4E35-BEBE-E203636CB0D9}"/>
+                <a16:creationId xmlns="" xmlns:a16="http://schemas.microsoft.com/office/drawing/2014/main" id="{B9CFC7C6-08F0-4E35-BEBE-E203636CB0D9}"/>
               </a:ext>
             </a:extLst>
           </p:cNvPr>
@@ -13353,7 +13606,7 @@
           <p:cNvPr id="23" name="TextBox 22">
             <a:extLst>
               <a:ext uri="{FF2B5EF4-FFF2-40B4-BE49-F238E27FC236}">
-                <a16:creationId xmlns:a16="http://schemas.microsoft.com/office/drawing/2014/main" id="{BDBE1AE5-94D9-4834-93C5-A0C1C7DE5DD0}"/>
+                <a16:creationId xmlns="" xmlns:a16="http://schemas.microsoft.com/office/drawing/2014/main" id="{BDBE1AE5-94D9-4834-93C5-A0C1C7DE5DD0}"/>
               </a:ext>
             </a:extLst>
           </p:cNvPr>
@@ -13395,7 +13648,7 @@
           <p:cNvPr id="25" name="Group 24">
             <a:extLst>
               <a:ext uri="{FF2B5EF4-FFF2-40B4-BE49-F238E27FC236}">
-                <a16:creationId xmlns:a16="http://schemas.microsoft.com/office/drawing/2014/main" id="{44ED5114-D3F6-49C7-AE87-6CED5AC037FB}"/>
+                <a16:creationId xmlns="" xmlns:a16="http://schemas.microsoft.com/office/drawing/2014/main" id="{44ED5114-D3F6-49C7-AE87-6CED5AC037FB}"/>
               </a:ext>
             </a:extLst>
           </p:cNvPr>
@@ -13415,7 +13668,7 @@
             <p:cNvPr id="26" name="TextBox 25">
               <a:extLst>
                 <a:ext uri="{FF2B5EF4-FFF2-40B4-BE49-F238E27FC236}">
-                  <a16:creationId xmlns:a16="http://schemas.microsoft.com/office/drawing/2014/main" id="{9C0CC259-194F-4463-B991-81ABEFCE5989}"/>
+                  <a16:creationId xmlns="" xmlns:a16="http://schemas.microsoft.com/office/drawing/2014/main" id="{9C0CC259-194F-4463-B991-81ABEFCE5989}"/>
                 </a:ext>
               </a:extLst>
             </p:cNvPr>
@@ -13455,7 +13708,7 @@
             <p:cNvPr id="27" name="TextBox 26">
               <a:extLst>
                 <a:ext uri="{FF2B5EF4-FFF2-40B4-BE49-F238E27FC236}">
-                  <a16:creationId xmlns:a16="http://schemas.microsoft.com/office/drawing/2014/main" id="{0D03164A-D5AA-44D6-A57C-8A887EC01A96}"/>
+                  <a16:creationId xmlns="" xmlns:a16="http://schemas.microsoft.com/office/drawing/2014/main" id="{0D03164A-D5AA-44D6-A57C-8A887EC01A96}"/>
                 </a:ext>
               </a:extLst>
             </p:cNvPr>
@@ -13496,7 +13749,7 @@
           <p:cNvPr id="16" name="Content Placeholder 15">
             <a:extLst>
               <a:ext uri="{FF2B5EF4-FFF2-40B4-BE49-F238E27FC236}">
-                <a16:creationId xmlns:a16="http://schemas.microsoft.com/office/drawing/2014/main" id="{CA8A7024-8633-447B-B75B-13746CC746A9}"/>
+                <a16:creationId xmlns="" xmlns:a16="http://schemas.microsoft.com/office/drawing/2014/main" id="{CA8A7024-8633-447B-B75B-13746CC746A9}"/>
               </a:ext>
             </a:extLst>
           </p:cNvPr>
@@ -13567,7 +13820,7 @@
           <p:cNvPr id="118" name="Footer Placeholder 117">
             <a:extLst>
               <a:ext uri="{FF2B5EF4-FFF2-40B4-BE49-F238E27FC236}">
-                <a16:creationId xmlns:a16="http://schemas.microsoft.com/office/drawing/2014/main" id="{8555DE26-283D-4F5B-8E77-F1A08F07672E}"/>
+                <a16:creationId xmlns="" xmlns:a16="http://schemas.microsoft.com/office/drawing/2014/main" id="{8555DE26-283D-4F5B-8E77-F1A08F07672E}"/>
               </a:ext>
             </a:extLst>
           </p:cNvPr>
@@ -13596,7 +13849,7 @@
           <p:cNvPr id="119" name="Rectangle 118">
             <a:extLst>
               <a:ext uri="{FF2B5EF4-FFF2-40B4-BE49-F238E27FC236}">
-                <a16:creationId xmlns:a16="http://schemas.microsoft.com/office/drawing/2014/main" id="{2E2C032A-B57A-4F42-B962-257FA7EB0A8D}"/>
+                <a16:creationId xmlns="" xmlns:a16="http://schemas.microsoft.com/office/drawing/2014/main" id="{2E2C032A-B57A-4F42-B962-257FA7EB0A8D}"/>
               </a:ext>
             </a:extLst>
           </p:cNvPr>
@@ -13651,7 +13904,7 @@
           <p:cNvPr id="10" name="Rectangle 9">
             <a:extLst>
               <a:ext uri="{FF2B5EF4-FFF2-40B4-BE49-F238E27FC236}">
-                <a16:creationId xmlns:a16="http://schemas.microsoft.com/office/drawing/2014/main" id="{8422AED0-8059-4E23-BB3F-C6291E827C9E}"/>
+                <a16:creationId xmlns="" xmlns:a16="http://schemas.microsoft.com/office/drawing/2014/main" id="{8422AED0-8059-4E23-BB3F-C6291E827C9E}"/>
               </a:ext>
             </a:extLst>
           </p:cNvPr>
@@ -13711,7 +13964,7 @@
           <p:cNvPr id="16" name="Title 4">
             <a:extLst>
               <a:ext uri="{FF2B5EF4-FFF2-40B4-BE49-F238E27FC236}">
-                <a16:creationId xmlns:a16="http://schemas.microsoft.com/office/drawing/2014/main" id="{5C6ED613-C127-4390-98E6-143B411C0C1E}"/>
+                <a16:creationId xmlns="" xmlns:a16="http://schemas.microsoft.com/office/drawing/2014/main" id="{5C6ED613-C127-4390-98E6-143B411C0C1E}"/>
               </a:ext>
             </a:extLst>
           </p:cNvPr>
@@ -13776,7 +14029,7 @@
           <p:cNvPr id="8" name="TextBox 7">
             <a:extLst>
               <a:ext uri="{FF2B5EF4-FFF2-40B4-BE49-F238E27FC236}">
-                <a16:creationId xmlns:a16="http://schemas.microsoft.com/office/drawing/2014/main" id="{B9CFC7C6-08F0-4E35-BEBE-E203636CB0D9}"/>
+                <a16:creationId xmlns="" xmlns:a16="http://schemas.microsoft.com/office/drawing/2014/main" id="{B9CFC7C6-08F0-4E35-BEBE-E203636CB0D9}"/>
               </a:ext>
             </a:extLst>
           </p:cNvPr>
@@ -13818,7 +14071,7 @@
           <p:cNvPr id="23" name="TextBox 22">
             <a:extLst>
               <a:ext uri="{FF2B5EF4-FFF2-40B4-BE49-F238E27FC236}">
-                <a16:creationId xmlns:a16="http://schemas.microsoft.com/office/drawing/2014/main" id="{BDBE1AE5-94D9-4834-93C5-A0C1C7DE5DD0}"/>
+                <a16:creationId xmlns="" xmlns:a16="http://schemas.microsoft.com/office/drawing/2014/main" id="{BDBE1AE5-94D9-4834-93C5-A0C1C7DE5DD0}"/>
               </a:ext>
             </a:extLst>
           </p:cNvPr>
@@ -13860,7 +14113,7 @@
           <p:cNvPr id="24" name="Rectangle 3">
             <a:extLst>
               <a:ext uri="{FF2B5EF4-FFF2-40B4-BE49-F238E27FC236}">
-                <a16:creationId xmlns:a16="http://schemas.microsoft.com/office/drawing/2014/main" id="{D506CD38-1A41-4CFF-8D69-294BD23C3C14}"/>
+                <a16:creationId xmlns="" xmlns:a16="http://schemas.microsoft.com/office/drawing/2014/main" id="{D506CD38-1A41-4CFF-8D69-294BD23C3C14}"/>
               </a:ext>
             </a:extLst>
           </p:cNvPr>
@@ -13909,7 +14162,15 @@
             </a:pPr>
             <a:r>
               <a:rPr lang="en-US" sz="2800" dirty="0"/>
-              <a:t>If the company’s profits go up then we own some of the profits and if they go down, then we lose profits with them. </a:t>
+              <a:t>If the company’s profits go </a:t>
+            </a:r>
+            <a:r>
+              <a:rPr lang="en-US" sz="2800" dirty="0" smtClean="0"/>
+              <a:t>up then </a:t>
+            </a:r>
+            <a:r>
+              <a:rPr lang="en-US" sz="2800" dirty="0"/>
+              <a:t>we own some of the profits and if they go down, then we lose profits with them. </a:t>
             </a:r>
           </a:p>
           <a:p>
@@ -13933,7 +14194,7 @@
           <p:cNvPr id="25" name="Group 24">
             <a:extLst>
               <a:ext uri="{FF2B5EF4-FFF2-40B4-BE49-F238E27FC236}">
-                <a16:creationId xmlns:a16="http://schemas.microsoft.com/office/drawing/2014/main" id="{44ED5114-D3F6-49C7-AE87-6CED5AC037FB}"/>
+                <a16:creationId xmlns="" xmlns:a16="http://schemas.microsoft.com/office/drawing/2014/main" id="{44ED5114-D3F6-49C7-AE87-6CED5AC037FB}"/>
               </a:ext>
             </a:extLst>
           </p:cNvPr>
@@ -13953,7 +14214,7 @@
             <p:cNvPr id="26" name="TextBox 25">
               <a:extLst>
                 <a:ext uri="{FF2B5EF4-FFF2-40B4-BE49-F238E27FC236}">
-                  <a16:creationId xmlns:a16="http://schemas.microsoft.com/office/drawing/2014/main" id="{9C0CC259-194F-4463-B991-81ABEFCE5989}"/>
+                  <a16:creationId xmlns="" xmlns:a16="http://schemas.microsoft.com/office/drawing/2014/main" id="{9C0CC259-194F-4463-B991-81ABEFCE5989}"/>
                 </a:ext>
               </a:extLst>
             </p:cNvPr>
@@ -13993,7 +14254,7 @@
             <p:cNvPr id="27" name="TextBox 26">
               <a:extLst>
                 <a:ext uri="{FF2B5EF4-FFF2-40B4-BE49-F238E27FC236}">
-                  <a16:creationId xmlns:a16="http://schemas.microsoft.com/office/drawing/2014/main" id="{0D03164A-D5AA-44D6-A57C-8A887EC01A96}"/>
+                  <a16:creationId xmlns="" xmlns:a16="http://schemas.microsoft.com/office/drawing/2014/main" id="{0D03164A-D5AA-44D6-A57C-8A887EC01A96}"/>
                 </a:ext>
               </a:extLst>
             </p:cNvPr>
@@ -14560,7 +14821,7 @@
           <p:cNvPr id="2" name="Title 1">
             <a:extLst>
               <a:ext uri="{FF2B5EF4-FFF2-40B4-BE49-F238E27FC236}">
-                <a16:creationId xmlns:a16="http://schemas.microsoft.com/office/drawing/2014/main" id="{4010AF38-26DF-48B3-952C-4A9091D6863C}"/>
+                <a16:creationId xmlns="" xmlns:a16="http://schemas.microsoft.com/office/drawing/2014/main" id="{4010AF38-26DF-48B3-952C-4A9091D6863C}"/>
               </a:ext>
             </a:extLst>
           </p:cNvPr>
@@ -14622,6 +14883,15 @@
               </a:rPr>
               <a:t> Analysis</a:t>
             </a:r>
+            <a:r>
+              <a:rPr lang="en-IN" sz="7200" dirty="0">
+                <a:effectLst/>
+                <a:latin typeface="+mj-lt"/>
+                <a:ea typeface="Calibri" panose="020F0502020204030204" pitchFamily="34" charset="0"/>
+                <a:cs typeface="Shruti" panose="020B0502040204020203" pitchFamily="34" charset="0"/>
+              </a:rPr>
+              <a:t/>
+            </a:r>
             <a:br>
               <a:rPr lang="en-IN" sz="7200" dirty="0">
                 <a:effectLst/>
@@ -14643,7 +14913,7 @@
           <p:cNvPr id="118" name="Footer Placeholder 117">
             <a:extLst>
               <a:ext uri="{FF2B5EF4-FFF2-40B4-BE49-F238E27FC236}">
-                <a16:creationId xmlns:a16="http://schemas.microsoft.com/office/drawing/2014/main" id="{8555DE26-283D-4F5B-8E77-F1A08F07672E}"/>
+                <a16:creationId xmlns="" xmlns:a16="http://schemas.microsoft.com/office/drawing/2014/main" id="{8555DE26-283D-4F5B-8E77-F1A08F07672E}"/>
               </a:ext>
             </a:extLst>
           </p:cNvPr>
@@ -14672,7 +14942,7 @@
           <p:cNvPr id="119" name="Rectangle 118">
             <a:extLst>
               <a:ext uri="{FF2B5EF4-FFF2-40B4-BE49-F238E27FC236}">
-                <a16:creationId xmlns:a16="http://schemas.microsoft.com/office/drawing/2014/main" id="{2E2C032A-B57A-4F42-B962-257FA7EB0A8D}"/>
+                <a16:creationId xmlns="" xmlns:a16="http://schemas.microsoft.com/office/drawing/2014/main" id="{2E2C032A-B57A-4F42-B962-257FA7EB0A8D}"/>
               </a:ext>
             </a:extLst>
           </p:cNvPr>
@@ -14727,7 +14997,7 @@
           <p:cNvPr id="11" name="Group 10">
             <a:extLst>
               <a:ext uri="{FF2B5EF4-FFF2-40B4-BE49-F238E27FC236}">
-                <a16:creationId xmlns:a16="http://schemas.microsoft.com/office/drawing/2014/main" id="{604634DD-3320-4540-86E5-5F8DC40C8770}"/>
+                <a16:creationId xmlns="" xmlns:a16="http://schemas.microsoft.com/office/drawing/2014/main" id="{604634DD-3320-4540-86E5-5F8DC40C8770}"/>
               </a:ext>
             </a:extLst>
           </p:cNvPr>
@@ -14747,7 +15017,7 @@
             <p:cNvPr id="12" name="TextBox 11">
               <a:extLst>
                 <a:ext uri="{FF2B5EF4-FFF2-40B4-BE49-F238E27FC236}">
-                  <a16:creationId xmlns:a16="http://schemas.microsoft.com/office/drawing/2014/main" id="{26B3F5C8-E23E-4273-B3F5-F9264971CC52}"/>
+                  <a16:creationId xmlns="" xmlns:a16="http://schemas.microsoft.com/office/drawing/2014/main" id="{26B3F5C8-E23E-4273-B3F5-F9264971CC52}"/>
                 </a:ext>
               </a:extLst>
             </p:cNvPr>
@@ -14787,7 +15057,7 @@
             <p:cNvPr id="13" name="TextBox 12">
               <a:extLst>
                 <a:ext uri="{FF2B5EF4-FFF2-40B4-BE49-F238E27FC236}">
-                  <a16:creationId xmlns:a16="http://schemas.microsoft.com/office/drawing/2014/main" id="{ED8D353A-9B2E-4717-A032-1FB35407DE38}"/>
+                  <a16:creationId xmlns="" xmlns:a16="http://schemas.microsoft.com/office/drawing/2014/main" id="{ED8D353A-9B2E-4717-A032-1FB35407DE38}"/>
                 </a:ext>
               </a:extLst>
             </p:cNvPr>
@@ -14861,7 +15131,7 @@
           <p:cNvPr id="118" name="Footer Placeholder 117">
             <a:extLst>
               <a:ext uri="{FF2B5EF4-FFF2-40B4-BE49-F238E27FC236}">
-                <a16:creationId xmlns:a16="http://schemas.microsoft.com/office/drawing/2014/main" id="{8555DE26-283D-4F5B-8E77-F1A08F07672E}"/>
+                <a16:creationId xmlns="" xmlns:a16="http://schemas.microsoft.com/office/drawing/2014/main" id="{8555DE26-283D-4F5B-8E77-F1A08F07672E}"/>
               </a:ext>
             </a:extLst>
           </p:cNvPr>
@@ -14890,7 +15160,7 @@
           <p:cNvPr id="119" name="Rectangle 118">
             <a:extLst>
               <a:ext uri="{FF2B5EF4-FFF2-40B4-BE49-F238E27FC236}">
-                <a16:creationId xmlns:a16="http://schemas.microsoft.com/office/drawing/2014/main" id="{2E2C032A-B57A-4F42-B962-257FA7EB0A8D}"/>
+                <a16:creationId xmlns="" xmlns:a16="http://schemas.microsoft.com/office/drawing/2014/main" id="{2E2C032A-B57A-4F42-B962-257FA7EB0A8D}"/>
               </a:ext>
             </a:extLst>
           </p:cNvPr>
@@ -14945,7 +15215,7 @@
           <p:cNvPr id="10" name="Rectangle 9">
             <a:extLst>
               <a:ext uri="{FF2B5EF4-FFF2-40B4-BE49-F238E27FC236}">
-                <a16:creationId xmlns:a16="http://schemas.microsoft.com/office/drawing/2014/main" id="{8422AED0-8059-4E23-BB3F-C6291E827C9E}"/>
+                <a16:creationId xmlns="" xmlns:a16="http://schemas.microsoft.com/office/drawing/2014/main" id="{8422AED0-8059-4E23-BB3F-C6291E827C9E}"/>
               </a:ext>
             </a:extLst>
           </p:cNvPr>
@@ -15038,7 +15308,7 @@
           <p:cNvPr id="8" name="TextBox 7">
             <a:extLst>
               <a:ext uri="{FF2B5EF4-FFF2-40B4-BE49-F238E27FC236}">
-                <a16:creationId xmlns:a16="http://schemas.microsoft.com/office/drawing/2014/main" id="{B9CFC7C6-08F0-4E35-BEBE-E203636CB0D9}"/>
+                <a16:creationId xmlns="" xmlns:a16="http://schemas.microsoft.com/office/drawing/2014/main" id="{B9CFC7C6-08F0-4E35-BEBE-E203636CB0D9}"/>
               </a:ext>
             </a:extLst>
           </p:cNvPr>
@@ -15080,7 +15350,7 @@
           <p:cNvPr id="23" name="TextBox 22">
             <a:extLst>
               <a:ext uri="{FF2B5EF4-FFF2-40B4-BE49-F238E27FC236}">
-                <a16:creationId xmlns:a16="http://schemas.microsoft.com/office/drawing/2014/main" id="{BDBE1AE5-94D9-4834-93C5-A0C1C7DE5DD0}"/>
+                <a16:creationId xmlns="" xmlns:a16="http://schemas.microsoft.com/office/drawing/2014/main" id="{BDBE1AE5-94D9-4834-93C5-A0C1C7DE5DD0}"/>
               </a:ext>
             </a:extLst>
           </p:cNvPr>
@@ -15122,7 +15392,7 @@
           <p:cNvPr id="25" name="Group 24">
             <a:extLst>
               <a:ext uri="{FF2B5EF4-FFF2-40B4-BE49-F238E27FC236}">
-                <a16:creationId xmlns:a16="http://schemas.microsoft.com/office/drawing/2014/main" id="{44ED5114-D3F6-49C7-AE87-6CED5AC037FB}"/>
+                <a16:creationId xmlns="" xmlns:a16="http://schemas.microsoft.com/office/drawing/2014/main" id="{44ED5114-D3F6-49C7-AE87-6CED5AC037FB}"/>
               </a:ext>
             </a:extLst>
           </p:cNvPr>
@@ -15142,7 +15412,7 @@
             <p:cNvPr id="26" name="TextBox 25">
               <a:extLst>
                 <a:ext uri="{FF2B5EF4-FFF2-40B4-BE49-F238E27FC236}">
-                  <a16:creationId xmlns:a16="http://schemas.microsoft.com/office/drawing/2014/main" id="{9C0CC259-194F-4463-B991-81ABEFCE5989}"/>
+                  <a16:creationId xmlns="" xmlns:a16="http://schemas.microsoft.com/office/drawing/2014/main" id="{9C0CC259-194F-4463-B991-81ABEFCE5989}"/>
                 </a:ext>
               </a:extLst>
             </p:cNvPr>
@@ -15182,7 +15452,7 @@
             <p:cNvPr id="27" name="TextBox 26">
               <a:extLst>
                 <a:ext uri="{FF2B5EF4-FFF2-40B4-BE49-F238E27FC236}">
-                  <a16:creationId xmlns:a16="http://schemas.microsoft.com/office/drawing/2014/main" id="{0D03164A-D5AA-44D6-A57C-8A887EC01A96}"/>
+                  <a16:creationId xmlns="" xmlns:a16="http://schemas.microsoft.com/office/drawing/2014/main" id="{0D03164A-D5AA-44D6-A57C-8A887EC01A96}"/>
                 </a:ext>
               </a:extLst>
             </p:cNvPr>
@@ -15223,7 +15493,7 @@
           <p:cNvPr id="3" name="Content Placeholder 2">
             <a:extLst>
               <a:ext uri="{FF2B5EF4-FFF2-40B4-BE49-F238E27FC236}">
-                <a16:creationId xmlns:a16="http://schemas.microsoft.com/office/drawing/2014/main" id="{7DC6602D-475A-45FF-BE08-EAB7A8647C4A}"/>
+                <a16:creationId xmlns="" xmlns:a16="http://schemas.microsoft.com/office/drawing/2014/main" id="{7DC6602D-475A-45FF-BE08-EAB7A8647C4A}"/>
               </a:ext>
             </a:extLst>
           </p:cNvPr>
@@ -15441,7 +15711,7 @@
           <p:cNvPr id="118" name="Footer Placeholder 117">
             <a:extLst>
               <a:ext uri="{FF2B5EF4-FFF2-40B4-BE49-F238E27FC236}">
-                <a16:creationId xmlns:a16="http://schemas.microsoft.com/office/drawing/2014/main" id="{8555DE26-283D-4F5B-8E77-F1A08F07672E}"/>
+                <a16:creationId xmlns="" xmlns:a16="http://schemas.microsoft.com/office/drawing/2014/main" id="{8555DE26-283D-4F5B-8E77-F1A08F07672E}"/>
               </a:ext>
             </a:extLst>
           </p:cNvPr>
@@ -15470,7 +15740,7 @@
           <p:cNvPr id="119" name="Rectangle 118">
             <a:extLst>
               <a:ext uri="{FF2B5EF4-FFF2-40B4-BE49-F238E27FC236}">
-                <a16:creationId xmlns:a16="http://schemas.microsoft.com/office/drawing/2014/main" id="{2E2C032A-B57A-4F42-B962-257FA7EB0A8D}"/>
+                <a16:creationId xmlns="" xmlns:a16="http://schemas.microsoft.com/office/drawing/2014/main" id="{2E2C032A-B57A-4F42-B962-257FA7EB0A8D}"/>
               </a:ext>
             </a:extLst>
           </p:cNvPr>
@@ -15525,7 +15795,7 @@
           <p:cNvPr id="10" name="Rectangle 9">
             <a:extLst>
               <a:ext uri="{FF2B5EF4-FFF2-40B4-BE49-F238E27FC236}">
-                <a16:creationId xmlns:a16="http://schemas.microsoft.com/office/drawing/2014/main" id="{8422AED0-8059-4E23-BB3F-C6291E827C9E}"/>
+                <a16:creationId xmlns="" xmlns:a16="http://schemas.microsoft.com/office/drawing/2014/main" id="{8422AED0-8059-4E23-BB3F-C6291E827C9E}"/>
               </a:ext>
             </a:extLst>
           </p:cNvPr>
@@ -15618,7 +15888,7 @@
           <p:cNvPr id="8" name="TextBox 7">
             <a:extLst>
               <a:ext uri="{FF2B5EF4-FFF2-40B4-BE49-F238E27FC236}">
-                <a16:creationId xmlns:a16="http://schemas.microsoft.com/office/drawing/2014/main" id="{B9CFC7C6-08F0-4E35-BEBE-E203636CB0D9}"/>
+                <a16:creationId xmlns="" xmlns:a16="http://schemas.microsoft.com/office/drawing/2014/main" id="{B9CFC7C6-08F0-4E35-BEBE-E203636CB0D9}"/>
               </a:ext>
             </a:extLst>
           </p:cNvPr>
@@ -15660,7 +15930,7 @@
           <p:cNvPr id="23" name="TextBox 22">
             <a:extLst>
               <a:ext uri="{FF2B5EF4-FFF2-40B4-BE49-F238E27FC236}">
-                <a16:creationId xmlns:a16="http://schemas.microsoft.com/office/drawing/2014/main" id="{BDBE1AE5-94D9-4834-93C5-A0C1C7DE5DD0}"/>
+                <a16:creationId xmlns="" xmlns:a16="http://schemas.microsoft.com/office/drawing/2014/main" id="{BDBE1AE5-94D9-4834-93C5-A0C1C7DE5DD0}"/>
               </a:ext>
             </a:extLst>
           </p:cNvPr>
@@ -15702,7 +15972,7 @@
           <p:cNvPr id="25" name="Group 24">
             <a:extLst>
               <a:ext uri="{FF2B5EF4-FFF2-40B4-BE49-F238E27FC236}">
-                <a16:creationId xmlns:a16="http://schemas.microsoft.com/office/drawing/2014/main" id="{44ED5114-D3F6-49C7-AE87-6CED5AC037FB}"/>
+                <a16:creationId xmlns="" xmlns:a16="http://schemas.microsoft.com/office/drawing/2014/main" id="{44ED5114-D3F6-49C7-AE87-6CED5AC037FB}"/>
               </a:ext>
             </a:extLst>
           </p:cNvPr>
@@ -15722,7 +15992,7 @@
             <p:cNvPr id="26" name="TextBox 25">
               <a:extLst>
                 <a:ext uri="{FF2B5EF4-FFF2-40B4-BE49-F238E27FC236}">
-                  <a16:creationId xmlns:a16="http://schemas.microsoft.com/office/drawing/2014/main" id="{9C0CC259-194F-4463-B991-81ABEFCE5989}"/>
+                  <a16:creationId xmlns="" xmlns:a16="http://schemas.microsoft.com/office/drawing/2014/main" id="{9C0CC259-194F-4463-B991-81ABEFCE5989}"/>
                 </a:ext>
               </a:extLst>
             </p:cNvPr>
@@ -15762,7 +16032,7 @@
             <p:cNvPr id="27" name="TextBox 26">
               <a:extLst>
                 <a:ext uri="{FF2B5EF4-FFF2-40B4-BE49-F238E27FC236}">
-                  <a16:creationId xmlns:a16="http://schemas.microsoft.com/office/drawing/2014/main" id="{0D03164A-D5AA-44D6-A57C-8A887EC01A96}"/>
+                  <a16:creationId xmlns="" xmlns:a16="http://schemas.microsoft.com/office/drawing/2014/main" id="{0D03164A-D5AA-44D6-A57C-8A887EC01A96}"/>
                 </a:ext>
               </a:extLst>
             </p:cNvPr>
@@ -15803,7 +16073,7 @@
           <p:cNvPr id="3" name="Content Placeholder 2">
             <a:extLst>
               <a:ext uri="{FF2B5EF4-FFF2-40B4-BE49-F238E27FC236}">
-                <a16:creationId xmlns:a16="http://schemas.microsoft.com/office/drawing/2014/main" id="{7DC6602D-475A-45FF-BE08-EAB7A8647C4A}"/>
+                <a16:creationId xmlns="" xmlns:a16="http://schemas.microsoft.com/office/drawing/2014/main" id="{7DC6602D-475A-45FF-BE08-EAB7A8647C4A}"/>
               </a:ext>
             </a:extLst>
           </p:cNvPr>
@@ -16046,7 +16316,7 @@
           <p:cNvPr id="7" name="Content Placeholder 6">
             <a:extLst>
               <a:ext uri="{FF2B5EF4-FFF2-40B4-BE49-F238E27FC236}">
-                <a16:creationId xmlns:a16="http://schemas.microsoft.com/office/drawing/2014/main" id="{C4B01F99-E501-45E8-9945-B99A7B3C59C8}"/>
+                <a16:creationId xmlns="" xmlns:a16="http://schemas.microsoft.com/office/drawing/2014/main" id="{C4B01F99-E501-45E8-9945-B99A7B3C59C8}"/>
               </a:ext>
             </a:extLst>
           </p:cNvPr>
@@ -16133,7 +16403,7 @@
           <p:cNvPr id="118" name="Footer Placeholder 117">
             <a:extLst>
               <a:ext uri="{FF2B5EF4-FFF2-40B4-BE49-F238E27FC236}">
-                <a16:creationId xmlns:a16="http://schemas.microsoft.com/office/drawing/2014/main" id="{8555DE26-283D-4F5B-8E77-F1A08F07672E}"/>
+                <a16:creationId xmlns="" xmlns:a16="http://schemas.microsoft.com/office/drawing/2014/main" id="{8555DE26-283D-4F5B-8E77-F1A08F07672E}"/>
               </a:ext>
             </a:extLst>
           </p:cNvPr>
@@ -16162,7 +16432,7 @@
           <p:cNvPr id="119" name="Rectangle 118">
             <a:extLst>
               <a:ext uri="{FF2B5EF4-FFF2-40B4-BE49-F238E27FC236}">
-                <a16:creationId xmlns:a16="http://schemas.microsoft.com/office/drawing/2014/main" id="{2E2C032A-B57A-4F42-B962-257FA7EB0A8D}"/>
+                <a16:creationId xmlns="" xmlns:a16="http://schemas.microsoft.com/office/drawing/2014/main" id="{2E2C032A-B57A-4F42-B962-257FA7EB0A8D}"/>
               </a:ext>
             </a:extLst>
           </p:cNvPr>
@@ -16217,7 +16487,7 @@
           <p:cNvPr id="10" name="Rectangle 9">
             <a:extLst>
               <a:ext uri="{FF2B5EF4-FFF2-40B4-BE49-F238E27FC236}">
-                <a16:creationId xmlns:a16="http://schemas.microsoft.com/office/drawing/2014/main" id="{8422AED0-8059-4E23-BB3F-C6291E827C9E}"/>
+                <a16:creationId xmlns="" xmlns:a16="http://schemas.microsoft.com/office/drawing/2014/main" id="{8422AED0-8059-4E23-BB3F-C6291E827C9E}"/>
               </a:ext>
             </a:extLst>
           </p:cNvPr>
@@ -16310,7 +16580,7 @@
           <p:cNvPr id="8" name="TextBox 7">
             <a:extLst>
               <a:ext uri="{FF2B5EF4-FFF2-40B4-BE49-F238E27FC236}">
-                <a16:creationId xmlns:a16="http://schemas.microsoft.com/office/drawing/2014/main" id="{B9CFC7C6-08F0-4E35-BEBE-E203636CB0D9}"/>
+                <a16:creationId xmlns="" xmlns:a16="http://schemas.microsoft.com/office/drawing/2014/main" id="{B9CFC7C6-08F0-4E35-BEBE-E203636CB0D9}"/>
               </a:ext>
             </a:extLst>
           </p:cNvPr>
@@ -16352,7 +16622,7 @@
           <p:cNvPr id="23" name="TextBox 22">
             <a:extLst>
               <a:ext uri="{FF2B5EF4-FFF2-40B4-BE49-F238E27FC236}">
-                <a16:creationId xmlns:a16="http://schemas.microsoft.com/office/drawing/2014/main" id="{BDBE1AE5-94D9-4834-93C5-A0C1C7DE5DD0}"/>
+                <a16:creationId xmlns="" xmlns:a16="http://schemas.microsoft.com/office/drawing/2014/main" id="{BDBE1AE5-94D9-4834-93C5-A0C1C7DE5DD0}"/>
               </a:ext>
             </a:extLst>
           </p:cNvPr>
@@ -16394,7 +16664,7 @@
           <p:cNvPr id="25" name="Group 24">
             <a:extLst>
               <a:ext uri="{FF2B5EF4-FFF2-40B4-BE49-F238E27FC236}">
-                <a16:creationId xmlns:a16="http://schemas.microsoft.com/office/drawing/2014/main" id="{44ED5114-D3F6-49C7-AE87-6CED5AC037FB}"/>
+                <a16:creationId xmlns="" xmlns:a16="http://schemas.microsoft.com/office/drawing/2014/main" id="{44ED5114-D3F6-49C7-AE87-6CED5AC037FB}"/>
               </a:ext>
             </a:extLst>
           </p:cNvPr>
@@ -16414,7 +16684,7 @@
             <p:cNvPr id="26" name="TextBox 25">
               <a:extLst>
                 <a:ext uri="{FF2B5EF4-FFF2-40B4-BE49-F238E27FC236}">
-                  <a16:creationId xmlns:a16="http://schemas.microsoft.com/office/drawing/2014/main" id="{9C0CC259-194F-4463-B991-81ABEFCE5989}"/>
+                  <a16:creationId xmlns="" xmlns:a16="http://schemas.microsoft.com/office/drawing/2014/main" id="{9C0CC259-194F-4463-B991-81ABEFCE5989}"/>
                 </a:ext>
               </a:extLst>
             </p:cNvPr>
@@ -16454,7 +16724,7 @@
             <p:cNvPr id="27" name="TextBox 26">
               <a:extLst>
                 <a:ext uri="{FF2B5EF4-FFF2-40B4-BE49-F238E27FC236}">
-                  <a16:creationId xmlns:a16="http://schemas.microsoft.com/office/drawing/2014/main" id="{0D03164A-D5AA-44D6-A57C-8A887EC01A96}"/>
+                  <a16:creationId xmlns="" xmlns:a16="http://schemas.microsoft.com/office/drawing/2014/main" id="{0D03164A-D5AA-44D6-A57C-8A887EC01A96}"/>
                 </a:ext>
               </a:extLst>
             </p:cNvPr>
@@ -16495,7 +16765,7 @@
           <p:cNvPr id="17" name="Content Placeholder 16" descr="decision tree loan approval">
             <a:extLst>
               <a:ext uri="{FF2B5EF4-FFF2-40B4-BE49-F238E27FC236}">
-                <a16:creationId xmlns:a16="http://schemas.microsoft.com/office/drawing/2014/main" id="{29A6AFB5-E7EA-49AC-8CBF-C2F2A856096E}"/>
+                <a16:creationId xmlns="" xmlns:a16="http://schemas.microsoft.com/office/drawing/2014/main" id="{29A6AFB5-E7EA-49AC-8CBF-C2F2A856096E}"/>
               </a:ext>
             </a:extLst>
           </p:cNvPr>
@@ -16571,7 +16841,7 @@
           <p:cNvPr id="7" name="Content Placeholder 6">
             <a:extLst>
               <a:ext uri="{FF2B5EF4-FFF2-40B4-BE49-F238E27FC236}">
-                <a16:creationId xmlns:a16="http://schemas.microsoft.com/office/drawing/2014/main" id="{C4B01F99-E501-45E8-9945-B99A7B3C59C8}"/>
+                <a16:creationId xmlns="" xmlns:a16="http://schemas.microsoft.com/office/drawing/2014/main" id="{C4B01F99-E501-45E8-9945-B99A7B3C59C8}"/>
               </a:ext>
             </a:extLst>
           </p:cNvPr>
@@ -16664,7 +16934,7 @@
           <p:cNvPr id="118" name="Footer Placeholder 117">
             <a:extLst>
               <a:ext uri="{FF2B5EF4-FFF2-40B4-BE49-F238E27FC236}">
-                <a16:creationId xmlns:a16="http://schemas.microsoft.com/office/drawing/2014/main" id="{8555DE26-283D-4F5B-8E77-F1A08F07672E}"/>
+                <a16:creationId xmlns="" xmlns:a16="http://schemas.microsoft.com/office/drawing/2014/main" id="{8555DE26-283D-4F5B-8E77-F1A08F07672E}"/>
               </a:ext>
             </a:extLst>
           </p:cNvPr>
@@ -16693,7 +16963,7 @@
           <p:cNvPr id="119" name="Rectangle 118">
             <a:extLst>
               <a:ext uri="{FF2B5EF4-FFF2-40B4-BE49-F238E27FC236}">
-                <a16:creationId xmlns:a16="http://schemas.microsoft.com/office/drawing/2014/main" id="{2E2C032A-B57A-4F42-B962-257FA7EB0A8D}"/>
+                <a16:creationId xmlns="" xmlns:a16="http://schemas.microsoft.com/office/drawing/2014/main" id="{2E2C032A-B57A-4F42-B962-257FA7EB0A8D}"/>
               </a:ext>
             </a:extLst>
           </p:cNvPr>
@@ -16748,7 +17018,7 @@
           <p:cNvPr id="10" name="Rectangle 9">
             <a:extLst>
               <a:ext uri="{FF2B5EF4-FFF2-40B4-BE49-F238E27FC236}">
-                <a16:creationId xmlns:a16="http://schemas.microsoft.com/office/drawing/2014/main" id="{8422AED0-8059-4E23-BB3F-C6291E827C9E}"/>
+                <a16:creationId xmlns="" xmlns:a16="http://schemas.microsoft.com/office/drawing/2014/main" id="{8422AED0-8059-4E23-BB3F-C6291E827C9E}"/>
               </a:ext>
             </a:extLst>
           </p:cNvPr>
@@ -16841,7 +17111,7 @@
           <p:cNvPr id="8" name="TextBox 7">
             <a:extLst>
               <a:ext uri="{FF2B5EF4-FFF2-40B4-BE49-F238E27FC236}">
-                <a16:creationId xmlns:a16="http://schemas.microsoft.com/office/drawing/2014/main" id="{B9CFC7C6-08F0-4E35-BEBE-E203636CB0D9}"/>
+                <a16:creationId xmlns="" xmlns:a16="http://schemas.microsoft.com/office/drawing/2014/main" id="{B9CFC7C6-08F0-4E35-BEBE-E203636CB0D9}"/>
               </a:ext>
             </a:extLst>
           </p:cNvPr>
@@ -16883,7 +17153,7 @@
           <p:cNvPr id="23" name="TextBox 22">
             <a:extLst>
               <a:ext uri="{FF2B5EF4-FFF2-40B4-BE49-F238E27FC236}">
-                <a16:creationId xmlns:a16="http://schemas.microsoft.com/office/drawing/2014/main" id="{BDBE1AE5-94D9-4834-93C5-A0C1C7DE5DD0}"/>
+                <a16:creationId xmlns="" xmlns:a16="http://schemas.microsoft.com/office/drawing/2014/main" id="{BDBE1AE5-94D9-4834-93C5-A0C1C7DE5DD0}"/>
               </a:ext>
             </a:extLst>
           </p:cNvPr>
@@ -16925,7 +17195,7 @@
           <p:cNvPr id="25" name="Group 24">
             <a:extLst>
               <a:ext uri="{FF2B5EF4-FFF2-40B4-BE49-F238E27FC236}">
-                <a16:creationId xmlns:a16="http://schemas.microsoft.com/office/drawing/2014/main" id="{44ED5114-D3F6-49C7-AE87-6CED5AC037FB}"/>
+                <a16:creationId xmlns="" xmlns:a16="http://schemas.microsoft.com/office/drawing/2014/main" id="{44ED5114-D3F6-49C7-AE87-6CED5AC037FB}"/>
               </a:ext>
             </a:extLst>
           </p:cNvPr>
@@ -16945,7 +17215,7 @@
             <p:cNvPr id="26" name="TextBox 25">
               <a:extLst>
                 <a:ext uri="{FF2B5EF4-FFF2-40B4-BE49-F238E27FC236}">
-                  <a16:creationId xmlns:a16="http://schemas.microsoft.com/office/drawing/2014/main" id="{9C0CC259-194F-4463-B991-81ABEFCE5989}"/>
+                  <a16:creationId xmlns="" xmlns:a16="http://schemas.microsoft.com/office/drawing/2014/main" id="{9C0CC259-194F-4463-B991-81ABEFCE5989}"/>
                 </a:ext>
               </a:extLst>
             </p:cNvPr>
@@ -16985,7 +17255,7 @@
             <p:cNvPr id="27" name="TextBox 26">
               <a:extLst>
                 <a:ext uri="{FF2B5EF4-FFF2-40B4-BE49-F238E27FC236}">
-                  <a16:creationId xmlns:a16="http://schemas.microsoft.com/office/drawing/2014/main" id="{0D03164A-D5AA-44D6-A57C-8A887EC01A96}"/>
+                  <a16:creationId xmlns="" xmlns:a16="http://schemas.microsoft.com/office/drawing/2014/main" id="{0D03164A-D5AA-44D6-A57C-8A887EC01A96}"/>
                 </a:ext>
               </a:extLst>
             </p:cNvPr>
@@ -17026,7 +17296,7 @@
           <p:cNvPr id="18" name="Content Placeholder 17" descr="random forest ensemble">
             <a:extLst>
               <a:ext uri="{FF2B5EF4-FFF2-40B4-BE49-F238E27FC236}">
-                <a16:creationId xmlns:a16="http://schemas.microsoft.com/office/drawing/2014/main" id="{5750B244-9D61-43D7-910C-D91238CB4944}"/>
+                <a16:creationId xmlns="" xmlns:a16="http://schemas.microsoft.com/office/drawing/2014/main" id="{5750B244-9D61-43D7-910C-D91238CB4944}"/>
               </a:ext>
             </a:extLst>
           </p:cNvPr>
@@ -17102,7 +17372,7 @@
           <p:cNvPr id="2" name="Title 1">
             <a:extLst>
               <a:ext uri="{FF2B5EF4-FFF2-40B4-BE49-F238E27FC236}">
-                <a16:creationId xmlns:a16="http://schemas.microsoft.com/office/drawing/2014/main" id="{4010AF38-26DF-48B3-952C-4A9091D6863C}"/>
+                <a16:creationId xmlns="" xmlns:a16="http://schemas.microsoft.com/office/drawing/2014/main" id="{4010AF38-26DF-48B3-952C-4A9091D6863C}"/>
               </a:ext>
             </a:extLst>
           </p:cNvPr>
@@ -17158,6 +17428,15 @@
               </a:rPr>
               <a:t> Findings</a:t>
             </a:r>
+            <a:r>
+              <a:rPr lang="en-IN" sz="7200" dirty="0">
+                <a:effectLst/>
+                <a:latin typeface="+mj-lt"/>
+                <a:ea typeface="Calibri" panose="020F0502020204030204" pitchFamily="34" charset="0"/>
+                <a:cs typeface="Shruti" panose="020B0502040204020203" pitchFamily="34" charset="0"/>
+              </a:rPr>
+              <a:t/>
+            </a:r>
             <a:br>
               <a:rPr lang="en-IN" sz="7200" dirty="0">
                 <a:effectLst/>
@@ -17179,7 +17458,7 @@
           <p:cNvPr id="118" name="Footer Placeholder 117">
             <a:extLst>
               <a:ext uri="{FF2B5EF4-FFF2-40B4-BE49-F238E27FC236}">
-                <a16:creationId xmlns:a16="http://schemas.microsoft.com/office/drawing/2014/main" id="{8555DE26-283D-4F5B-8E77-F1A08F07672E}"/>
+                <a16:creationId xmlns="" xmlns:a16="http://schemas.microsoft.com/office/drawing/2014/main" id="{8555DE26-283D-4F5B-8E77-F1A08F07672E}"/>
               </a:ext>
             </a:extLst>
           </p:cNvPr>
@@ -17208,7 +17487,7 @@
           <p:cNvPr id="119" name="Rectangle 118">
             <a:extLst>
               <a:ext uri="{FF2B5EF4-FFF2-40B4-BE49-F238E27FC236}">
-                <a16:creationId xmlns:a16="http://schemas.microsoft.com/office/drawing/2014/main" id="{2E2C032A-B57A-4F42-B962-257FA7EB0A8D}"/>
+                <a16:creationId xmlns="" xmlns:a16="http://schemas.microsoft.com/office/drawing/2014/main" id="{2E2C032A-B57A-4F42-B962-257FA7EB0A8D}"/>
               </a:ext>
             </a:extLst>
           </p:cNvPr>
@@ -17263,7 +17542,7 @@
           <p:cNvPr id="11" name="Group 10">
             <a:extLst>
               <a:ext uri="{FF2B5EF4-FFF2-40B4-BE49-F238E27FC236}">
-                <a16:creationId xmlns:a16="http://schemas.microsoft.com/office/drawing/2014/main" id="{604634DD-3320-4540-86E5-5F8DC40C8770}"/>
+                <a16:creationId xmlns="" xmlns:a16="http://schemas.microsoft.com/office/drawing/2014/main" id="{604634DD-3320-4540-86E5-5F8DC40C8770}"/>
               </a:ext>
             </a:extLst>
           </p:cNvPr>
@@ -17283,7 +17562,7 @@
             <p:cNvPr id="12" name="TextBox 11">
               <a:extLst>
                 <a:ext uri="{FF2B5EF4-FFF2-40B4-BE49-F238E27FC236}">
-                  <a16:creationId xmlns:a16="http://schemas.microsoft.com/office/drawing/2014/main" id="{26B3F5C8-E23E-4273-B3F5-F9264971CC52}"/>
+                  <a16:creationId xmlns="" xmlns:a16="http://schemas.microsoft.com/office/drawing/2014/main" id="{26B3F5C8-E23E-4273-B3F5-F9264971CC52}"/>
                 </a:ext>
               </a:extLst>
             </p:cNvPr>
@@ -17323,7 +17602,7 @@
             <p:cNvPr id="13" name="TextBox 12">
               <a:extLst>
                 <a:ext uri="{FF2B5EF4-FFF2-40B4-BE49-F238E27FC236}">
-                  <a16:creationId xmlns:a16="http://schemas.microsoft.com/office/drawing/2014/main" id="{ED8D353A-9B2E-4717-A032-1FB35407DE38}"/>
+                  <a16:creationId xmlns="" xmlns:a16="http://schemas.microsoft.com/office/drawing/2014/main" id="{ED8D353A-9B2E-4717-A032-1FB35407DE38}"/>
                 </a:ext>
               </a:extLst>
             </p:cNvPr>
@@ -17394,44 +17673,10 @@
       </p:grpSpPr>
       <p:sp>
         <p:nvSpPr>
-          <p:cNvPr id="5" name="Text Placeholder 4">
-            <a:extLst>
-              <a:ext uri="{FF2B5EF4-FFF2-40B4-BE49-F238E27FC236}">
-                <a16:creationId xmlns:a16="http://schemas.microsoft.com/office/drawing/2014/main" id="{F65802CA-FDE5-45DD-A9D8-4D2F809FE948}"/>
-              </a:ext>
-            </a:extLst>
-          </p:cNvPr>
-          <p:cNvSpPr>
-            <a:spLocks noGrp="1"/>
-          </p:cNvSpPr>
-          <p:nvPr>
-            <p:ph type="body" idx="1"/>
-          </p:nvPr>
-        </p:nvSpPr>
-        <p:spPr/>
-        <p:txBody>
-          <a:bodyPr/>
-          <a:lstStyle/>
-          <a:p>
-            <a:pPr marL="342900" indent="-342900" algn="ctr">
-              <a:buFont typeface="Wingdings" panose="05000000000000000000" pitchFamily="2" charset="2"/>
-              <a:buChar char="§"/>
-            </a:pPr>
-            <a:r>
-              <a:rPr lang="en-IN" cap="none" dirty="0">
-                <a:latin typeface="+mj-lt"/>
-              </a:rPr>
-              <a:t>Linear Regression</a:t>
-            </a:r>
-          </a:p>
-        </p:txBody>
-      </p:sp>
-      <p:sp>
-        <p:nvSpPr>
           <p:cNvPr id="6" name="Content Placeholder 5">
             <a:extLst>
               <a:ext uri="{FF2B5EF4-FFF2-40B4-BE49-F238E27FC236}">
-                <a16:creationId xmlns:a16="http://schemas.microsoft.com/office/drawing/2014/main" id="{55B9F3A6-B9EE-4C9C-8888-FDF951DE4D7A}"/>
+                <a16:creationId xmlns="" xmlns:a16="http://schemas.microsoft.com/office/drawing/2014/main" id="{55B9F3A6-B9EE-4C9C-8888-FDF951DE4D7A}"/>
               </a:ext>
             </a:extLst>
           </p:cNvPr>
@@ -17444,18 +17689,51 @@
         </p:nvSpPr>
         <p:spPr>
           <a:xfrm>
-            <a:off x="1097280" y="4445751"/>
-            <a:ext cx="1604624" cy="1423344"/>
+            <a:off x="3266445" y="3029782"/>
+            <a:ext cx="4649096" cy="2788312"/>
           </a:xfrm>
         </p:spPr>
         <p:txBody>
-          <a:bodyPr/>
+          <a:bodyPr>
+            <a:noAutofit/>
+          </a:bodyPr>
           <a:lstStyle/>
           <a:p>
-            <a:r>
-              <a:rPr lang="en-IN" dirty="0"/>
-              <a:t>Data does not fit </a:t>
-            </a:r>
+            <a:pPr algn="ctr"/>
+            <a:r>
+              <a:rPr lang="en-US" sz="3200" dirty="0" smtClean="0"/>
+              <a:t>RMS Value = 135.072</a:t>
+            </a:r>
+          </a:p>
+          <a:p>
+            <a:pPr algn="ctr"/>
+            <a:r>
+              <a:rPr lang="en-US" sz="3200" dirty="0" smtClean="0"/>
+              <a:t>R</a:t>
+            </a:r>
+            <a:r>
+              <a:rPr lang="en-US" sz="3200" baseline="30000" dirty="0" smtClean="0"/>
+              <a:t>2</a:t>
+            </a:r>
+            <a:r>
+              <a:rPr lang="en-US" sz="3200" dirty="0" smtClean="0"/>
+              <a:t> = 0.9799</a:t>
+            </a:r>
+          </a:p>
+          <a:p>
+            <a:pPr algn="ctr"/>
+            <a:r>
+              <a:rPr lang="en-US" sz="3200" dirty="0" smtClean="0"/>
+              <a:t>Feature = Opening Price</a:t>
+            </a:r>
+          </a:p>
+          <a:p>
+            <a:pPr algn="ctr"/>
+            <a:r>
+              <a:rPr lang="en-US" sz="3200" dirty="0" smtClean="0"/>
+              <a:t>Target = Closing Price</a:t>
+            </a:r>
+            <a:endParaRPr lang="en-IN" sz="3200" dirty="0"/>
           </a:p>
         </p:txBody>
       </p:sp>
@@ -17464,7 +17742,7 @@
           <p:cNvPr id="9" name="Text Placeholder 8">
             <a:extLst>
               <a:ext uri="{FF2B5EF4-FFF2-40B4-BE49-F238E27FC236}">
-                <a16:creationId xmlns:a16="http://schemas.microsoft.com/office/drawing/2014/main" id="{CDB50D8A-9D80-48F0-9BDA-BA5229DA8597}"/>
+                <a16:creationId xmlns="" xmlns:a16="http://schemas.microsoft.com/office/drawing/2014/main" id="{CDB50D8A-9D80-48F0-9BDA-BA5229DA8597}"/>
               </a:ext>
             </a:extLst>
           </p:cNvPr>
@@ -17475,7 +17753,12 @@
             <p:ph type="body" sz="quarter" idx="3"/>
           </p:nvPr>
         </p:nvSpPr>
-        <p:spPr/>
+        <p:spPr>
+          <a:xfrm>
+            <a:off x="-188259" y="2057400"/>
+            <a:ext cx="11343939" cy="736282"/>
+          </a:xfrm>
+        </p:spPr>
         <p:txBody>
           <a:bodyPr/>
           <a:lstStyle/>
@@ -17485,11 +17768,14 @@
               <a:buChar char="§"/>
             </a:pPr>
             <a:r>
-              <a:rPr lang="en-IN" dirty="0">
+              <a:rPr lang="en-IN" dirty="0" smtClean="0">
                 <a:latin typeface="+mj-lt"/>
               </a:rPr>
-              <a:t>LSTM</a:t>
-            </a:r>
+              <a:t>Linear regression</a:t>
+            </a:r>
+            <a:endParaRPr lang="en-IN" dirty="0">
+              <a:latin typeface="+mj-lt"/>
+            </a:endParaRPr>
           </a:p>
         </p:txBody>
       </p:sp>
@@ -17498,7 +17784,7 @@
           <p:cNvPr id="118" name="Footer Placeholder 117">
             <a:extLst>
               <a:ext uri="{FF2B5EF4-FFF2-40B4-BE49-F238E27FC236}">
-                <a16:creationId xmlns:a16="http://schemas.microsoft.com/office/drawing/2014/main" id="{8555DE26-283D-4F5B-8E77-F1A08F07672E}"/>
+                <a16:creationId xmlns="" xmlns:a16="http://schemas.microsoft.com/office/drawing/2014/main" id="{8555DE26-283D-4F5B-8E77-F1A08F07672E}"/>
               </a:ext>
             </a:extLst>
           </p:cNvPr>
@@ -17527,7 +17813,7 @@
           <p:cNvPr id="119" name="Rectangle 118">
             <a:extLst>
               <a:ext uri="{FF2B5EF4-FFF2-40B4-BE49-F238E27FC236}">
-                <a16:creationId xmlns:a16="http://schemas.microsoft.com/office/drawing/2014/main" id="{2E2C032A-B57A-4F42-B962-257FA7EB0A8D}"/>
+                <a16:creationId xmlns="" xmlns:a16="http://schemas.microsoft.com/office/drawing/2014/main" id="{2E2C032A-B57A-4F42-B962-257FA7EB0A8D}"/>
               </a:ext>
             </a:extLst>
           </p:cNvPr>
@@ -17582,7 +17868,7 @@
           <p:cNvPr id="10" name="Rectangle 9">
             <a:extLst>
               <a:ext uri="{FF2B5EF4-FFF2-40B4-BE49-F238E27FC236}">
-                <a16:creationId xmlns:a16="http://schemas.microsoft.com/office/drawing/2014/main" id="{8422AED0-8059-4E23-BB3F-C6291E827C9E}"/>
+                <a16:creationId xmlns="" xmlns:a16="http://schemas.microsoft.com/office/drawing/2014/main" id="{8422AED0-8059-4E23-BB3F-C6291E827C9E}"/>
               </a:ext>
             </a:extLst>
           </p:cNvPr>
@@ -17678,7 +17964,7 @@
           <p:cNvPr id="8" name="TextBox 7">
             <a:extLst>
               <a:ext uri="{FF2B5EF4-FFF2-40B4-BE49-F238E27FC236}">
-                <a16:creationId xmlns:a16="http://schemas.microsoft.com/office/drawing/2014/main" id="{B9CFC7C6-08F0-4E35-BEBE-E203636CB0D9}"/>
+                <a16:creationId xmlns="" xmlns:a16="http://schemas.microsoft.com/office/drawing/2014/main" id="{B9CFC7C6-08F0-4E35-BEBE-E203636CB0D9}"/>
               </a:ext>
             </a:extLst>
           </p:cNvPr>
@@ -17720,7 +18006,7 @@
           <p:cNvPr id="23" name="TextBox 22">
             <a:extLst>
               <a:ext uri="{FF2B5EF4-FFF2-40B4-BE49-F238E27FC236}">
-                <a16:creationId xmlns:a16="http://schemas.microsoft.com/office/drawing/2014/main" id="{BDBE1AE5-94D9-4834-93C5-A0C1C7DE5DD0}"/>
+                <a16:creationId xmlns="" xmlns:a16="http://schemas.microsoft.com/office/drawing/2014/main" id="{BDBE1AE5-94D9-4834-93C5-A0C1C7DE5DD0}"/>
               </a:ext>
             </a:extLst>
           </p:cNvPr>
@@ -17762,7 +18048,7 @@
           <p:cNvPr id="25" name="Group 24">
             <a:extLst>
               <a:ext uri="{FF2B5EF4-FFF2-40B4-BE49-F238E27FC236}">
-                <a16:creationId xmlns:a16="http://schemas.microsoft.com/office/drawing/2014/main" id="{44ED5114-D3F6-49C7-AE87-6CED5AC037FB}"/>
+                <a16:creationId xmlns="" xmlns:a16="http://schemas.microsoft.com/office/drawing/2014/main" id="{44ED5114-D3F6-49C7-AE87-6CED5AC037FB}"/>
               </a:ext>
             </a:extLst>
           </p:cNvPr>
@@ -17782,7 +18068,7 @@
             <p:cNvPr id="26" name="TextBox 25">
               <a:extLst>
                 <a:ext uri="{FF2B5EF4-FFF2-40B4-BE49-F238E27FC236}">
-                  <a16:creationId xmlns:a16="http://schemas.microsoft.com/office/drawing/2014/main" id="{9C0CC259-194F-4463-B991-81ABEFCE5989}"/>
+                  <a16:creationId xmlns="" xmlns:a16="http://schemas.microsoft.com/office/drawing/2014/main" id="{9C0CC259-194F-4463-B991-81ABEFCE5989}"/>
                 </a:ext>
               </a:extLst>
             </p:cNvPr>
@@ -17822,7 +18108,7 @@
             <p:cNvPr id="27" name="TextBox 26">
               <a:extLst>
                 <a:ext uri="{FF2B5EF4-FFF2-40B4-BE49-F238E27FC236}">
-                  <a16:creationId xmlns:a16="http://schemas.microsoft.com/office/drawing/2014/main" id="{0D03164A-D5AA-44D6-A57C-8A887EC01A96}"/>
+                  <a16:creationId xmlns="" xmlns:a16="http://schemas.microsoft.com/office/drawing/2014/main" id="{0D03164A-D5AA-44D6-A57C-8A887EC01A96}"/>
                 </a:ext>
               </a:extLst>
             </p:cNvPr>
@@ -17858,102 +18144,6 @@
           </p:txBody>
         </p:sp>
       </p:grpSp>
-      <p:pic>
-        <p:nvPicPr>
-          <p:cNvPr id="2050" name="Picture 2">
-            <a:extLst>
-              <a:ext uri="{FF2B5EF4-FFF2-40B4-BE49-F238E27FC236}">
-                <a16:creationId xmlns:a16="http://schemas.microsoft.com/office/drawing/2014/main" id="{C2894834-7A8F-4FBA-B0AA-4F3BB51701FB}"/>
-              </a:ext>
-            </a:extLst>
-          </p:cNvPr>
-          <p:cNvPicPr>
-            <a:picLocks noChangeAspect="1" noChangeArrowheads="1"/>
-          </p:cNvPicPr>
-          <p:nvPr/>
-        </p:nvPicPr>
-        <p:blipFill>
-          <a:blip r:embed="rId3">
-            <a:extLst>
-              <a:ext uri="{28A0092B-C50C-407E-A947-70E740481C1C}">
-                <a14:useLocalDpi xmlns:a14="http://schemas.microsoft.com/office/drawing/2010/main" val="0"/>
-              </a:ext>
-            </a:extLst>
-          </a:blip>
-          <a:srcRect/>
-          <a:stretch>
-            <a:fillRect/>
-          </a:stretch>
-        </p:blipFill>
-        <p:spPr bwMode="auto">
-          <a:xfrm>
-            <a:off x="719920" y="2691778"/>
-            <a:ext cx="5217979" cy="3494509"/>
-          </a:xfrm>
-          <a:prstGeom prst="rect">
-            <a:avLst/>
-          </a:prstGeom>
-          <a:noFill/>
-          <a:extLst>
-            <a:ext uri="{909E8E84-426E-40DD-AFC4-6F175D3DCCD1}">
-              <a14:hiddenFill xmlns:a14="http://schemas.microsoft.com/office/drawing/2010/main">
-                <a:solidFill>
-                  <a:srgbClr val="FFFFFF"/>
-                </a:solidFill>
-              </a14:hiddenFill>
-            </a:ext>
-          </a:extLst>
-        </p:spPr>
-      </p:pic>
-      <p:pic>
-        <p:nvPicPr>
-          <p:cNvPr id="2052" name="Picture 4">
-            <a:extLst>
-              <a:ext uri="{FF2B5EF4-FFF2-40B4-BE49-F238E27FC236}">
-                <a16:creationId xmlns:a16="http://schemas.microsoft.com/office/drawing/2014/main" id="{089B006B-97F8-4272-A6C8-DAD11ED8E91D}"/>
-              </a:ext>
-            </a:extLst>
-          </p:cNvPr>
-          <p:cNvPicPr>
-            <a:picLocks noGrp="1" noChangeAspect="1" noChangeArrowheads="1"/>
-          </p:cNvPicPr>
-          <p:nvPr>
-            <p:ph sz="quarter" idx="4"/>
-          </p:nvPr>
-        </p:nvPicPr>
-        <p:blipFill>
-          <a:blip r:embed="rId4">
-            <a:extLst>
-              <a:ext uri="{28A0092B-C50C-407E-A947-70E740481C1C}">
-                <a14:useLocalDpi xmlns:a14="http://schemas.microsoft.com/office/drawing/2010/main" val="0"/>
-              </a:ext>
-            </a:extLst>
-          </a:blip>
-          <a:srcRect/>
-          <a:stretch>
-            <a:fillRect/>
-          </a:stretch>
-        </p:blipFill>
-        <p:spPr bwMode="auto">
-          <a:xfrm>
-            <a:off x="6242180" y="2659225"/>
-            <a:ext cx="5187820" cy="3582066"/>
-          </a:xfrm>
-          <a:prstGeom prst="rect">
-            <a:avLst/>
-          </a:prstGeom>
-          <a:noFill/>
-          <a:extLst>
-            <a:ext uri="{909E8E84-426E-40DD-AFC4-6F175D3DCCD1}">
-              <a14:hiddenFill xmlns:a14="http://schemas.microsoft.com/office/drawing/2010/main">
-                <a:solidFill>
-                  <a:srgbClr val="FFFFFF"/>
-                </a:solidFill>
-              </a14:hiddenFill>
-            </a:ext>
-          </a:extLst>
-        </p:spPr>
-      </p:pic>
     </p:spTree>
     <p:extLst>
       <p:ext uri="{BB962C8B-B14F-4D97-AF65-F5344CB8AC3E}">
@@ -17989,10 +18179,10 @@
       </p:grpSpPr>
       <p:sp>
         <p:nvSpPr>
-          <p:cNvPr id="5" name="Text Placeholder 4">
-            <a:extLst>
-              <a:ext uri="{FF2B5EF4-FFF2-40B4-BE49-F238E27FC236}">
-                <a16:creationId xmlns:a16="http://schemas.microsoft.com/office/drawing/2014/main" id="{F65802CA-FDE5-45DD-A9D8-4D2F809FE948}"/>
+          <p:cNvPr id="6" name="Content Placeholder 5">
+            <a:extLst>
+              <a:ext uri="{FF2B5EF4-FFF2-40B4-BE49-F238E27FC236}">
+                <a16:creationId xmlns="" xmlns:a16="http://schemas.microsoft.com/office/drawing/2014/main" id="{55B9F3A6-B9EE-4C9C-8888-FDF951DE4D7A}"/>
               </a:ext>
             </a:extLst>
           </p:cNvPr>
@@ -18000,29 +18190,27 @@
             <a:spLocks noGrp="1"/>
           </p:cNvSpPr>
           <p:nvPr>
-            <p:ph type="body" idx="1"/>
+            <p:ph sz="half" idx="2"/>
           </p:nvPr>
         </p:nvSpPr>
         <p:spPr>
           <a:xfrm>
-            <a:off x="630749" y="2048069"/>
-            <a:ext cx="4639736" cy="736282"/>
+            <a:off x="637390" y="4110630"/>
+            <a:ext cx="4649096" cy="679256"/>
           </a:xfrm>
         </p:spPr>
         <p:txBody>
-          <a:bodyPr/>
+          <a:bodyPr>
+            <a:noAutofit/>
+          </a:bodyPr>
           <a:lstStyle/>
           <a:p>
-            <a:pPr marL="342900" indent="-342900" algn="ctr">
-              <a:buFont typeface="Wingdings" panose="05000000000000000000" pitchFamily="2" charset="2"/>
-              <a:buChar char="§"/>
-            </a:pPr>
-            <a:r>
-              <a:rPr lang="en-IN" cap="none" dirty="0">
-                <a:latin typeface="+mj-lt"/>
-              </a:rPr>
-              <a:t>Logistic Regression</a:t>
-            </a:r>
+            <a:pPr algn="ctr"/>
+            <a:r>
+              <a:rPr lang="en-US" sz="3200" dirty="0" smtClean="0"/>
+              <a:t>RMS Value = 251.75</a:t>
+            </a:r>
+            <a:endParaRPr lang="en-IN" sz="3200" dirty="0"/>
           </a:p>
         </p:txBody>
       </p:sp>
@@ -18031,7 +18219,7 @@
           <p:cNvPr id="9" name="Text Placeholder 8">
             <a:extLst>
               <a:ext uri="{FF2B5EF4-FFF2-40B4-BE49-F238E27FC236}">
-                <a16:creationId xmlns:a16="http://schemas.microsoft.com/office/drawing/2014/main" id="{CDB50D8A-9D80-48F0-9BDA-BA5229DA8597}"/>
+                <a16:creationId xmlns="" xmlns:a16="http://schemas.microsoft.com/office/drawing/2014/main" id="{CDB50D8A-9D80-48F0-9BDA-BA5229DA8597}"/>
               </a:ext>
             </a:extLst>
           </p:cNvPr>
@@ -18042,7 +18230,12 @@
             <p:ph type="body" sz="quarter" idx="3"/>
           </p:nvPr>
         </p:nvSpPr>
-        <p:spPr/>
+        <p:spPr>
+          <a:xfrm>
+            <a:off x="-188259" y="2057400"/>
+            <a:ext cx="11343939" cy="736282"/>
+          </a:xfrm>
+        </p:spPr>
         <p:txBody>
           <a:bodyPr/>
           <a:lstStyle/>
@@ -18052,10 +18245,10 @@
               <a:buChar char="§"/>
             </a:pPr>
             <a:r>
-              <a:rPr lang="en-IN" cap="none" dirty="0">
+              <a:rPr lang="en-IN" dirty="0">
                 <a:latin typeface="+mj-lt"/>
               </a:rPr>
-              <a:t>Random Forest</a:t>
+              <a:t>LSTM</a:t>
             </a:r>
           </a:p>
         </p:txBody>
@@ -18065,7 +18258,7 @@
           <p:cNvPr id="118" name="Footer Placeholder 117">
             <a:extLst>
               <a:ext uri="{FF2B5EF4-FFF2-40B4-BE49-F238E27FC236}">
-                <a16:creationId xmlns:a16="http://schemas.microsoft.com/office/drawing/2014/main" id="{8555DE26-283D-4F5B-8E77-F1A08F07672E}"/>
+                <a16:creationId xmlns="" xmlns:a16="http://schemas.microsoft.com/office/drawing/2014/main" id="{8555DE26-283D-4F5B-8E77-F1A08F07672E}"/>
               </a:ext>
             </a:extLst>
           </p:cNvPr>
@@ -18094,7 +18287,7 @@
           <p:cNvPr id="119" name="Rectangle 118">
             <a:extLst>
               <a:ext uri="{FF2B5EF4-FFF2-40B4-BE49-F238E27FC236}">
-                <a16:creationId xmlns:a16="http://schemas.microsoft.com/office/drawing/2014/main" id="{2E2C032A-B57A-4F42-B962-257FA7EB0A8D}"/>
+                <a16:creationId xmlns="" xmlns:a16="http://schemas.microsoft.com/office/drawing/2014/main" id="{2E2C032A-B57A-4F42-B962-257FA7EB0A8D}"/>
               </a:ext>
             </a:extLst>
           </p:cNvPr>
@@ -18149,7 +18342,7 @@
           <p:cNvPr id="10" name="Rectangle 9">
             <a:extLst>
               <a:ext uri="{FF2B5EF4-FFF2-40B4-BE49-F238E27FC236}">
-                <a16:creationId xmlns:a16="http://schemas.microsoft.com/office/drawing/2014/main" id="{8422AED0-8059-4E23-BB3F-C6291E827C9E}"/>
+                <a16:creationId xmlns="" xmlns:a16="http://schemas.microsoft.com/office/drawing/2014/main" id="{8422AED0-8059-4E23-BB3F-C6291E827C9E}"/>
               </a:ext>
             </a:extLst>
           </p:cNvPr>
@@ -18214,7 +18407,7 @@
                 <a:ea typeface="Calibri" panose="020F0502020204030204" pitchFamily="34" charset="0"/>
                 <a:cs typeface="Shruti" panose="020B0502040204020203" pitchFamily="34" charset="0"/>
               </a:rPr>
-              <a:t>Sentiment </a:t>
+              <a:t>Historical </a:t>
             </a:r>
             <a:r>
               <a:rPr lang="en-IN" sz="4400" dirty="0">
@@ -18245,7 +18438,7 @@
           <p:cNvPr id="8" name="TextBox 7">
             <a:extLst>
               <a:ext uri="{FF2B5EF4-FFF2-40B4-BE49-F238E27FC236}">
-                <a16:creationId xmlns:a16="http://schemas.microsoft.com/office/drawing/2014/main" id="{B9CFC7C6-08F0-4E35-BEBE-E203636CB0D9}"/>
+                <a16:creationId xmlns="" xmlns:a16="http://schemas.microsoft.com/office/drawing/2014/main" id="{B9CFC7C6-08F0-4E35-BEBE-E203636CB0D9}"/>
               </a:ext>
             </a:extLst>
           </p:cNvPr>
@@ -18287,7 +18480,7 @@
           <p:cNvPr id="23" name="TextBox 22">
             <a:extLst>
               <a:ext uri="{FF2B5EF4-FFF2-40B4-BE49-F238E27FC236}">
-                <a16:creationId xmlns:a16="http://schemas.microsoft.com/office/drawing/2014/main" id="{BDBE1AE5-94D9-4834-93C5-A0C1C7DE5DD0}"/>
+                <a16:creationId xmlns="" xmlns:a16="http://schemas.microsoft.com/office/drawing/2014/main" id="{BDBE1AE5-94D9-4834-93C5-A0C1C7DE5DD0}"/>
               </a:ext>
             </a:extLst>
           </p:cNvPr>
@@ -18329,7 +18522,7 @@
           <p:cNvPr id="25" name="Group 24">
             <a:extLst>
               <a:ext uri="{FF2B5EF4-FFF2-40B4-BE49-F238E27FC236}">
-                <a16:creationId xmlns:a16="http://schemas.microsoft.com/office/drawing/2014/main" id="{44ED5114-D3F6-49C7-AE87-6CED5AC037FB}"/>
+                <a16:creationId xmlns="" xmlns:a16="http://schemas.microsoft.com/office/drawing/2014/main" id="{44ED5114-D3F6-49C7-AE87-6CED5AC037FB}"/>
               </a:ext>
             </a:extLst>
           </p:cNvPr>
@@ -18349,7 +18542,7 @@
             <p:cNvPr id="26" name="TextBox 25">
               <a:extLst>
                 <a:ext uri="{FF2B5EF4-FFF2-40B4-BE49-F238E27FC236}">
-                  <a16:creationId xmlns:a16="http://schemas.microsoft.com/office/drawing/2014/main" id="{9C0CC259-194F-4463-B991-81ABEFCE5989}"/>
+                  <a16:creationId xmlns="" xmlns:a16="http://schemas.microsoft.com/office/drawing/2014/main" id="{9C0CC259-194F-4463-B991-81ABEFCE5989}"/>
                 </a:ext>
               </a:extLst>
             </p:cNvPr>
@@ -18389,7 +18582,527 @@
             <p:cNvPr id="27" name="TextBox 26">
               <a:extLst>
                 <a:ext uri="{FF2B5EF4-FFF2-40B4-BE49-F238E27FC236}">
-                  <a16:creationId xmlns:a16="http://schemas.microsoft.com/office/drawing/2014/main" id="{0D03164A-D5AA-44D6-A57C-8A887EC01A96}"/>
+                  <a16:creationId xmlns="" xmlns:a16="http://schemas.microsoft.com/office/drawing/2014/main" id="{0D03164A-D5AA-44D6-A57C-8A887EC01A96}"/>
+                </a:ext>
+              </a:extLst>
+            </p:cNvPr>
+            <p:cNvSpPr txBox="1"/>
+            <p:nvPr/>
+          </p:nvSpPr>
+          <p:spPr>
+            <a:xfrm>
+              <a:off x="10944688" y="6490152"/>
+              <a:ext cx="2494624" cy="276999"/>
+            </a:xfrm>
+            <a:prstGeom prst="rect">
+              <a:avLst/>
+            </a:prstGeom>
+            <a:noFill/>
+          </p:spPr>
+          <p:txBody>
+            <a:bodyPr wrap="square" rtlCol="0">
+              <a:spAutoFit/>
+            </a:bodyPr>
+            <a:lstStyle/>
+            <a:p>
+              <a:r>
+                <a:rPr lang="en-IN" sz="1200" dirty="0">
+                  <a:solidFill>
+                    <a:schemeClr val="accent1"/>
+                  </a:solidFill>
+                  <a:latin typeface="+mj-lt"/>
+                </a:rPr>
+                <a:t>20MCED08</a:t>
+              </a:r>
+            </a:p>
+          </p:txBody>
+        </p:sp>
+      </p:grpSp>
+      <p:pic>
+        <p:nvPicPr>
+          <p:cNvPr id="2052" name="Picture 4">
+            <a:extLst>
+              <a:ext uri="{FF2B5EF4-FFF2-40B4-BE49-F238E27FC236}">
+                <a16:creationId xmlns="" xmlns:a16="http://schemas.microsoft.com/office/drawing/2014/main" id="{089B006B-97F8-4272-A6C8-DAD11ED8E91D}"/>
+              </a:ext>
+            </a:extLst>
+          </p:cNvPr>
+          <p:cNvPicPr>
+            <a:picLocks noGrp="1" noChangeAspect="1" noChangeArrowheads="1"/>
+          </p:cNvPicPr>
+          <p:nvPr>
+            <p:ph sz="quarter" idx="4"/>
+          </p:nvPr>
+        </p:nvPicPr>
+        <p:blipFill>
+          <a:blip r:embed="rId3">
+            <a:extLst>
+              <a:ext uri="{28A0092B-C50C-407E-A947-70E740481C1C}">
+                <a14:useLocalDpi xmlns:a14="http://schemas.microsoft.com/office/drawing/2010/main" val="0"/>
+              </a:ext>
+            </a:extLst>
+          </a:blip>
+          <a:srcRect/>
+          <a:stretch>
+            <a:fillRect/>
+          </a:stretch>
+        </p:blipFill>
+        <p:spPr bwMode="auto">
+          <a:xfrm>
+            <a:off x="5576047" y="2659225"/>
+            <a:ext cx="5853953" cy="3582066"/>
+          </a:xfrm>
+          <a:prstGeom prst="rect">
+            <a:avLst/>
+          </a:prstGeom>
+          <a:noFill/>
+          <a:extLst>
+            <a:ext uri="{909E8E84-426E-40DD-AFC4-6F175D3DCCD1}">
+              <a14:hiddenFill xmlns:a14="http://schemas.microsoft.com/office/drawing/2010/main">
+                <a:solidFill>
+                  <a:srgbClr val="FFFFFF"/>
+                </a:solidFill>
+              </a14:hiddenFill>
+            </a:ext>
+          </a:extLst>
+        </p:spPr>
+      </p:pic>
+    </p:spTree>
+    <p:extLst>
+      <p:ext uri="{BB962C8B-B14F-4D97-AF65-F5344CB8AC3E}">
+        <p14:creationId xmlns:p14="http://schemas.microsoft.com/office/powerpoint/2010/main" val="527085785"/>
+      </p:ext>
+    </p:extLst>
+  </p:cSld>
+  <p:clrMapOvr>
+    <a:masterClrMapping/>
+  </p:clrMapOvr>
+  <p:transition spd="slow">
+    <p:cover/>
+  </p:transition>
+</p:sld>
+</file>
+
+<file path=ppt/slides/slide38.xml><?xml version="1.0" encoding="utf-8"?>
+<p:sld xmlns:a="http://schemas.openxmlformats.org/drawingml/2006/main" xmlns:r="http://schemas.openxmlformats.org/officeDocument/2006/relationships" xmlns:p="http://schemas.openxmlformats.org/presentationml/2006/main">
+  <p:cSld>
+    <p:spTree>
+      <p:nvGrpSpPr>
+        <p:cNvPr id="1" name=""/>
+        <p:cNvGrpSpPr/>
+        <p:nvPr/>
+      </p:nvGrpSpPr>
+      <p:grpSpPr>
+        <a:xfrm>
+          <a:off x="0" y="0"/>
+          <a:ext cx="0" cy="0"/>
+          <a:chOff x="0" y="0"/>
+          <a:chExt cx="0" cy="0"/>
+        </a:xfrm>
+      </p:grpSpPr>
+      <p:sp>
+        <p:nvSpPr>
+          <p:cNvPr id="5" name="Text Placeholder 4">
+            <a:extLst>
+              <a:ext uri="{FF2B5EF4-FFF2-40B4-BE49-F238E27FC236}">
+                <a16:creationId xmlns="" xmlns:a16="http://schemas.microsoft.com/office/drawing/2014/main" id="{F65802CA-FDE5-45DD-A9D8-4D2F809FE948}"/>
+              </a:ext>
+            </a:extLst>
+          </p:cNvPr>
+          <p:cNvSpPr>
+            <a:spLocks noGrp="1"/>
+          </p:cNvSpPr>
+          <p:nvPr>
+            <p:ph type="body" idx="1"/>
+          </p:nvPr>
+        </p:nvSpPr>
+        <p:spPr>
+          <a:xfrm>
+            <a:off x="630749" y="2048069"/>
+            <a:ext cx="4639736" cy="736282"/>
+          </a:xfrm>
+        </p:spPr>
+        <p:txBody>
+          <a:bodyPr/>
+          <a:lstStyle/>
+          <a:p>
+            <a:pPr marL="342900" indent="-342900" algn="ctr">
+              <a:buFont typeface="Wingdings" panose="05000000000000000000" pitchFamily="2" charset="2"/>
+              <a:buChar char="§"/>
+            </a:pPr>
+            <a:r>
+              <a:rPr lang="en-IN" cap="none" dirty="0">
+                <a:latin typeface="+mj-lt"/>
+              </a:rPr>
+              <a:t>Logistic Regression</a:t>
+            </a:r>
+          </a:p>
+        </p:txBody>
+      </p:sp>
+      <p:sp>
+        <p:nvSpPr>
+          <p:cNvPr id="9" name="Text Placeholder 8">
+            <a:extLst>
+              <a:ext uri="{FF2B5EF4-FFF2-40B4-BE49-F238E27FC236}">
+                <a16:creationId xmlns="" xmlns:a16="http://schemas.microsoft.com/office/drawing/2014/main" id="{CDB50D8A-9D80-48F0-9BDA-BA5229DA8597}"/>
+              </a:ext>
+            </a:extLst>
+          </p:cNvPr>
+          <p:cNvSpPr>
+            <a:spLocks noGrp="1"/>
+          </p:cNvSpPr>
+          <p:nvPr>
+            <p:ph type="body" sz="quarter" idx="3"/>
+          </p:nvPr>
+        </p:nvSpPr>
+        <p:spPr/>
+        <p:txBody>
+          <a:bodyPr/>
+          <a:lstStyle/>
+          <a:p>
+            <a:pPr marL="342900" indent="-342900" algn="ctr">
+              <a:buFont typeface="Wingdings" panose="05000000000000000000" pitchFamily="2" charset="2"/>
+              <a:buChar char="§"/>
+            </a:pPr>
+            <a:r>
+              <a:rPr lang="en-IN" cap="none" dirty="0">
+                <a:latin typeface="+mj-lt"/>
+              </a:rPr>
+              <a:t>Random Forest</a:t>
+            </a:r>
+          </a:p>
+        </p:txBody>
+      </p:sp>
+      <p:sp>
+        <p:nvSpPr>
+          <p:cNvPr id="118" name="Footer Placeholder 117">
+            <a:extLst>
+              <a:ext uri="{FF2B5EF4-FFF2-40B4-BE49-F238E27FC236}">
+                <a16:creationId xmlns="" xmlns:a16="http://schemas.microsoft.com/office/drawing/2014/main" id="{8555DE26-283D-4F5B-8E77-F1A08F07672E}"/>
+              </a:ext>
+            </a:extLst>
+          </p:cNvPr>
+          <p:cNvSpPr>
+            <a:spLocks noGrp="1"/>
+          </p:cNvSpPr>
+          <p:nvPr>
+            <p:ph type="ftr" sz="quarter" idx="11"/>
+          </p:nvPr>
+        </p:nvSpPr>
+        <p:spPr/>
+        <p:txBody>
+          <a:bodyPr/>
+          <a:lstStyle/>
+          <a:p>
+            <a:r>
+              <a:rPr lang="en-US"/>
+              <a:t>sd</a:t>
+            </a:r>
+            <a:endParaRPr lang="en-US" dirty="0"/>
+          </a:p>
+        </p:txBody>
+      </p:sp>
+      <p:sp>
+        <p:nvSpPr>
+          <p:cNvPr id="119" name="Rectangle 118">
+            <a:extLst>
+              <a:ext uri="{FF2B5EF4-FFF2-40B4-BE49-F238E27FC236}">
+                <a16:creationId xmlns="" xmlns:a16="http://schemas.microsoft.com/office/drawing/2014/main" id="{2E2C032A-B57A-4F42-B962-257FA7EB0A8D}"/>
+              </a:ext>
+            </a:extLst>
+          </p:cNvPr>
+          <p:cNvSpPr/>
+          <p:nvPr/>
+        </p:nvSpPr>
+        <p:spPr>
+          <a:xfrm>
+            <a:off x="0" y="6383242"/>
+            <a:ext cx="12192000" cy="474758"/>
+          </a:xfrm>
+          <a:prstGeom prst="rect">
+            <a:avLst/>
+          </a:prstGeom>
+          <a:solidFill>
+            <a:schemeClr val="tx1">
+              <a:lumMod val="85000"/>
+              <a:lumOff val="15000"/>
+            </a:schemeClr>
+          </a:solidFill>
+          <a:ln>
+            <a:noFill/>
+          </a:ln>
+        </p:spPr>
+        <p:style>
+          <a:lnRef idx="2">
+            <a:schemeClr val="accent1">
+              <a:shade val="50000"/>
+            </a:schemeClr>
+          </a:lnRef>
+          <a:fillRef idx="1">
+            <a:schemeClr val="accent1"/>
+          </a:fillRef>
+          <a:effectRef idx="0">
+            <a:schemeClr val="accent1"/>
+          </a:effectRef>
+          <a:fontRef idx="minor">
+            <a:schemeClr val="lt1"/>
+          </a:fontRef>
+        </p:style>
+        <p:txBody>
+          <a:bodyPr rtlCol="0" anchor="ctr"/>
+          <a:lstStyle/>
+          <a:p>
+            <a:pPr algn="ctr"/>
+            <a:endParaRPr lang="en-IN"/>
+          </a:p>
+        </p:txBody>
+      </p:sp>
+      <p:sp>
+        <p:nvSpPr>
+          <p:cNvPr id="10" name="Rectangle 9">
+            <a:extLst>
+              <a:ext uri="{FF2B5EF4-FFF2-40B4-BE49-F238E27FC236}">
+                <a16:creationId xmlns="" xmlns:a16="http://schemas.microsoft.com/office/drawing/2014/main" id="{8422AED0-8059-4E23-BB3F-C6291E827C9E}"/>
+              </a:ext>
+            </a:extLst>
+          </p:cNvPr>
+          <p:cNvSpPr/>
+          <p:nvPr/>
+        </p:nvSpPr>
+        <p:spPr>
+          <a:xfrm>
+            <a:off x="0" y="1"/>
+            <a:ext cx="12192000" cy="1408922"/>
+          </a:xfrm>
+          <a:prstGeom prst="rect">
+            <a:avLst/>
+          </a:prstGeom>
+          <a:solidFill>
+            <a:schemeClr val="tx1">
+              <a:lumMod val="85000"/>
+              <a:lumOff val="15000"/>
+            </a:schemeClr>
+          </a:solidFill>
+          <a:ln>
+            <a:solidFill>
+              <a:schemeClr val="tx1">
+                <a:lumMod val="85000"/>
+                <a:lumOff val="15000"/>
+              </a:schemeClr>
+            </a:solidFill>
+          </a:ln>
+        </p:spPr>
+        <p:style>
+          <a:lnRef idx="2">
+            <a:schemeClr val="accent1">
+              <a:shade val="50000"/>
+            </a:schemeClr>
+          </a:lnRef>
+          <a:fillRef idx="1">
+            <a:schemeClr val="accent1"/>
+          </a:fillRef>
+          <a:effectRef idx="0">
+            <a:schemeClr val="accent1"/>
+          </a:effectRef>
+          <a:fontRef idx="minor">
+            <a:schemeClr val="lt1"/>
+          </a:fontRef>
+        </p:style>
+        <p:txBody>
+          <a:bodyPr rtlCol="0" anchor="ctr"/>
+          <a:lstStyle/>
+          <a:p>
+            <a:pPr marL="457200" algn="just">
+              <a:lnSpc>
+                <a:spcPct val="107000"/>
+              </a:lnSpc>
+              <a:spcAft>
+                <a:spcPts val="800"/>
+              </a:spcAft>
+            </a:pPr>
+            <a:r>
+              <a:rPr lang="en-IN" sz="4400" dirty="0">
+                <a:effectLst/>
+                <a:latin typeface="+mj-lt"/>
+                <a:ea typeface="Calibri" panose="020F0502020204030204" pitchFamily="34" charset="0"/>
+                <a:cs typeface="Shruti" panose="020B0502040204020203" pitchFamily="34" charset="0"/>
+              </a:rPr>
+              <a:t>Sentiment </a:t>
+            </a:r>
+            <a:r>
+              <a:rPr lang="en-IN" sz="4400" dirty="0">
+                <a:solidFill>
+                  <a:schemeClr val="accent1"/>
+                </a:solidFill>
+                <a:effectLst/>
+                <a:latin typeface="+mj-lt"/>
+                <a:ea typeface="Calibri" panose="020F0502020204030204" pitchFamily="34" charset="0"/>
+                <a:cs typeface="Shruti" panose="020B0502040204020203" pitchFamily="34" charset="0"/>
+              </a:rPr>
+              <a:t>Data</a:t>
+            </a:r>
+            <a:r>
+              <a:rPr lang="en-IN" sz="4400" dirty="0">
+                <a:effectLst/>
+                <a:latin typeface="+mj-lt"/>
+                <a:ea typeface="Calibri" panose="020F0502020204030204" pitchFamily="34" charset="0"/>
+                <a:cs typeface="Shruti" panose="020B0502040204020203" pitchFamily="34" charset="0"/>
+              </a:rPr>
+              <a:t> Analysis</a:t>
+            </a:r>
+          </a:p>
+        </p:txBody>
+      </p:sp>
+      <p:sp>
+        <p:nvSpPr>
+          <p:cNvPr id="8" name="TextBox 7">
+            <a:extLst>
+              <a:ext uri="{FF2B5EF4-FFF2-40B4-BE49-F238E27FC236}">
+                <a16:creationId xmlns="" xmlns:a16="http://schemas.microsoft.com/office/drawing/2014/main" id="{B9CFC7C6-08F0-4E35-BEBE-E203636CB0D9}"/>
+              </a:ext>
+            </a:extLst>
+          </p:cNvPr>
+          <p:cNvSpPr txBox="1"/>
+          <p:nvPr/>
+        </p:nvSpPr>
+        <p:spPr>
+          <a:xfrm>
+            <a:off x="275209" y="6488671"/>
+            <a:ext cx="2494624" cy="276999"/>
+          </a:xfrm>
+          <a:prstGeom prst="rect">
+            <a:avLst/>
+          </a:prstGeom>
+          <a:noFill/>
+        </p:spPr>
+        <p:txBody>
+          <a:bodyPr wrap="square" rtlCol="0">
+            <a:spAutoFit/>
+          </a:bodyPr>
+          <a:lstStyle/>
+          <a:p>
+            <a:r>
+              <a:rPr lang="en-IN" sz="1200" dirty="0">
+                <a:solidFill>
+                  <a:schemeClr val="tx1">
+                    <a:lumMod val="85000"/>
+                    <a:lumOff val="15000"/>
+                  </a:schemeClr>
+                </a:solidFill>
+              </a:rPr>
+              <a:t>Fountain Codes</a:t>
+            </a:r>
+          </a:p>
+        </p:txBody>
+      </p:sp>
+      <p:sp>
+        <p:nvSpPr>
+          <p:cNvPr id="23" name="TextBox 22">
+            <a:extLst>
+              <a:ext uri="{FF2B5EF4-FFF2-40B4-BE49-F238E27FC236}">
+                <a16:creationId xmlns="" xmlns:a16="http://schemas.microsoft.com/office/drawing/2014/main" id="{BDBE1AE5-94D9-4834-93C5-A0C1C7DE5DD0}"/>
+              </a:ext>
+            </a:extLst>
+          </p:cNvPr>
+          <p:cNvSpPr txBox="1"/>
+          <p:nvPr/>
+        </p:nvSpPr>
+        <p:spPr>
+          <a:xfrm>
+            <a:off x="10944688" y="6490152"/>
+            <a:ext cx="2494624" cy="276999"/>
+          </a:xfrm>
+          <a:prstGeom prst="rect">
+            <a:avLst/>
+          </a:prstGeom>
+          <a:noFill/>
+        </p:spPr>
+        <p:txBody>
+          <a:bodyPr wrap="square" rtlCol="0">
+            <a:spAutoFit/>
+          </a:bodyPr>
+          <a:lstStyle/>
+          <a:p>
+            <a:r>
+              <a:rPr lang="en-IN" sz="1200" dirty="0">
+                <a:solidFill>
+                  <a:schemeClr val="tx1">
+                    <a:lumMod val="85000"/>
+                    <a:lumOff val="15000"/>
+                  </a:schemeClr>
+                </a:solidFill>
+              </a:rPr>
+              <a:t>20MCED08</a:t>
+            </a:r>
+          </a:p>
+        </p:txBody>
+      </p:sp>
+      <p:grpSp>
+        <p:nvGrpSpPr>
+          <p:cNvPr id="25" name="Group 24">
+            <a:extLst>
+              <a:ext uri="{FF2B5EF4-FFF2-40B4-BE49-F238E27FC236}">
+                <a16:creationId xmlns="" xmlns:a16="http://schemas.microsoft.com/office/drawing/2014/main" id="{44ED5114-D3F6-49C7-AE87-6CED5AC037FB}"/>
+              </a:ext>
+            </a:extLst>
+          </p:cNvPr>
+          <p:cNvGrpSpPr/>
+          <p:nvPr/>
+        </p:nvGrpSpPr>
+        <p:grpSpPr>
+          <a:xfrm>
+            <a:off x="275209" y="6488671"/>
+            <a:ext cx="13164103" cy="278480"/>
+            <a:chOff x="275209" y="6488671"/>
+            <a:chExt cx="13164103" cy="278480"/>
+          </a:xfrm>
+        </p:grpSpPr>
+        <p:sp>
+          <p:nvSpPr>
+            <p:cNvPr id="26" name="TextBox 25">
+              <a:extLst>
+                <a:ext uri="{FF2B5EF4-FFF2-40B4-BE49-F238E27FC236}">
+                  <a16:creationId xmlns="" xmlns:a16="http://schemas.microsoft.com/office/drawing/2014/main" id="{9C0CC259-194F-4463-B991-81ABEFCE5989}"/>
+                </a:ext>
+              </a:extLst>
+            </p:cNvPr>
+            <p:cNvSpPr txBox="1"/>
+            <p:nvPr/>
+          </p:nvSpPr>
+          <p:spPr>
+            <a:xfrm>
+              <a:off x="275209" y="6488671"/>
+              <a:ext cx="2494624" cy="276999"/>
+            </a:xfrm>
+            <a:prstGeom prst="rect">
+              <a:avLst/>
+            </a:prstGeom>
+            <a:noFill/>
+          </p:spPr>
+          <p:txBody>
+            <a:bodyPr wrap="square" rtlCol="0">
+              <a:spAutoFit/>
+            </a:bodyPr>
+            <a:lstStyle/>
+            <a:p>
+              <a:r>
+                <a:rPr lang="en-IN" sz="1200" dirty="0">
+                  <a:solidFill>
+                    <a:schemeClr val="accent1"/>
+                  </a:solidFill>
+                  <a:latin typeface="+mj-lt"/>
+                </a:rPr>
+                <a:t>20MCED05</a:t>
+              </a:r>
+            </a:p>
+          </p:txBody>
+        </p:sp>
+        <p:sp>
+          <p:nvSpPr>
+            <p:cNvPr id="27" name="TextBox 26">
+              <a:extLst>
+                <a:ext uri="{FF2B5EF4-FFF2-40B4-BE49-F238E27FC236}">
+                  <a16:creationId xmlns="" xmlns:a16="http://schemas.microsoft.com/office/drawing/2014/main" id="{0D03164A-D5AA-44D6-A57C-8A887EC01A96}"/>
                 </a:ext>
               </a:extLst>
             </p:cNvPr>
@@ -18430,7 +19143,7 @@
           <p:cNvPr id="17" name="Content Placeholder 16">
             <a:extLst>
               <a:ext uri="{FF2B5EF4-FFF2-40B4-BE49-F238E27FC236}">
-                <a16:creationId xmlns:a16="http://schemas.microsoft.com/office/drawing/2014/main" id="{728AE518-E440-4ECA-85CC-D71F368F80DE}"/>
+                <a16:creationId xmlns="" xmlns:a16="http://schemas.microsoft.com/office/drawing/2014/main" id="{728AE518-E440-4ECA-85CC-D71F368F80DE}"/>
               </a:ext>
             </a:extLst>
           </p:cNvPr>
@@ -18459,7 +19172,7 @@
           <p:cNvPr id="15" name="Content Placeholder 14">
             <a:extLst>
               <a:ext uri="{FF2B5EF4-FFF2-40B4-BE49-F238E27FC236}">
-                <a16:creationId xmlns:a16="http://schemas.microsoft.com/office/drawing/2014/main" id="{8BDC5D26-CB07-42DF-9D25-10479476A9C9}"/>
+                <a16:creationId xmlns="" xmlns:a16="http://schemas.microsoft.com/office/drawing/2014/main" id="{8BDC5D26-CB07-42DF-9D25-10479476A9C9}"/>
               </a:ext>
             </a:extLst>
           </p:cNvPr>
@@ -18499,7 +19212,7 @@
 </p:sld>
 </file>
 
-<file path=ppt/slides/slide38.xml><?xml version="1.0" encoding="utf-8"?>
+<file path=ppt/slides/slide39.xml><?xml version="1.0" encoding="utf-8"?>
 <p:sld xmlns:a="http://schemas.openxmlformats.org/drawingml/2006/main" xmlns:r="http://schemas.openxmlformats.org/officeDocument/2006/relationships" xmlns:p="http://schemas.openxmlformats.org/presentationml/2006/main">
   <p:cSld>
     <p:spTree>
@@ -18521,7 +19234,7 @@
           <p:cNvPr id="2" name="Title 1">
             <a:extLst>
               <a:ext uri="{FF2B5EF4-FFF2-40B4-BE49-F238E27FC236}">
-                <a16:creationId xmlns:a16="http://schemas.microsoft.com/office/drawing/2014/main" id="{4010AF38-26DF-48B3-952C-4A9091D6863C}"/>
+                <a16:creationId xmlns="" xmlns:a16="http://schemas.microsoft.com/office/drawing/2014/main" id="{4010AF38-26DF-48B3-952C-4A9091D6863C}"/>
               </a:ext>
             </a:extLst>
           </p:cNvPr>
@@ -18569,6 +19282,15 @@
               </a:rPr>
               <a:t>	</a:t>
             </a:r>
+            <a:r>
+              <a:rPr lang="en-IN" sz="7200" dirty="0">
+                <a:effectLst/>
+                <a:latin typeface="+mj-lt"/>
+                <a:ea typeface="Calibri" panose="020F0502020204030204" pitchFamily="34" charset="0"/>
+                <a:cs typeface="Shruti" panose="020B0502040204020203" pitchFamily="34" charset="0"/>
+              </a:rPr>
+              <a:t/>
+            </a:r>
             <a:br>
               <a:rPr lang="en-IN" sz="7200" dirty="0">
                 <a:effectLst/>
@@ -18590,7 +19312,7 @@
           <p:cNvPr id="118" name="Footer Placeholder 117">
             <a:extLst>
               <a:ext uri="{FF2B5EF4-FFF2-40B4-BE49-F238E27FC236}">
-                <a16:creationId xmlns:a16="http://schemas.microsoft.com/office/drawing/2014/main" id="{8555DE26-283D-4F5B-8E77-F1A08F07672E}"/>
+                <a16:creationId xmlns="" xmlns:a16="http://schemas.microsoft.com/office/drawing/2014/main" id="{8555DE26-283D-4F5B-8E77-F1A08F07672E}"/>
               </a:ext>
             </a:extLst>
           </p:cNvPr>
@@ -18619,7 +19341,7 @@
           <p:cNvPr id="119" name="Rectangle 118">
             <a:extLst>
               <a:ext uri="{FF2B5EF4-FFF2-40B4-BE49-F238E27FC236}">
-                <a16:creationId xmlns:a16="http://schemas.microsoft.com/office/drawing/2014/main" id="{2E2C032A-B57A-4F42-B962-257FA7EB0A8D}"/>
+                <a16:creationId xmlns="" xmlns:a16="http://schemas.microsoft.com/office/drawing/2014/main" id="{2E2C032A-B57A-4F42-B962-257FA7EB0A8D}"/>
               </a:ext>
             </a:extLst>
           </p:cNvPr>
@@ -18674,7 +19396,7 @@
           <p:cNvPr id="11" name="Group 10">
             <a:extLst>
               <a:ext uri="{FF2B5EF4-FFF2-40B4-BE49-F238E27FC236}">
-                <a16:creationId xmlns:a16="http://schemas.microsoft.com/office/drawing/2014/main" id="{604634DD-3320-4540-86E5-5F8DC40C8770}"/>
+                <a16:creationId xmlns="" xmlns:a16="http://schemas.microsoft.com/office/drawing/2014/main" id="{604634DD-3320-4540-86E5-5F8DC40C8770}"/>
               </a:ext>
             </a:extLst>
           </p:cNvPr>
@@ -18694,7 +19416,7 @@
             <p:cNvPr id="12" name="TextBox 11">
               <a:extLst>
                 <a:ext uri="{FF2B5EF4-FFF2-40B4-BE49-F238E27FC236}">
-                  <a16:creationId xmlns:a16="http://schemas.microsoft.com/office/drawing/2014/main" id="{26B3F5C8-E23E-4273-B3F5-F9264971CC52}"/>
+                  <a16:creationId xmlns="" xmlns:a16="http://schemas.microsoft.com/office/drawing/2014/main" id="{26B3F5C8-E23E-4273-B3F5-F9264971CC52}"/>
                 </a:ext>
               </a:extLst>
             </p:cNvPr>
@@ -18734,7 +19456,7 @@
             <p:cNvPr id="13" name="TextBox 12">
               <a:extLst>
                 <a:ext uri="{FF2B5EF4-FFF2-40B4-BE49-F238E27FC236}">
-                  <a16:creationId xmlns:a16="http://schemas.microsoft.com/office/drawing/2014/main" id="{ED8D353A-9B2E-4717-A032-1FB35407DE38}"/>
+                  <a16:creationId xmlns="" xmlns:a16="http://schemas.microsoft.com/office/drawing/2014/main" id="{ED8D353A-9B2E-4717-A032-1FB35407DE38}"/>
                 </a:ext>
               </a:extLst>
             </p:cNvPr>
@@ -18786,7 +19508,7 @@
 </p:sld>
 </file>
 
-<file path=ppt/slides/slide39.xml><?xml version="1.0" encoding="utf-8"?>
+<file path=ppt/slides/slide4.xml><?xml version="1.0" encoding="utf-8"?>
 <p:sld xmlns:a="http://schemas.openxmlformats.org/drawingml/2006/main" xmlns:r="http://schemas.openxmlformats.org/officeDocument/2006/relationships" xmlns:p="http://schemas.openxmlformats.org/presentationml/2006/main">
   <p:cSld>
     <p:spTree>
@@ -18808,7 +19530,7 @@
           <p:cNvPr id="118" name="Footer Placeholder 117">
             <a:extLst>
               <a:ext uri="{FF2B5EF4-FFF2-40B4-BE49-F238E27FC236}">
-                <a16:creationId xmlns:a16="http://schemas.microsoft.com/office/drawing/2014/main" id="{8555DE26-283D-4F5B-8E77-F1A08F07672E}"/>
+                <a16:creationId xmlns="" xmlns:a16="http://schemas.microsoft.com/office/drawing/2014/main" id="{8555DE26-283D-4F5B-8E77-F1A08F07672E}"/>
               </a:ext>
             </a:extLst>
           </p:cNvPr>
@@ -18837,7 +19559,7 @@
           <p:cNvPr id="119" name="Rectangle 118">
             <a:extLst>
               <a:ext uri="{FF2B5EF4-FFF2-40B4-BE49-F238E27FC236}">
-                <a16:creationId xmlns:a16="http://schemas.microsoft.com/office/drawing/2014/main" id="{2E2C032A-B57A-4F42-B962-257FA7EB0A8D}"/>
+                <a16:creationId xmlns="" xmlns:a16="http://schemas.microsoft.com/office/drawing/2014/main" id="{2E2C032A-B57A-4F42-B962-257FA7EB0A8D}"/>
               </a:ext>
             </a:extLst>
           </p:cNvPr>
@@ -18892,7 +19614,7 @@
           <p:cNvPr id="10" name="Rectangle 9">
             <a:extLst>
               <a:ext uri="{FF2B5EF4-FFF2-40B4-BE49-F238E27FC236}">
-                <a16:creationId xmlns:a16="http://schemas.microsoft.com/office/drawing/2014/main" id="{8422AED0-8059-4E23-BB3F-C6291E827C9E}"/>
+                <a16:creationId xmlns="" xmlns:a16="http://schemas.microsoft.com/office/drawing/2014/main" id="{8422AED0-8059-4E23-BB3F-C6291E827C9E}"/>
               </a:ext>
             </a:extLst>
           </p:cNvPr>
@@ -18942,29 +19664,73 @@
           <a:bodyPr rtlCol="0" anchor="ctr"/>
           <a:lstStyle/>
           <a:p>
-            <a:pPr marL="457200" algn="just">
+            <a:pPr algn="ctr"/>
+            <a:endParaRPr lang="en-IN"/>
+          </a:p>
+        </p:txBody>
+      </p:sp>
+      <p:sp>
+        <p:nvSpPr>
+          <p:cNvPr id="16" name="Title 4">
+            <a:extLst>
+              <a:ext uri="{FF2B5EF4-FFF2-40B4-BE49-F238E27FC236}">
+                <a16:creationId xmlns="" xmlns:a16="http://schemas.microsoft.com/office/drawing/2014/main" id="{5C6ED613-C127-4390-98E6-143B411C0C1E}"/>
+              </a:ext>
+            </a:extLst>
+          </p:cNvPr>
+          <p:cNvSpPr txBox="1">
+            <a:spLocks/>
+          </p:cNvSpPr>
+          <p:nvPr/>
+        </p:nvSpPr>
+        <p:spPr>
+          <a:xfrm>
+            <a:off x="383220" y="-102675"/>
+            <a:ext cx="10058400" cy="1487591"/>
+          </a:xfrm>
+          <a:prstGeom prst="rect">
+            <a:avLst/>
+          </a:prstGeom>
+        </p:spPr>
+        <p:txBody>
+          <a:bodyPr vert="horz" lIns="91440" tIns="45720" rIns="91440" bIns="45720" rtlCol="0" anchor="b">
+            <a:normAutofit fontScale="97500"/>
+          </a:bodyPr>
+          <a:lstStyle>
+            <a:lvl1pPr algn="l" defTabSz="914400" rtl="0" eaLnBrk="1" latinLnBrk="0" hangingPunct="1">
               <a:lnSpc>
-                <a:spcPct val="107000"/>
+                <a:spcPct val="90000"/>
               </a:lnSpc>
-              <a:spcAft>
-                <a:spcPts val="800"/>
-              </a:spcAft>
+              <a:spcBef>
+                <a:spcPct val="0"/>
+              </a:spcBef>
+              <a:buNone/>
+              <a:defRPr sz="4700" i="0" kern="1200" spc="-50" baseline="0">
+                <a:solidFill>
+                  <a:schemeClr val="tx1">
+                    <a:lumMod val="75000"/>
+                    <a:lumOff val="25000"/>
+                  </a:schemeClr>
+                </a:solidFill>
+                <a:latin typeface="+mj-lt"/>
+                <a:ea typeface="+mj-ea"/>
+                <a:cs typeface="+mj-cs"/>
+              </a:defRPr>
+            </a:lvl1pPr>
+          </a:lstStyle>
+          <a:p>
+            <a:pPr marL="457200" indent="-457200">
+              <a:buFont typeface="Arial" panose="020B0604020202020204" pitchFamily="34" charset="0"/>
+              <a:buChar char="•"/>
             </a:pPr>
             <a:r>
-              <a:rPr lang="en-US" sz="4400" dirty="0">
-                <a:effectLst/>
-                <a:latin typeface="+mj-lt"/>
-                <a:ea typeface="Calibri" panose="020F0502020204030204" pitchFamily="34" charset="0"/>
-                <a:cs typeface="Shruti" panose="020B0502040204020203" pitchFamily="34" charset="0"/>
-              </a:rPr>
-              <a:t>Conclusion</a:t>
-            </a:r>
-            <a:endParaRPr lang="en-IN" sz="4400" dirty="0">
-              <a:effectLst/>
-              <a:latin typeface="+mj-lt"/>
-              <a:ea typeface="Calibri" panose="020F0502020204030204" pitchFamily="34" charset="0"/>
-              <a:cs typeface="Shruti" panose="020B0502040204020203" pitchFamily="34" charset="0"/>
-            </a:endParaRPr>
+              <a:rPr lang="en-IN" sz="7200" dirty="0">
+                <a:solidFill>
+                  <a:schemeClr val="bg1"/>
+                </a:solidFill>
+              </a:rPr>
+              <a:t>Introduction</a:t>
+            </a:r>
           </a:p>
         </p:txBody>
       </p:sp>
@@ -18973,7 +19739,7 @@
           <p:cNvPr id="8" name="TextBox 7">
             <a:extLst>
               <a:ext uri="{FF2B5EF4-FFF2-40B4-BE49-F238E27FC236}">
-                <a16:creationId xmlns:a16="http://schemas.microsoft.com/office/drawing/2014/main" id="{B9CFC7C6-08F0-4E35-BEBE-E203636CB0D9}"/>
+                <a16:creationId xmlns="" xmlns:a16="http://schemas.microsoft.com/office/drawing/2014/main" id="{B9CFC7C6-08F0-4E35-BEBE-E203636CB0D9}"/>
               </a:ext>
             </a:extLst>
           </p:cNvPr>
@@ -19015,7 +19781,7 @@
           <p:cNvPr id="23" name="TextBox 22">
             <a:extLst>
               <a:ext uri="{FF2B5EF4-FFF2-40B4-BE49-F238E27FC236}">
-                <a16:creationId xmlns:a16="http://schemas.microsoft.com/office/drawing/2014/main" id="{BDBE1AE5-94D9-4834-93C5-A0C1C7DE5DD0}"/>
+                <a16:creationId xmlns="" xmlns:a16="http://schemas.microsoft.com/office/drawing/2014/main" id="{BDBE1AE5-94D9-4834-93C5-A0C1C7DE5DD0}"/>
               </a:ext>
             </a:extLst>
           </p:cNvPr>
@@ -19057,7 +19823,7 @@
           <p:cNvPr id="25" name="Group 24">
             <a:extLst>
               <a:ext uri="{FF2B5EF4-FFF2-40B4-BE49-F238E27FC236}">
-                <a16:creationId xmlns:a16="http://schemas.microsoft.com/office/drawing/2014/main" id="{44ED5114-D3F6-49C7-AE87-6CED5AC037FB}"/>
+                <a16:creationId xmlns="" xmlns:a16="http://schemas.microsoft.com/office/drawing/2014/main" id="{44ED5114-D3F6-49C7-AE87-6CED5AC037FB}"/>
               </a:ext>
             </a:extLst>
           </p:cNvPr>
@@ -19077,7 +19843,7 @@
             <p:cNvPr id="26" name="TextBox 25">
               <a:extLst>
                 <a:ext uri="{FF2B5EF4-FFF2-40B4-BE49-F238E27FC236}">
-                  <a16:creationId xmlns:a16="http://schemas.microsoft.com/office/drawing/2014/main" id="{9C0CC259-194F-4463-B991-81ABEFCE5989}"/>
+                  <a16:creationId xmlns="" xmlns:a16="http://schemas.microsoft.com/office/drawing/2014/main" id="{9C0CC259-194F-4463-B991-81ABEFCE5989}"/>
                 </a:ext>
               </a:extLst>
             </p:cNvPr>
@@ -19117,7 +19883,7 @@
             <p:cNvPr id="27" name="TextBox 26">
               <a:extLst>
                 <a:ext uri="{FF2B5EF4-FFF2-40B4-BE49-F238E27FC236}">
-                  <a16:creationId xmlns:a16="http://schemas.microsoft.com/office/drawing/2014/main" id="{0D03164A-D5AA-44D6-A57C-8A887EC01A96}"/>
+                  <a16:creationId xmlns="" xmlns:a16="http://schemas.microsoft.com/office/drawing/2014/main" id="{0D03164A-D5AA-44D6-A57C-8A887EC01A96}"/>
                 </a:ext>
               </a:extLst>
             </p:cNvPr>
@@ -19153,79 +19919,39 @@
           </p:txBody>
         </p:sp>
       </p:grpSp>
-      <p:sp>
-        <p:nvSpPr>
-          <p:cNvPr id="3" name="Content Placeholder 2"/>
-          <p:cNvSpPr>
-            <a:spLocks noGrp="1"/>
-          </p:cNvSpPr>
+      <p:pic>
+        <p:nvPicPr>
+          <p:cNvPr id="5" name="Content Placeholder 4">
+            <a:extLst>
+              <a:ext uri="{FF2B5EF4-FFF2-40B4-BE49-F238E27FC236}">
+                <a16:creationId xmlns="" xmlns:a16="http://schemas.microsoft.com/office/drawing/2014/main" id="{D77E054F-359E-4C11-862E-5E4C82B6B520}"/>
+              </a:ext>
+            </a:extLst>
+          </p:cNvPr>
+          <p:cNvPicPr>
+            <a:picLocks noGrp="1" noChangeAspect="1"/>
+          </p:cNvPicPr>
           <p:nvPr>
             <p:ph idx="1"/>
           </p:nvPr>
-        </p:nvSpPr>
-        <p:spPr/>
-        <p:txBody>
-          <a:bodyPr>
-            <a:noAutofit/>
-          </a:bodyPr>
-          <a:lstStyle/>
-          <a:p>
-            <a:pPr>
-              <a:buFont typeface="Wingdings" panose="05000000000000000000" pitchFamily="2" charset="2"/>
-              <a:buChar char="§"/>
-            </a:pPr>
-            <a:r>
-              <a:rPr lang="en-US" sz="2400" dirty="0">
-                <a:latin typeface="+mj-lt"/>
-              </a:rPr>
-              <a:t>Since we know that market is volatile and keeps changing every minute, all these parameters are generated again and again. Thus, this prediction models can be used in building features like stop-loss or target threshold similar to those in famous trading apps like </a:t>
-            </a:r>
-            <a:r>
-              <a:rPr lang="en-US" sz="2400" dirty="0" err="1">
-                <a:latin typeface="+mj-lt"/>
-              </a:rPr>
-              <a:t>PayTM</a:t>
-            </a:r>
-            <a:r>
-              <a:rPr lang="en-US" sz="2400" dirty="0">
-                <a:latin typeface="+mj-lt"/>
-              </a:rPr>
-              <a:t> Money. </a:t>
-            </a:r>
-            <a:endParaRPr lang="en-IN" sz="2400" dirty="0">
-              <a:latin typeface="+mj-lt"/>
-            </a:endParaRPr>
-          </a:p>
-          <a:p>
-            <a:pPr>
-              <a:buFont typeface="Wingdings" panose="05000000000000000000" pitchFamily="2" charset="2"/>
-              <a:buChar char="§"/>
-            </a:pPr>
-            <a:r>
-              <a:rPr lang="en-US" sz="2400" dirty="0">
-                <a:latin typeface="+mj-lt"/>
-              </a:rPr>
-              <a:t>We also observed that our models are a little naïve and we need to implement more feature rich models to analyze stock market data like Support Vector Machine or Artificial Neural Network for more accurate predictions and sentiment classification.</a:t>
-            </a:r>
-            <a:endParaRPr lang="en-IN" sz="2400" dirty="0">
-              <a:latin typeface="+mj-lt"/>
-            </a:endParaRPr>
-          </a:p>
-          <a:p>
-            <a:pPr>
-              <a:buFont typeface="Wingdings" panose="05000000000000000000" pitchFamily="2" charset="2"/>
-              <a:buChar char="§"/>
-            </a:pPr>
-            <a:endParaRPr lang="en-IN" sz="2000" dirty="0">
-              <a:latin typeface="+mj-lt"/>
-            </a:endParaRPr>
-          </a:p>
-        </p:txBody>
-      </p:sp>
+        </p:nvPicPr>
+        <p:blipFill>
+          <a:blip r:embed="rId3"/>
+          <a:stretch>
+            <a:fillRect/>
+          </a:stretch>
+        </p:blipFill>
+        <p:spPr>
+          <a:xfrm>
+            <a:off x="1166327" y="1959429"/>
+            <a:ext cx="9918439" cy="4280225"/>
+          </a:xfrm>
+        </p:spPr>
+      </p:pic>
     </p:spTree>
     <p:extLst>
       <p:ext uri="{BB962C8B-B14F-4D97-AF65-F5344CB8AC3E}">
-        <p14:creationId xmlns:p14="http://schemas.microsoft.com/office/powerpoint/2010/main" val="3738725768"/>
+        <p14:creationId xmlns:p14="http://schemas.microsoft.com/office/powerpoint/2010/main" val="2625621767"/>
       </p:ext>
     </p:extLst>
   </p:cSld>
@@ -19235,10 +19961,17 @@
   <p:transition spd="slow">
     <p:cover/>
   </p:transition>
+  <p:timing>
+    <p:tnLst>
+      <p:par>
+        <p:cTn id="1" dur="indefinite" restart="never" nodeType="tmRoot"/>
+      </p:par>
+    </p:tnLst>
+  </p:timing>
 </p:sld>
 </file>
 
-<file path=ppt/slides/slide4.xml><?xml version="1.0" encoding="utf-8"?>
+<file path=ppt/slides/slide40.xml><?xml version="1.0" encoding="utf-8"?>
 <p:sld xmlns:a="http://schemas.openxmlformats.org/drawingml/2006/main" xmlns:r="http://schemas.openxmlformats.org/officeDocument/2006/relationships" xmlns:p="http://schemas.openxmlformats.org/presentationml/2006/main">
   <p:cSld>
     <p:spTree>
@@ -19260,7 +19993,7 @@
           <p:cNvPr id="118" name="Footer Placeholder 117">
             <a:extLst>
               <a:ext uri="{FF2B5EF4-FFF2-40B4-BE49-F238E27FC236}">
-                <a16:creationId xmlns:a16="http://schemas.microsoft.com/office/drawing/2014/main" id="{8555DE26-283D-4F5B-8E77-F1A08F07672E}"/>
+                <a16:creationId xmlns="" xmlns:a16="http://schemas.microsoft.com/office/drawing/2014/main" id="{8555DE26-283D-4F5B-8E77-F1A08F07672E}"/>
               </a:ext>
             </a:extLst>
           </p:cNvPr>
@@ -19289,7 +20022,7 @@
           <p:cNvPr id="119" name="Rectangle 118">
             <a:extLst>
               <a:ext uri="{FF2B5EF4-FFF2-40B4-BE49-F238E27FC236}">
-                <a16:creationId xmlns:a16="http://schemas.microsoft.com/office/drawing/2014/main" id="{2E2C032A-B57A-4F42-B962-257FA7EB0A8D}"/>
+                <a16:creationId xmlns="" xmlns:a16="http://schemas.microsoft.com/office/drawing/2014/main" id="{2E2C032A-B57A-4F42-B962-257FA7EB0A8D}"/>
               </a:ext>
             </a:extLst>
           </p:cNvPr>
@@ -19344,7 +20077,7 @@
           <p:cNvPr id="10" name="Rectangle 9">
             <a:extLst>
               <a:ext uri="{FF2B5EF4-FFF2-40B4-BE49-F238E27FC236}">
-                <a16:creationId xmlns:a16="http://schemas.microsoft.com/office/drawing/2014/main" id="{8422AED0-8059-4E23-BB3F-C6291E827C9E}"/>
+                <a16:creationId xmlns="" xmlns:a16="http://schemas.microsoft.com/office/drawing/2014/main" id="{8422AED0-8059-4E23-BB3F-C6291E827C9E}"/>
               </a:ext>
             </a:extLst>
           </p:cNvPr>
@@ -19394,73 +20127,29 @@
           <a:bodyPr rtlCol="0" anchor="ctr"/>
           <a:lstStyle/>
           <a:p>
-            <a:pPr algn="ctr"/>
-            <a:endParaRPr lang="en-IN"/>
-          </a:p>
-        </p:txBody>
-      </p:sp>
-      <p:sp>
-        <p:nvSpPr>
-          <p:cNvPr id="16" name="Title 4">
-            <a:extLst>
-              <a:ext uri="{FF2B5EF4-FFF2-40B4-BE49-F238E27FC236}">
-                <a16:creationId xmlns:a16="http://schemas.microsoft.com/office/drawing/2014/main" id="{5C6ED613-C127-4390-98E6-143B411C0C1E}"/>
-              </a:ext>
-            </a:extLst>
-          </p:cNvPr>
-          <p:cNvSpPr txBox="1">
-            <a:spLocks/>
-          </p:cNvSpPr>
-          <p:nvPr/>
-        </p:nvSpPr>
-        <p:spPr>
-          <a:xfrm>
-            <a:off x="383220" y="-102675"/>
-            <a:ext cx="10058400" cy="1487591"/>
-          </a:xfrm>
-          <a:prstGeom prst="rect">
-            <a:avLst/>
-          </a:prstGeom>
-        </p:spPr>
-        <p:txBody>
-          <a:bodyPr vert="horz" lIns="91440" tIns="45720" rIns="91440" bIns="45720" rtlCol="0" anchor="b">
-            <a:normAutofit fontScale="97500"/>
-          </a:bodyPr>
-          <a:lstStyle>
-            <a:lvl1pPr algn="l" defTabSz="914400" rtl="0" eaLnBrk="1" latinLnBrk="0" hangingPunct="1">
+            <a:pPr marL="457200" algn="just">
               <a:lnSpc>
-                <a:spcPct val="90000"/>
+                <a:spcPct val="107000"/>
               </a:lnSpc>
-              <a:spcBef>
-                <a:spcPct val="0"/>
-              </a:spcBef>
-              <a:buNone/>
-              <a:defRPr sz="4700" i="0" kern="1200" spc="-50" baseline="0">
-                <a:solidFill>
-                  <a:schemeClr val="tx1">
-                    <a:lumMod val="75000"/>
-                    <a:lumOff val="25000"/>
-                  </a:schemeClr>
-                </a:solidFill>
+              <a:spcAft>
+                <a:spcPts val="800"/>
+              </a:spcAft>
+            </a:pPr>
+            <a:r>
+              <a:rPr lang="en-US" sz="4400" dirty="0" smtClean="0">
+                <a:effectLst/>
                 <a:latin typeface="+mj-lt"/>
-                <a:ea typeface="+mj-ea"/>
-                <a:cs typeface="+mj-cs"/>
-              </a:defRPr>
-            </a:lvl1pPr>
-          </a:lstStyle>
-          <a:p>
-            <a:pPr marL="457200" indent="-457200">
-              <a:buFont typeface="Arial" panose="020B0604020202020204" pitchFamily="34" charset="0"/>
-              <a:buChar char="•"/>
-            </a:pPr>
-            <a:r>
-              <a:rPr lang="en-IN" sz="7200" dirty="0">
-                <a:solidFill>
-                  <a:schemeClr val="bg1"/>
-                </a:solidFill>
-              </a:rPr>
-              <a:t>Introduction</a:t>
-            </a:r>
+                <a:ea typeface="Calibri" panose="020F0502020204030204" pitchFamily="34" charset="0"/>
+                <a:cs typeface="Shruti" panose="020B0502040204020203" pitchFamily="34" charset="0"/>
+              </a:rPr>
+              <a:t>Conclusion</a:t>
+            </a:r>
+            <a:endParaRPr lang="en-IN" sz="4400" dirty="0">
+              <a:effectLst/>
+              <a:latin typeface="+mj-lt"/>
+              <a:ea typeface="Calibri" panose="020F0502020204030204" pitchFamily="34" charset="0"/>
+              <a:cs typeface="Shruti" panose="020B0502040204020203" pitchFamily="34" charset="0"/>
+            </a:endParaRPr>
           </a:p>
         </p:txBody>
       </p:sp>
@@ -19469,7 +20158,7 @@
           <p:cNvPr id="8" name="TextBox 7">
             <a:extLst>
               <a:ext uri="{FF2B5EF4-FFF2-40B4-BE49-F238E27FC236}">
-                <a16:creationId xmlns:a16="http://schemas.microsoft.com/office/drawing/2014/main" id="{B9CFC7C6-08F0-4E35-BEBE-E203636CB0D9}"/>
+                <a16:creationId xmlns="" xmlns:a16="http://schemas.microsoft.com/office/drawing/2014/main" id="{B9CFC7C6-08F0-4E35-BEBE-E203636CB0D9}"/>
               </a:ext>
             </a:extLst>
           </p:cNvPr>
@@ -19511,7 +20200,7 @@
           <p:cNvPr id="23" name="TextBox 22">
             <a:extLst>
               <a:ext uri="{FF2B5EF4-FFF2-40B4-BE49-F238E27FC236}">
-                <a16:creationId xmlns:a16="http://schemas.microsoft.com/office/drawing/2014/main" id="{BDBE1AE5-94D9-4834-93C5-A0C1C7DE5DD0}"/>
+                <a16:creationId xmlns="" xmlns:a16="http://schemas.microsoft.com/office/drawing/2014/main" id="{BDBE1AE5-94D9-4834-93C5-A0C1C7DE5DD0}"/>
               </a:ext>
             </a:extLst>
           </p:cNvPr>
@@ -19553,7 +20242,7 @@
           <p:cNvPr id="25" name="Group 24">
             <a:extLst>
               <a:ext uri="{FF2B5EF4-FFF2-40B4-BE49-F238E27FC236}">
-                <a16:creationId xmlns:a16="http://schemas.microsoft.com/office/drawing/2014/main" id="{44ED5114-D3F6-49C7-AE87-6CED5AC037FB}"/>
+                <a16:creationId xmlns="" xmlns:a16="http://schemas.microsoft.com/office/drawing/2014/main" id="{44ED5114-D3F6-49C7-AE87-6CED5AC037FB}"/>
               </a:ext>
             </a:extLst>
           </p:cNvPr>
@@ -19573,7 +20262,7 @@
             <p:cNvPr id="26" name="TextBox 25">
               <a:extLst>
                 <a:ext uri="{FF2B5EF4-FFF2-40B4-BE49-F238E27FC236}">
-                  <a16:creationId xmlns:a16="http://schemas.microsoft.com/office/drawing/2014/main" id="{9C0CC259-194F-4463-B991-81ABEFCE5989}"/>
+                  <a16:creationId xmlns="" xmlns:a16="http://schemas.microsoft.com/office/drawing/2014/main" id="{9C0CC259-194F-4463-B991-81ABEFCE5989}"/>
                 </a:ext>
               </a:extLst>
             </p:cNvPr>
@@ -19613,7 +20302,7 @@
             <p:cNvPr id="27" name="TextBox 26">
               <a:extLst>
                 <a:ext uri="{FF2B5EF4-FFF2-40B4-BE49-F238E27FC236}">
-                  <a16:creationId xmlns:a16="http://schemas.microsoft.com/office/drawing/2014/main" id="{0D03164A-D5AA-44D6-A57C-8A887EC01A96}"/>
+                  <a16:creationId xmlns="" xmlns:a16="http://schemas.microsoft.com/office/drawing/2014/main" id="{0D03164A-D5AA-44D6-A57C-8A887EC01A96}"/>
                 </a:ext>
               </a:extLst>
             </p:cNvPr>
@@ -19649,39 +20338,85 @@
           </p:txBody>
         </p:sp>
       </p:grpSp>
-      <p:pic>
-        <p:nvPicPr>
-          <p:cNvPr id="5" name="Content Placeholder 4">
-            <a:extLst>
-              <a:ext uri="{FF2B5EF4-FFF2-40B4-BE49-F238E27FC236}">
-                <a16:creationId xmlns:a16="http://schemas.microsoft.com/office/drawing/2014/main" id="{D77E054F-359E-4C11-862E-5E4C82B6B520}"/>
-              </a:ext>
-            </a:extLst>
-          </p:cNvPr>
-          <p:cNvPicPr>
-            <a:picLocks noGrp="1" noChangeAspect="1"/>
-          </p:cNvPicPr>
+      <p:sp>
+        <p:nvSpPr>
+          <p:cNvPr id="3" name="Content Placeholder 2"/>
+          <p:cNvSpPr>
+            <a:spLocks noGrp="1"/>
+          </p:cNvSpPr>
           <p:nvPr>
             <p:ph idx="1"/>
           </p:nvPr>
-        </p:nvPicPr>
-        <p:blipFill>
-          <a:blip r:embed="rId3"/>
-          <a:stretch>
-            <a:fillRect/>
-          </a:stretch>
-        </p:blipFill>
-        <p:spPr>
-          <a:xfrm>
-            <a:off x="1166327" y="1959429"/>
-            <a:ext cx="9918439" cy="4280225"/>
-          </a:xfrm>
-        </p:spPr>
-      </p:pic>
+        </p:nvSpPr>
+        <p:spPr/>
+        <p:txBody>
+          <a:bodyPr>
+            <a:noAutofit/>
+          </a:bodyPr>
+          <a:lstStyle/>
+          <a:p>
+            <a:pPr>
+              <a:buFont typeface="Wingdings" panose="05000000000000000000" pitchFamily="2" charset="2"/>
+              <a:buChar char="§"/>
+            </a:pPr>
+            <a:r>
+              <a:rPr lang="en-US" sz="2400" dirty="0">
+                <a:latin typeface="+mj-lt"/>
+              </a:rPr>
+              <a:t>Since we know that market is volatile and keeps changing every minute, all these parameters are generated again and again. Thus, this prediction models can be used in building features like stop-loss or target threshold similar to those in famous trading apps like </a:t>
+            </a:r>
+            <a:r>
+              <a:rPr lang="en-US" sz="2400" dirty="0" err="1">
+                <a:latin typeface="+mj-lt"/>
+              </a:rPr>
+              <a:t>PayTM</a:t>
+            </a:r>
+            <a:r>
+              <a:rPr lang="en-US" sz="2400" dirty="0">
+                <a:latin typeface="+mj-lt"/>
+              </a:rPr>
+              <a:t> Money. </a:t>
+            </a:r>
+            <a:endParaRPr lang="en-IN" sz="2400" dirty="0">
+              <a:latin typeface="+mj-lt"/>
+            </a:endParaRPr>
+          </a:p>
+          <a:p>
+            <a:pPr>
+              <a:buFont typeface="Wingdings" panose="05000000000000000000" pitchFamily="2" charset="2"/>
+              <a:buChar char="§"/>
+            </a:pPr>
+            <a:r>
+              <a:rPr lang="en-US" sz="2400" dirty="0">
+                <a:latin typeface="+mj-lt"/>
+              </a:rPr>
+              <a:t>We also observed that our models are a little naïve and we need to implement more feature rich models to analyze stock market data like Support Vector Machine or Artificial Neural Network for more accurate predictions and sentiment classification</a:t>
+            </a:r>
+            <a:r>
+              <a:rPr lang="en-US" sz="2400" dirty="0" smtClean="0">
+                <a:latin typeface="+mj-lt"/>
+              </a:rPr>
+              <a:t>.</a:t>
+            </a:r>
+            <a:endParaRPr lang="en-IN" sz="2400" dirty="0">
+              <a:latin typeface="+mj-lt"/>
+            </a:endParaRPr>
+          </a:p>
+          <a:p>
+            <a:pPr>
+              <a:buFont typeface="Wingdings" panose="05000000000000000000" pitchFamily="2" charset="2"/>
+              <a:buChar char="§"/>
+            </a:pPr>
+            <a:endParaRPr lang="en-IN" sz="2000" dirty="0">
+              <a:latin typeface="+mj-lt"/>
+            </a:endParaRPr>
+          </a:p>
+        </p:txBody>
+      </p:sp>
     </p:spTree>
     <p:extLst>
       <p:ext uri="{BB962C8B-B14F-4D97-AF65-F5344CB8AC3E}">
-        <p14:creationId xmlns:p14="http://schemas.microsoft.com/office/powerpoint/2010/main" val="2625621767"/>
+        <p14:creationId xmlns:p14="http://schemas.microsoft.com/office/powerpoint/2010/main" val="3738725768"/>
       </p:ext>
     </p:extLst>
   </p:cSld>
@@ -19694,7 +20429,7 @@
 </p:sld>
 </file>
 
-<file path=ppt/slides/slide40.xml><?xml version="1.0" encoding="utf-8"?>
+<file path=ppt/slides/slide41.xml><?xml version="1.0" encoding="utf-8"?>
 <p:sld xmlns:a="http://schemas.openxmlformats.org/drawingml/2006/main" xmlns:r="http://schemas.openxmlformats.org/officeDocument/2006/relationships" xmlns:p="http://schemas.openxmlformats.org/presentationml/2006/main">
   <p:cSld>
     <p:spTree>
@@ -19716,7 +20451,7 @@
           <p:cNvPr id="2" name="Title 1">
             <a:extLst>
               <a:ext uri="{FF2B5EF4-FFF2-40B4-BE49-F238E27FC236}">
-                <a16:creationId xmlns:a16="http://schemas.microsoft.com/office/drawing/2014/main" id="{4010AF38-26DF-48B3-952C-4A9091D6863C}"/>
+                <a16:creationId xmlns="" xmlns:a16="http://schemas.microsoft.com/office/drawing/2014/main" id="{4010AF38-26DF-48B3-952C-4A9091D6863C}"/>
               </a:ext>
             </a:extLst>
           </p:cNvPr>
@@ -19767,7 +20502,7 @@
           <p:cNvPr id="118" name="Footer Placeholder 117">
             <a:extLst>
               <a:ext uri="{FF2B5EF4-FFF2-40B4-BE49-F238E27FC236}">
-                <a16:creationId xmlns:a16="http://schemas.microsoft.com/office/drawing/2014/main" id="{8555DE26-283D-4F5B-8E77-F1A08F07672E}"/>
+                <a16:creationId xmlns="" xmlns:a16="http://schemas.microsoft.com/office/drawing/2014/main" id="{8555DE26-283D-4F5B-8E77-F1A08F07672E}"/>
               </a:ext>
             </a:extLst>
           </p:cNvPr>
@@ -19796,7 +20531,7 @@
           <p:cNvPr id="119" name="Rectangle 118">
             <a:extLst>
               <a:ext uri="{FF2B5EF4-FFF2-40B4-BE49-F238E27FC236}">
-                <a16:creationId xmlns:a16="http://schemas.microsoft.com/office/drawing/2014/main" id="{2E2C032A-B57A-4F42-B962-257FA7EB0A8D}"/>
+                <a16:creationId xmlns="" xmlns:a16="http://schemas.microsoft.com/office/drawing/2014/main" id="{2E2C032A-B57A-4F42-B962-257FA7EB0A8D}"/>
               </a:ext>
             </a:extLst>
           </p:cNvPr>
@@ -19851,7 +20586,7 @@
           <p:cNvPr id="7" name="TextBox 6">
             <a:extLst>
               <a:ext uri="{FF2B5EF4-FFF2-40B4-BE49-F238E27FC236}">
-                <a16:creationId xmlns:a16="http://schemas.microsoft.com/office/drawing/2014/main" id="{4C2ECFB9-97C6-4FB7-87D2-84724FCFC306}"/>
+                <a16:creationId xmlns="" xmlns:a16="http://schemas.microsoft.com/office/drawing/2014/main" id="{4C2ECFB9-97C6-4FB7-87D2-84724FCFC306}"/>
               </a:ext>
             </a:extLst>
           </p:cNvPr>
@@ -19893,7 +20628,7 @@
           <p:cNvPr id="8" name="TextBox 7">
             <a:extLst>
               <a:ext uri="{FF2B5EF4-FFF2-40B4-BE49-F238E27FC236}">
-                <a16:creationId xmlns:a16="http://schemas.microsoft.com/office/drawing/2014/main" id="{8AABDD19-1114-4678-89A0-A77A5387A6EF}"/>
+                <a16:creationId xmlns="" xmlns:a16="http://schemas.microsoft.com/office/drawing/2014/main" id="{8AABDD19-1114-4678-89A0-A77A5387A6EF}"/>
               </a:ext>
             </a:extLst>
           </p:cNvPr>
@@ -19935,7 +20670,7 @@
           <p:cNvPr id="9" name="Group 8">
             <a:extLst>
               <a:ext uri="{FF2B5EF4-FFF2-40B4-BE49-F238E27FC236}">
-                <a16:creationId xmlns:a16="http://schemas.microsoft.com/office/drawing/2014/main" id="{DD62920D-BAD5-4E76-8C1D-6D1CE024619D}"/>
+                <a16:creationId xmlns="" xmlns:a16="http://schemas.microsoft.com/office/drawing/2014/main" id="{DD62920D-BAD5-4E76-8C1D-6D1CE024619D}"/>
               </a:ext>
             </a:extLst>
           </p:cNvPr>
@@ -19955,7 +20690,7 @@
             <p:cNvPr id="10" name="TextBox 9">
               <a:extLst>
                 <a:ext uri="{FF2B5EF4-FFF2-40B4-BE49-F238E27FC236}">
-                  <a16:creationId xmlns:a16="http://schemas.microsoft.com/office/drawing/2014/main" id="{F1E21861-8DCD-4649-A0ED-B5D245A48DB1}"/>
+                  <a16:creationId xmlns="" xmlns:a16="http://schemas.microsoft.com/office/drawing/2014/main" id="{F1E21861-8DCD-4649-A0ED-B5D245A48DB1}"/>
                 </a:ext>
               </a:extLst>
             </p:cNvPr>
@@ -19985,7 +20720,7 @@
                   </a:solidFill>
                   <a:latin typeface="+mj-lt"/>
                 </a:rPr>
-                <a:t>20MCED05</a:t>
+                <a:t>	20MCED05</a:t>
               </a:r>
             </a:p>
           </p:txBody>
@@ -19995,7 +20730,7 @@
             <p:cNvPr id="11" name="TextBox 10">
               <a:extLst>
                 <a:ext uri="{FF2B5EF4-FFF2-40B4-BE49-F238E27FC236}">
-                  <a16:creationId xmlns:a16="http://schemas.microsoft.com/office/drawing/2014/main" id="{03990416-C3A1-4DE9-AF83-7D6A70AF1370}"/>
+                  <a16:creationId xmlns="" xmlns:a16="http://schemas.microsoft.com/office/drawing/2014/main" id="{03990416-C3A1-4DE9-AF83-7D6A70AF1370}"/>
                 </a:ext>
               </a:extLst>
             </p:cNvPr>
@@ -20078,7 +20813,7 @@
           <p:cNvPr id="118" name="Footer Placeholder 117">
             <a:extLst>
               <a:ext uri="{FF2B5EF4-FFF2-40B4-BE49-F238E27FC236}">
-                <a16:creationId xmlns:a16="http://schemas.microsoft.com/office/drawing/2014/main" id="{8555DE26-283D-4F5B-8E77-F1A08F07672E}"/>
+                <a16:creationId xmlns="" xmlns:a16="http://schemas.microsoft.com/office/drawing/2014/main" id="{8555DE26-283D-4F5B-8E77-F1A08F07672E}"/>
               </a:ext>
             </a:extLst>
           </p:cNvPr>
@@ -20107,7 +20842,7 @@
           <p:cNvPr id="119" name="Rectangle 118">
             <a:extLst>
               <a:ext uri="{FF2B5EF4-FFF2-40B4-BE49-F238E27FC236}">
-                <a16:creationId xmlns:a16="http://schemas.microsoft.com/office/drawing/2014/main" id="{2E2C032A-B57A-4F42-B962-257FA7EB0A8D}"/>
+                <a16:creationId xmlns="" xmlns:a16="http://schemas.microsoft.com/office/drawing/2014/main" id="{2E2C032A-B57A-4F42-B962-257FA7EB0A8D}"/>
               </a:ext>
             </a:extLst>
           </p:cNvPr>
@@ -20162,7 +20897,7 @@
           <p:cNvPr id="10" name="Rectangle 9">
             <a:extLst>
               <a:ext uri="{FF2B5EF4-FFF2-40B4-BE49-F238E27FC236}">
-                <a16:creationId xmlns:a16="http://schemas.microsoft.com/office/drawing/2014/main" id="{8422AED0-8059-4E23-BB3F-C6291E827C9E}"/>
+                <a16:creationId xmlns="" xmlns:a16="http://schemas.microsoft.com/office/drawing/2014/main" id="{8422AED0-8059-4E23-BB3F-C6291E827C9E}"/>
               </a:ext>
             </a:extLst>
           </p:cNvPr>
@@ -20222,7 +20957,7 @@
           <p:cNvPr id="16" name="Title 4">
             <a:extLst>
               <a:ext uri="{FF2B5EF4-FFF2-40B4-BE49-F238E27FC236}">
-                <a16:creationId xmlns:a16="http://schemas.microsoft.com/office/drawing/2014/main" id="{5C6ED613-C127-4390-98E6-143B411C0C1E}"/>
+                <a16:creationId xmlns="" xmlns:a16="http://schemas.microsoft.com/office/drawing/2014/main" id="{5C6ED613-C127-4390-98E6-143B411C0C1E}"/>
               </a:ext>
             </a:extLst>
           </p:cNvPr>
@@ -20287,7 +21022,7 @@
           <p:cNvPr id="8" name="TextBox 7">
             <a:extLst>
               <a:ext uri="{FF2B5EF4-FFF2-40B4-BE49-F238E27FC236}">
-                <a16:creationId xmlns:a16="http://schemas.microsoft.com/office/drawing/2014/main" id="{B9CFC7C6-08F0-4E35-BEBE-E203636CB0D9}"/>
+                <a16:creationId xmlns="" xmlns:a16="http://schemas.microsoft.com/office/drawing/2014/main" id="{B9CFC7C6-08F0-4E35-BEBE-E203636CB0D9}"/>
               </a:ext>
             </a:extLst>
           </p:cNvPr>
@@ -20329,7 +21064,7 @@
           <p:cNvPr id="23" name="TextBox 22">
             <a:extLst>
               <a:ext uri="{FF2B5EF4-FFF2-40B4-BE49-F238E27FC236}">
-                <a16:creationId xmlns:a16="http://schemas.microsoft.com/office/drawing/2014/main" id="{BDBE1AE5-94D9-4834-93C5-A0C1C7DE5DD0}"/>
+                <a16:creationId xmlns="" xmlns:a16="http://schemas.microsoft.com/office/drawing/2014/main" id="{BDBE1AE5-94D9-4834-93C5-A0C1C7DE5DD0}"/>
               </a:ext>
             </a:extLst>
           </p:cNvPr>
@@ -20371,7 +21106,7 @@
           <p:cNvPr id="25" name="Group 24">
             <a:extLst>
               <a:ext uri="{FF2B5EF4-FFF2-40B4-BE49-F238E27FC236}">
-                <a16:creationId xmlns:a16="http://schemas.microsoft.com/office/drawing/2014/main" id="{44ED5114-D3F6-49C7-AE87-6CED5AC037FB}"/>
+                <a16:creationId xmlns="" xmlns:a16="http://schemas.microsoft.com/office/drawing/2014/main" id="{44ED5114-D3F6-49C7-AE87-6CED5AC037FB}"/>
               </a:ext>
             </a:extLst>
           </p:cNvPr>
@@ -20391,7 +21126,7 @@
             <p:cNvPr id="26" name="TextBox 25">
               <a:extLst>
                 <a:ext uri="{FF2B5EF4-FFF2-40B4-BE49-F238E27FC236}">
-                  <a16:creationId xmlns:a16="http://schemas.microsoft.com/office/drawing/2014/main" id="{9C0CC259-194F-4463-B991-81ABEFCE5989}"/>
+                  <a16:creationId xmlns="" xmlns:a16="http://schemas.microsoft.com/office/drawing/2014/main" id="{9C0CC259-194F-4463-B991-81ABEFCE5989}"/>
                 </a:ext>
               </a:extLst>
             </p:cNvPr>
@@ -20431,7 +21166,7 @@
             <p:cNvPr id="27" name="TextBox 26">
               <a:extLst>
                 <a:ext uri="{FF2B5EF4-FFF2-40B4-BE49-F238E27FC236}">
-                  <a16:creationId xmlns:a16="http://schemas.microsoft.com/office/drawing/2014/main" id="{0D03164A-D5AA-44D6-A57C-8A887EC01A96}"/>
+                  <a16:creationId xmlns="" xmlns:a16="http://schemas.microsoft.com/office/drawing/2014/main" id="{0D03164A-D5AA-44D6-A57C-8A887EC01A96}"/>
                 </a:ext>
               </a:extLst>
             </p:cNvPr>
@@ -20472,7 +21207,7 @@
           <p:cNvPr id="6" name="Content Placeholder 5">
             <a:extLst>
               <a:ext uri="{FF2B5EF4-FFF2-40B4-BE49-F238E27FC236}">
-                <a16:creationId xmlns:a16="http://schemas.microsoft.com/office/drawing/2014/main" id="{F81ADD5B-1F19-4E1E-8BA2-EC0B3591C49A}"/>
+                <a16:creationId xmlns="" xmlns:a16="http://schemas.microsoft.com/office/drawing/2014/main" id="{F81ADD5B-1F19-4E1E-8BA2-EC0B3591C49A}"/>
               </a:ext>
             </a:extLst>
           </p:cNvPr>
@@ -20509,6 +21244,13 @@
   <p:transition spd="slow">
     <p:cover/>
   </p:transition>
+  <p:timing>
+    <p:tnLst>
+      <p:par>
+        <p:cTn id="1" dur="indefinite" restart="never" nodeType="tmRoot"/>
+      </p:par>
+    </p:tnLst>
+  </p:timing>
 </p:sld>
 </file>
 
@@ -20534,7 +21276,7 @@
           <p:cNvPr id="2" name="Title 1">
             <a:extLst>
               <a:ext uri="{FF2B5EF4-FFF2-40B4-BE49-F238E27FC236}">
-                <a16:creationId xmlns:a16="http://schemas.microsoft.com/office/drawing/2014/main" id="{4010AF38-26DF-48B3-952C-4A9091D6863C}"/>
+                <a16:creationId xmlns="" xmlns:a16="http://schemas.microsoft.com/office/drawing/2014/main" id="{4010AF38-26DF-48B3-952C-4A9091D6863C}"/>
               </a:ext>
             </a:extLst>
           </p:cNvPr>
@@ -20583,7 +21325,7 @@
           <p:cNvPr id="118" name="Footer Placeholder 117">
             <a:extLst>
               <a:ext uri="{FF2B5EF4-FFF2-40B4-BE49-F238E27FC236}">
-                <a16:creationId xmlns:a16="http://schemas.microsoft.com/office/drawing/2014/main" id="{8555DE26-283D-4F5B-8E77-F1A08F07672E}"/>
+                <a16:creationId xmlns="" xmlns:a16="http://schemas.microsoft.com/office/drawing/2014/main" id="{8555DE26-283D-4F5B-8E77-F1A08F07672E}"/>
               </a:ext>
             </a:extLst>
           </p:cNvPr>
@@ -20612,7 +21354,7 @@
           <p:cNvPr id="119" name="Rectangle 118">
             <a:extLst>
               <a:ext uri="{FF2B5EF4-FFF2-40B4-BE49-F238E27FC236}">
-                <a16:creationId xmlns:a16="http://schemas.microsoft.com/office/drawing/2014/main" id="{2E2C032A-B57A-4F42-B962-257FA7EB0A8D}"/>
+                <a16:creationId xmlns="" xmlns:a16="http://schemas.microsoft.com/office/drawing/2014/main" id="{2E2C032A-B57A-4F42-B962-257FA7EB0A8D}"/>
               </a:ext>
             </a:extLst>
           </p:cNvPr>
@@ -20667,7 +21409,7 @@
           <p:cNvPr id="11" name="Group 10">
             <a:extLst>
               <a:ext uri="{FF2B5EF4-FFF2-40B4-BE49-F238E27FC236}">
-                <a16:creationId xmlns:a16="http://schemas.microsoft.com/office/drawing/2014/main" id="{604634DD-3320-4540-86E5-5F8DC40C8770}"/>
+                <a16:creationId xmlns="" xmlns:a16="http://schemas.microsoft.com/office/drawing/2014/main" id="{604634DD-3320-4540-86E5-5F8DC40C8770}"/>
               </a:ext>
             </a:extLst>
           </p:cNvPr>
@@ -20687,7 +21429,7 @@
             <p:cNvPr id="12" name="TextBox 11">
               <a:extLst>
                 <a:ext uri="{FF2B5EF4-FFF2-40B4-BE49-F238E27FC236}">
-                  <a16:creationId xmlns:a16="http://schemas.microsoft.com/office/drawing/2014/main" id="{26B3F5C8-E23E-4273-B3F5-F9264971CC52}"/>
+                  <a16:creationId xmlns="" xmlns:a16="http://schemas.microsoft.com/office/drawing/2014/main" id="{26B3F5C8-E23E-4273-B3F5-F9264971CC52}"/>
                 </a:ext>
               </a:extLst>
             </p:cNvPr>
@@ -20727,7 +21469,7 @@
             <p:cNvPr id="13" name="TextBox 12">
               <a:extLst>
                 <a:ext uri="{FF2B5EF4-FFF2-40B4-BE49-F238E27FC236}">
-                  <a16:creationId xmlns:a16="http://schemas.microsoft.com/office/drawing/2014/main" id="{ED8D353A-9B2E-4717-A032-1FB35407DE38}"/>
+                  <a16:creationId xmlns="" xmlns:a16="http://schemas.microsoft.com/office/drawing/2014/main" id="{ED8D353A-9B2E-4717-A032-1FB35407DE38}"/>
                 </a:ext>
               </a:extLst>
             </p:cNvPr>
@@ -20776,6 +21518,13 @@
   <p:transition spd="slow">
     <p:cover/>
   </p:transition>
+  <p:timing>
+    <p:tnLst>
+      <p:par>
+        <p:cTn id="1" dur="indefinite" restart="never" nodeType="tmRoot"/>
+      </p:par>
+    </p:tnLst>
+  </p:timing>
 </p:sld>
 </file>
 
@@ -20801,7 +21550,7 @@
           <p:cNvPr id="14" name="Content Placeholder 13">
             <a:extLst>
               <a:ext uri="{FF2B5EF4-FFF2-40B4-BE49-F238E27FC236}">
-                <a16:creationId xmlns:a16="http://schemas.microsoft.com/office/drawing/2014/main" id="{A60033E3-FB9F-4B44-AC75-64CF68845793}"/>
+                <a16:creationId xmlns="" xmlns:a16="http://schemas.microsoft.com/office/drawing/2014/main" id="{A60033E3-FB9F-4B44-AC75-64CF68845793}"/>
               </a:ext>
             </a:extLst>
           </p:cNvPr>
@@ -20839,7 +21588,7 @@
           <p:cNvPr id="6" name="Content Placeholder 5">
             <a:extLst>
               <a:ext uri="{FF2B5EF4-FFF2-40B4-BE49-F238E27FC236}">
-                <a16:creationId xmlns:a16="http://schemas.microsoft.com/office/drawing/2014/main" id="{3E2C5BE4-67B1-4EFE-A315-4B4D9A74B26C}"/>
+                <a16:creationId xmlns="" xmlns:a16="http://schemas.microsoft.com/office/drawing/2014/main" id="{3E2C5BE4-67B1-4EFE-A315-4B4D9A74B26C}"/>
               </a:ext>
             </a:extLst>
           </p:cNvPr>
@@ -20916,7 +21665,7 @@
           <p:cNvPr id="118" name="Footer Placeholder 117">
             <a:extLst>
               <a:ext uri="{FF2B5EF4-FFF2-40B4-BE49-F238E27FC236}">
-                <a16:creationId xmlns:a16="http://schemas.microsoft.com/office/drawing/2014/main" id="{8555DE26-283D-4F5B-8E77-F1A08F07672E}"/>
+                <a16:creationId xmlns="" xmlns:a16="http://schemas.microsoft.com/office/drawing/2014/main" id="{8555DE26-283D-4F5B-8E77-F1A08F07672E}"/>
               </a:ext>
             </a:extLst>
           </p:cNvPr>
@@ -20945,7 +21694,7 @@
           <p:cNvPr id="119" name="Rectangle 118">
             <a:extLst>
               <a:ext uri="{FF2B5EF4-FFF2-40B4-BE49-F238E27FC236}">
-                <a16:creationId xmlns:a16="http://schemas.microsoft.com/office/drawing/2014/main" id="{2E2C032A-B57A-4F42-B962-257FA7EB0A8D}"/>
+                <a16:creationId xmlns="" xmlns:a16="http://schemas.microsoft.com/office/drawing/2014/main" id="{2E2C032A-B57A-4F42-B962-257FA7EB0A8D}"/>
               </a:ext>
             </a:extLst>
           </p:cNvPr>
@@ -21000,7 +21749,7 @@
           <p:cNvPr id="10" name="Rectangle 9">
             <a:extLst>
               <a:ext uri="{FF2B5EF4-FFF2-40B4-BE49-F238E27FC236}">
-                <a16:creationId xmlns:a16="http://schemas.microsoft.com/office/drawing/2014/main" id="{8422AED0-8059-4E23-BB3F-C6291E827C9E}"/>
+                <a16:creationId xmlns="" xmlns:a16="http://schemas.microsoft.com/office/drawing/2014/main" id="{8422AED0-8059-4E23-BB3F-C6291E827C9E}"/>
               </a:ext>
             </a:extLst>
           </p:cNvPr>
@@ -21060,7 +21809,7 @@
           <p:cNvPr id="16" name="Title 4">
             <a:extLst>
               <a:ext uri="{FF2B5EF4-FFF2-40B4-BE49-F238E27FC236}">
-                <a16:creationId xmlns:a16="http://schemas.microsoft.com/office/drawing/2014/main" id="{5C6ED613-C127-4390-98E6-143B411C0C1E}"/>
+                <a16:creationId xmlns="" xmlns:a16="http://schemas.microsoft.com/office/drawing/2014/main" id="{5C6ED613-C127-4390-98E6-143B411C0C1E}"/>
               </a:ext>
             </a:extLst>
           </p:cNvPr>
@@ -21125,7 +21874,7 @@
           <p:cNvPr id="8" name="TextBox 7">
             <a:extLst>
               <a:ext uri="{FF2B5EF4-FFF2-40B4-BE49-F238E27FC236}">
-                <a16:creationId xmlns:a16="http://schemas.microsoft.com/office/drawing/2014/main" id="{B9CFC7C6-08F0-4E35-BEBE-E203636CB0D9}"/>
+                <a16:creationId xmlns="" xmlns:a16="http://schemas.microsoft.com/office/drawing/2014/main" id="{B9CFC7C6-08F0-4E35-BEBE-E203636CB0D9}"/>
               </a:ext>
             </a:extLst>
           </p:cNvPr>
@@ -21167,7 +21916,7 @@
           <p:cNvPr id="23" name="TextBox 22">
             <a:extLst>
               <a:ext uri="{FF2B5EF4-FFF2-40B4-BE49-F238E27FC236}">
-                <a16:creationId xmlns:a16="http://schemas.microsoft.com/office/drawing/2014/main" id="{BDBE1AE5-94D9-4834-93C5-A0C1C7DE5DD0}"/>
+                <a16:creationId xmlns="" xmlns:a16="http://schemas.microsoft.com/office/drawing/2014/main" id="{BDBE1AE5-94D9-4834-93C5-A0C1C7DE5DD0}"/>
               </a:ext>
             </a:extLst>
           </p:cNvPr>
@@ -21209,7 +21958,7 @@
           <p:cNvPr id="25" name="Group 24">
             <a:extLst>
               <a:ext uri="{FF2B5EF4-FFF2-40B4-BE49-F238E27FC236}">
-                <a16:creationId xmlns:a16="http://schemas.microsoft.com/office/drawing/2014/main" id="{44ED5114-D3F6-49C7-AE87-6CED5AC037FB}"/>
+                <a16:creationId xmlns="" xmlns:a16="http://schemas.microsoft.com/office/drawing/2014/main" id="{44ED5114-D3F6-49C7-AE87-6CED5AC037FB}"/>
               </a:ext>
             </a:extLst>
           </p:cNvPr>
@@ -21229,7 +21978,7 @@
             <p:cNvPr id="26" name="TextBox 25">
               <a:extLst>
                 <a:ext uri="{FF2B5EF4-FFF2-40B4-BE49-F238E27FC236}">
-                  <a16:creationId xmlns:a16="http://schemas.microsoft.com/office/drawing/2014/main" id="{9C0CC259-194F-4463-B991-81ABEFCE5989}"/>
+                  <a16:creationId xmlns="" xmlns:a16="http://schemas.microsoft.com/office/drawing/2014/main" id="{9C0CC259-194F-4463-B991-81ABEFCE5989}"/>
                 </a:ext>
               </a:extLst>
             </p:cNvPr>
@@ -21269,7 +22018,7 @@
             <p:cNvPr id="27" name="TextBox 26">
               <a:extLst>
                 <a:ext uri="{FF2B5EF4-FFF2-40B4-BE49-F238E27FC236}">
-                  <a16:creationId xmlns:a16="http://schemas.microsoft.com/office/drawing/2014/main" id="{0D03164A-D5AA-44D6-A57C-8A887EC01A96}"/>
+                  <a16:creationId xmlns="" xmlns:a16="http://schemas.microsoft.com/office/drawing/2014/main" id="{0D03164A-D5AA-44D6-A57C-8A887EC01A96}"/>
                 </a:ext>
               </a:extLst>
             </p:cNvPr>
@@ -21318,6 +22067,13 @@
   <p:transition spd="slow">
     <p:cover/>
   </p:transition>
+  <p:timing>
+    <p:tnLst>
+      <p:par>
+        <p:cTn id="1" dur="indefinite" restart="never" nodeType="tmRoot"/>
+      </p:par>
+    </p:tnLst>
+  </p:timing>
 </p:sld>
 </file>
 
@@ -21343,7 +22099,7 @@
           <p:cNvPr id="2" name="Title 1">
             <a:extLst>
               <a:ext uri="{FF2B5EF4-FFF2-40B4-BE49-F238E27FC236}">
-                <a16:creationId xmlns:a16="http://schemas.microsoft.com/office/drawing/2014/main" id="{4010AF38-26DF-48B3-952C-4A9091D6863C}"/>
+                <a16:creationId xmlns="" xmlns:a16="http://schemas.microsoft.com/office/drawing/2014/main" id="{4010AF38-26DF-48B3-952C-4A9091D6863C}"/>
               </a:ext>
             </a:extLst>
           </p:cNvPr>
@@ -21411,7 +22167,7 @@
           <p:cNvPr id="118" name="Footer Placeholder 117">
             <a:extLst>
               <a:ext uri="{FF2B5EF4-FFF2-40B4-BE49-F238E27FC236}">
-                <a16:creationId xmlns:a16="http://schemas.microsoft.com/office/drawing/2014/main" id="{8555DE26-283D-4F5B-8E77-F1A08F07672E}"/>
+                <a16:creationId xmlns="" xmlns:a16="http://schemas.microsoft.com/office/drawing/2014/main" id="{8555DE26-283D-4F5B-8E77-F1A08F07672E}"/>
               </a:ext>
             </a:extLst>
           </p:cNvPr>
@@ -21440,7 +22196,7 @@
           <p:cNvPr id="119" name="Rectangle 118">
             <a:extLst>
               <a:ext uri="{FF2B5EF4-FFF2-40B4-BE49-F238E27FC236}">
-                <a16:creationId xmlns:a16="http://schemas.microsoft.com/office/drawing/2014/main" id="{2E2C032A-B57A-4F42-B962-257FA7EB0A8D}"/>
+                <a16:creationId xmlns="" xmlns:a16="http://schemas.microsoft.com/office/drawing/2014/main" id="{2E2C032A-B57A-4F42-B962-257FA7EB0A8D}"/>
               </a:ext>
             </a:extLst>
           </p:cNvPr>
@@ -21495,7 +22251,7 @@
           <p:cNvPr id="11" name="Group 10">
             <a:extLst>
               <a:ext uri="{FF2B5EF4-FFF2-40B4-BE49-F238E27FC236}">
-                <a16:creationId xmlns:a16="http://schemas.microsoft.com/office/drawing/2014/main" id="{604634DD-3320-4540-86E5-5F8DC40C8770}"/>
+                <a16:creationId xmlns="" xmlns:a16="http://schemas.microsoft.com/office/drawing/2014/main" id="{604634DD-3320-4540-86E5-5F8DC40C8770}"/>
               </a:ext>
             </a:extLst>
           </p:cNvPr>
@@ -21515,7 +22271,7 @@
             <p:cNvPr id="12" name="TextBox 11">
               <a:extLst>
                 <a:ext uri="{FF2B5EF4-FFF2-40B4-BE49-F238E27FC236}">
-                  <a16:creationId xmlns:a16="http://schemas.microsoft.com/office/drawing/2014/main" id="{26B3F5C8-E23E-4273-B3F5-F9264971CC52}"/>
+                  <a16:creationId xmlns="" xmlns:a16="http://schemas.microsoft.com/office/drawing/2014/main" id="{26B3F5C8-E23E-4273-B3F5-F9264971CC52}"/>
                 </a:ext>
               </a:extLst>
             </p:cNvPr>
@@ -21555,7 +22311,7 @@
             <p:cNvPr id="13" name="TextBox 12">
               <a:extLst>
                 <a:ext uri="{FF2B5EF4-FFF2-40B4-BE49-F238E27FC236}">
-                  <a16:creationId xmlns:a16="http://schemas.microsoft.com/office/drawing/2014/main" id="{ED8D353A-9B2E-4717-A032-1FB35407DE38}"/>
+                  <a16:creationId xmlns="" xmlns:a16="http://schemas.microsoft.com/office/drawing/2014/main" id="{ED8D353A-9B2E-4717-A032-1FB35407DE38}"/>
                 </a:ext>
               </a:extLst>
             </p:cNvPr>
@@ -21604,6 +22360,13 @@
   <p:transition spd="slow">
     <p:cover/>
   </p:transition>
+  <p:timing>
+    <p:tnLst>
+      <p:par>
+        <p:cTn id="1" dur="indefinite" restart="never" nodeType="tmRoot"/>
+      </p:par>
+    </p:tnLst>
+  </p:timing>
 </p:sld>
 </file>
 
@@ -21629,7 +22392,7 @@
           <p:cNvPr id="6" name="Content Placeholder 5">
             <a:extLst>
               <a:ext uri="{FF2B5EF4-FFF2-40B4-BE49-F238E27FC236}">
-                <a16:creationId xmlns:a16="http://schemas.microsoft.com/office/drawing/2014/main" id="{3E2C5BE4-67B1-4EFE-A315-4B4D9A74B26C}"/>
+                <a16:creationId xmlns="" xmlns:a16="http://schemas.microsoft.com/office/drawing/2014/main" id="{3E2C5BE4-67B1-4EFE-A315-4B4D9A74B26C}"/>
               </a:ext>
             </a:extLst>
           </p:cNvPr>
@@ -21752,7 +22515,7 @@
           <p:cNvPr id="118" name="Footer Placeholder 117">
             <a:extLst>
               <a:ext uri="{FF2B5EF4-FFF2-40B4-BE49-F238E27FC236}">
-                <a16:creationId xmlns:a16="http://schemas.microsoft.com/office/drawing/2014/main" id="{8555DE26-283D-4F5B-8E77-F1A08F07672E}"/>
+                <a16:creationId xmlns="" xmlns:a16="http://schemas.microsoft.com/office/drawing/2014/main" id="{8555DE26-283D-4F5B-8E77-F1A08F07672E}"/>
               </a:ext>
             </a:extLst>
           </p:cNvPr>
@@ -21781,7 +22544,7 @@
           <p:cNvPr id="119" name="Rectangle 118">
             <a:extLst>
               <a:ext uri="{FF2B5EF4-FFF2-40B4-BE49-F238E27FC236}">
-                <a16:creationId xmlns:a16="http://schemas.microsoft.com/office/drawing/2014/main" id="{2E2C032A-B57A-4F42-B962-257FA7EB0A8D}"/>
+                <a16:creationId xmlns="" xmlns:a16="http://schemas.microsoft.com/office/drawing/2014/main" id="{2E2C032A-B57A-4F42-B962-257FA7EB0A8D}"/>
               </a:ext>
             </a:extLst>
           </p:cNvPr>
@@ -21836,7 +22599,7 @@
           <p:cNvPr id="10" name="Rectangle 9">
             <a:extLst>
               <a:ext uri="{FF2B5EF4-FFF2-40B4-BE49-F238E27FC236}">
-                <a16:creationId xmlns:a16="http://schemas.microsoft.com/office/drawing/2014/main" id="{8422AED0-8059-4E23-BB3F-C6291E827C9E}"/>
+                <a16:creationId xmlns="" xmlns:a16="http://schemas.microsoft.com/office/drawing/2014/main" id="{8422AED0-8059-4E23-BB3F-C6291E827C9E}"/>
               </a:ext>
             </a:extLst>
           </p:cNvPr>
@@ -21896,7 +22659,7 @@
           <p:cNvPr id="16" name="Title 4">
             <a:extLst>
               <a:ext uri="{FF2B5EF4-FFF2-40B4-BE49-F238E27FC236}">
-                <a16:creationId xmlns:a16="http://schemas.microsoft.com/office/drawing/2014/main" id="{5C6ED613-C127-4390-98E6-143B411C0C1E}"/>
+                <a16:creationId xmlns="" xmlns:a16="http://schemas.microsoft.com/office/drawing/2014/main" id="{5C6ED613-C127-4390-98E6-143B411C0C1E}"/>
               </a:ext>
             </a:extLst>
           </p:cNvPr>
@@ -21991,7 +22754,7 @@
           <p:cNvPr id="8" name="TextBox 7">
             <a:extLst>
               <a:ext uri="{FF2B5EF4-FFF2-40B4-BE49-F238E27FC236}">
-                <a16:creationId xmlns:a16="http://schemas.microsoft.com/office/drawing/2014/main" id="{B9CFC7C6-08F0-4E35-BEBE-E203636CB0D9}"/>
+                <a16:creationId xmlns="" xmlns:a16="http://schemas.microsoft.com/office/drawing/2014/main" id="{B9CFC7C6-08F0-4E35-BEBE-E203636CB0D9}"/>
               </a:ext>
             </a:extLst>
           </p:cNvPr>
@@ -22033,7 +22796,7 @@
           <p:cNvPr id="23" name="TextBox 22">
             <a:extLst>
               <a:ext uri="{FF2B5EF4-FFF2-40B4-BE49-F238E27FC236}">
-                <a16:creationId xmlns:a16="http://schemas.microsoft.com/office/drawing/2014/main" id="{BDBE1AE5-94D9-4834-93C5-A0C1C7DE5DD0}"/>
+                <a16:creationId xmlns="" xmlns:a16="http://schemas.microsoft.com/office/drawing/2014/main" id="{BDBE1AE5-94D9-4834-93C5-A0C1C7DE5DD0}"/>
               </a:ext>
             </a:extLst>
           </p:cNvPr>
@@ -22075,7 +22838,7 @@
           <p:cNvPr id="25" name="Group 24">
             <a:extLst>
               <a:ext uri="{FF2B5EF4-FFF2-40B4-BE49-F238E27FC236}">
-                <a16:creationId xmlns:a16="http://schemas.microsoft.com/office/drawing/2014/main" id="{44ED5114-D3F6-49C7-AE87-6CED5AC037FB}"/>
+                <a16:creationId xmlns="" xmlns:a16="http://schemas.microsoft.com/office/drawing/2014/main" id="{44ED5114-D3F6-49C7-AE87-6CED5AC037FB}"/>
               </a:ext>
             </a:extLst>
           </p:cNvPr>
@@ -22095,7 +22858,7 @@
             <p:cNvPr id="26" name="TextBox 25">
               <a:extLst>
                 <a:ext uri="{FF2B5EF4-FFF2-40B4-BE49-F238E27FC236}">
-                  <a16:creationId xmlns:a16="http://schemas.microsoft.com/office/drawing/2014/main" id="{9C0CC259-194F-4463-B991-81ABEFCE5989}"/>
+                  <a16:creationId xmlns="" xmlns:a16="http://schemas.microsoft.com/office/drawing/2014/main" id="{9C0CC259-194F-4463-B991-81ABEFCE5989}"/>
                 </a:ext>
               </a:extLst>
             </p:cNvPr>
@@ -22135,7 +22898,7 @@
             <p:cNvPr id="27" name="TextBox 26">
               <a:extLst>
                 <a:ext uri="{FF2B5EF4-FFF2-40B4-BE49-F238E27FC236}">
-                  <a16:creationId xmlns:a16="http://schemas.microsoft.com/office/drawing/2014/main" id="{0D03164A-D5AA-44D6-A57C-8A887EC01A96}"/>
+                  <a16:creationId xmlns="" xmlns:a16="http://schemas.microsoft.com/office/drawing/2014/main" id="{0D03164A-D5AA-44D6-A57C-8A887EC01A96}"/>
                 </a:ext>
               </a:extLst>
             </p:cNvPr>
@@ -22184,6 +22947,13 @@
   <p:transition spd="slow">
     <p:cover/>
   </p:transition>
+  <p:timing>
+    <p:tnLst>
+      <p:par>
+        <p:cTn id="1" dur="indefinite" restart="never" nodeType="tmRoot"/>
+      </p:par>
+    </p:tnLst>
+  </p:timing>
 </p:sld>
 </file>
 
@@ -24270,6 +25040,49 @@
 </a:themeOverride>
 </file>
 
+<file path=ppt/theme/themeOverride41.xml><?xml version="1.0" encoding="utf-8"?>
+<a:themeOverride xmlns:a="http://schemas.openxmlformats.org/drawingml/2006/main">
+  <a:clrScheme name="Custom 41">
+    <a:dk1>
+      <a:sysClr val="windowText" lastClr="000000"/>
+    </a:dk1>
+    <a:lt1>
+      <a:sysClr val="window" lastClr="FFFFFF"/>
+    </a:lt1>
+    <a:dk2>
+      <a:srgbClr val="39302A"/>
+    </a:dk2>
+    <a:lt2>
+      <a:srgbClr val="E5DEDB"/>
+    </a:lt2>
+    <a:accent1>
+      <a:srgbClr val="F36826"/>
+    </a:accent1>
+    <a:accent2>
+      <a:srgbClr val="FB8E09"/>
+    </a:accent2>
+    <a:accent3>
+      <a:srgbClr val="D48B32"/>
+    </a:accent3>
+    <a:accent4>
+      <a:srgbClr val="E64823"/>
+    </a:accent4>
+    <a:accent5>
+      <a:srgbClr val="FFCA08"/>
+    </a:accent5>
+    <a:accent6>
+      <a:srgbClr val="AF695B"/>
+    </a:accent6>
+    <a:hlink>
+      <a:srgbClr val="2998E3"/>
+    </a:hlink>
+    <a:folHlink>
+      <a:srgbClr val="7F723D"/>
+    </a:folHlink>
+  </a:clrScheme>
+</a:themeOverride>
+</file>
+
 <file path=ppt/theme/themeOverride5.xml><?xml version="1.0" encoding="utf-8"?>
 <a:themeOverride xmlns:a="http://schemas.openxmlformats.org/drawingml/2006/main">
   <a:clrScheme name="Custom 41">
@@ -24486,6 +25299,24 @@
 </file>
 
 <file path=customXml/item1.xml><?xml version="1.0" encoding="utf-8"?>
+<?mso-contentType ?>
+<FormTemplates xmlns="http://schemas.microsoft.com/sharepoint/v3/contenttype/forms">
+  <Display>DocumentLibraryForm</Display>
+  <Edit>DocumentLibraryForm</Edit>
+  <New>DocumentLibraryForm</New>
+</FormTemplates>
+</file>
+
+<file path=customXml/item2.xml><?xml version="1.0" encoding="utf-8"?>
+<p:properties xmlns:p="http://schemas.microsoft.com/office/2006/metadata/properties" xmlns:xsi="http://www.w3.org/2001/XMLSchema-instance" xmlns:pc="http://schemas.microsoft.com/office/infopath/2007/PartnerControls">
+  <documentManagement>
+    <Status xmlns="71af3243-3dd4-4a8d-8c0d-dd76da1f02a5">Not started</Status>
+    <MediaServiceKeyPoints xmlns="71af3243-3dd4-4a8d-8c0d-dd76da1f02a5" xsi:nil="true"/>
+  </documentManagement>
+</p:properties>
+</file>
+
+<file path=customXml/item3.xml><?xml version="1.0" encoding="utf-8"?>
 <ct:contentTypeSchema xmlns:ct="http://schemas.microsoft.com/office/2006/metadata/contentType" xmlns:ma="http://schemas.microsoft.com/office/2006/metadata/properties/metaAttributes" ct:_="" ma:_="" ma:contentTypeName="Document" ma:contentTypeID="0x01010079F111ED35F8CC479449609E8A0923A6" ma:contentTypeVersion="12" ma:contentTypeDescription="Create a new document." ma:contentTypeScope="" ma:versionID="a410dd7f93c95333ffa1b60ed6adedd1">
   <xsd:schema xmlns:xsd="http://www.w3.org/2001/XMLSchema" xmlns:xs="http://www.w3.org/2001/XMLSchema" xmlns:p="http://schemas.microsoft.com/office/2006/metadata/properties" xmlns:ns2="71af3243-3dd4-4a8d-8c0d-dd76da1f02a5" xmlns:ns3="16c05727-aa75-4e4a-9b5f-8a80a1165891" targetNamespace="http://schemas.microsoft.com/office/2006/metadata/properties" ma:root="true" ma:fieldsID="a936d9baba76aa3866493feff160faab" ns2:_="" ns3:_="">
     <xsd:import namespace="71af3243-3dd4-4a8d-8c0d-dd76da1f02a5"/>
@@ -24706,25 +25537,25 @@
 </ct:contentTypeSchema>
 </file>
 
-<file path=customXml/item2.xml><?xml version="1.0" encoding="utf-8"?>
-<p:properties xmlns:p="http://schemas.microsoft.com/office/2006/metadata/properties" xmlns:xsi="http://www.w3.org/2001/XMLSchema-instance" xmlns:pc="http://schemas.microsoft.com/office/infopath/2007/PartnerControls">
-  <documentManagement>
-    <Status xmlns="71af3243-3dd4-4a8d-8c0d-dd76da1f02a5">Not started</Status>
-    <MediaServiceKeyPoints xmlns="71af3243-3dd4-4a8d-8c0d-dd76da1f02a5" xsi:nil="true"/>
-  </documentManagement>
-</p:properties>
+<file path=customXml/itemProps1.xml><?xml version="1.0" encoding="utf-8"?>
+<ds:datastoreItem xmlns:ds="http://schemas.openxmlformats.org/officeDocument/2006/customXml" ds:itemID="{638A3B04-B0F3-4C12-A722-52B5CF6D9723}">
+  <ds:schemaRefs>
+    <ds:schemaRef ds:uri="http://schemas.microsoft.com/sharepoint/v3/contenttype/forms"/>
+  </ds:schemaRefs>
+</ds:datastoreItem>
 </file>
 
-<file path=customXml/item3.xml><?xml version="1.0" encoding="utf-8"?>
-<?mso-contentType ?>
-<FormTemplates xmlns="http://schemas.microsoft.com/sharepoint/v3/contenttype/forms">
-  <Display>DocumentLibraryForm</Display>
-  <Edit>DocumentLibraryForm</Edit>
-  <New>DocumentLibraryForm</New>
-</FormTemplates>
+<file path=customXml/itemProps2.xml><?xml version="1.0" encoding="utf-8"?>
+<ds:datastoreItem xmlns:ds="http://schemas.openxmlformats.org/officeDocument/2006/customXml" ds:itemID="{4F5B1FD9-3BB6-4DA9-A089-3B68C2323D4F}">
+  <ds:schemaRefs>
+    <ds:schemaRef ds:uri="http://schemas.microsoft.com/office/2006/metadata/properties"/>
+    <ds:schemaRef ds:uri="http://schemas.microsoft.com/office/infopath/2007/PartnerControls"/>
+    <ds:schemaRef ds:uri="71af3243-3dd4-4a8d-8c0d-dd76da1f02a5"/>
+  </ds:schemaRefs>
+</ds:datastoreItem>
 </file>
 
-<file path=customXml/itemProps1.xml><?xml version="1.0" encoding="utf-8"?>
+<file path=customXml/itemProps3.xml><?xml version="1.0" encoding="utf-8"?>
 <ds:datastoreItem xmlns:ds="http://schemas.openxmlformats.org/officeDocument/2006/customXml" ds:itemID="{1747A963-53E0-44AF-AF13-963FE676C682}">
   <ds:schemaRefs>
     <ds:schemaRef ds:uri="http://schemas.microsoft.com/office/2006/metadata/contentType"/>
@@ -24741,22 +25572,4 @@
     <ds:schemaRef ds:uri="http://schemas.microsoft.com/internal/obd"/>
   </ds:schemaRefs>
 </ds:datastoreItem>
-</file>
-
-<file path=customXml/itemProps2.xml><?xml version="1.0" encoding="utf-8"?>
-<ds:datastoreItem xmlns:ds="http://schemas.openxmlformats.org/officeDocument/2006/customXml" ds:itemID="{4F5B1FD9-3BB6-4DA9-A089-3B68C2323D4F}">
-  <ds:schemaRefs>
-    <ds:schemaRef ds:uri="http://schemas.microsoft.com/office/2006/metadata/properties"/>
-    <ds:schemaRef ds:uri="http://schemas.microsoft.com/office/infopath/2007/PartnerControls"/>
-    <ds:schemaRef ds:uri="71af3243-3dd4-4a8d-8c0d-dd76da1f02a5"/>
-  </ds:schemaRefs>
-</ds:datastoreItem>
-</file>
-
-<file path=customXml/itemProps3.xml><?xml version="1.0" encoding="utf-8"?>
-<ds:datastoreItem xmlns:ds="http://schemas.openxmlformats.org/officeDocument/2006/customXml" ds:itemID="{638A3B04-B0F3-4C12-A722-52B5CF6D9723}">
-  <ds:schemaRefs>
-    <ds:schemaRef ds:uri="http://schemas.microsoft.com/sharepoint/v3/contenttype/forms"/>
-  </ds:schemaRefs>
-</ds:datastoreItem>
 </file>